--- a/Docs/PetSearch(WEB).pptx
+++ b/Docs/PetSearch(WEB).pptx
@@ -109,6 +109,11 @@
       </a:defRPr>
     </a:lvl9pPr>
   </p:defaultTextStyle>
+  <p:extLst>
+    <p:ext uri="{EFAFB233-063F-42B5-8137-9DF3F51BA10A}">
+      <p15:sldGuideLst xmlns:p15="http://schemas.microsoft.com/office/powerpoint/2012/main"/>
+    </p:ext>
+  </p:extLst>
 </p:presentation>
 </file>
 
@@ -364,7 +369,7 @@
           <a:p>
             <a:fld id="{4CA7187D-B873-4EA6-A7FD-085988EEEBD8}" type="datetimeFigureOut">
               <a:rPr lang="ru-RU" smtClean="0"/>
-              <a:t>30.04.2025</a:t>
+              <a:t>01.05.2025</a:t>
             </a:fld>
             <a:endParaRPr lang="ru-RU"/>
           </a:p>
@@ -562,7 +567,7 @@
           <a:p>
             <a:fld id="{4CA7187D-B873-4EA6-A7FD-085988EEEBD8}" type="datetimeFigureOut">
               <a:rPr lang="ru-RU" smtClean="0"/>
-              <a:t>30.04.2025</a:t>
+              <a:t>01.05.2025</a:t>
             </a:fld>
             <a:endParaRPr lang="ru-RU"/>
           </a:p>
@@ -770,7 +775,7 @@
           <a:p>
             <a:fld id="{4CA7187D-B873-4EA6-A7FD-085988EEEBD8}" type="datetimeFigureOut">
               <a:rPr lang="ru-RU" smtClean="0"/>
-              <a:t>30.04.2025</a:t>
+              <a:t>01.05.2025</a:t>
             </a:fld>
             <a:endParaRPr lang="ru-RU"/>
           </a:p>
@@ -968,7 +973,7 @@
           <a:p>
             <a:fld id="{4CA7187D-B873-4EA6-A7FD-085988EEEBD8}" type="datetimeFigureOut">
               <a:rPr lang="ru-RU" smtClean="0"/>
-              <a:t>30.04.2025</a:t>
+              <a:t>01.05.2025</a:t>
             </a:fld>
             <a:endParaRPr lang="ru-RU"/>
           </a:p>
@@ -1243,7 +1248,7 @@
           <a:p>
             <a:fld id="{4CA7187D-B873-4EA6-A7FD-085988EEEBD8}" type="datetimeFigureOut">
               <a:rPr lang="ru-RU" smtClean="0"/>
-              <a:t>30.04.2025</a:t>
+              <a:t>01.05.2025</a:t>
             </a:fld>
             <a:endParaRPr lang="ru-RU"/>
           </a:p>
@@ -1508,7 +1513,7 @@
           <a:p>
             <a:fld id="{4CA7187D-B873-4EA6-A7FD-085988EEEBD8}" type="datetimeFigureOut">
               <a:rPr lang="ru-RU" smtClean="0"/>
-              <a:t>30.04.2025</a:t>
+              <a:t>01.05.2025</a:t>
             </a:fld>
             <a:endParaRPr lang="ru-RU"/>
           </a:p>
@@ -1920,7 +1925,7 @@
           <a:p>
             <a:fld id="{4CA7187D-B873-4EA6-A7FD-085988EEEBD8}" type="datetimeFigureOut">
               <a:rPr lang="ru-RU" smtClean="0"/>
-              <a:t>30.04.2025</a:t>
+              <a:t>01.05.2025</a:t>
             </a:fld>
             <a:endParaRPr lang="ru-RU"/>
           </a:p>
@@ -2061,7 +2066,7 @@
           <a:p>
             <a:fld id="{4CA7187D-B873-4EA6-A7FD-085988EEEBD8}" type="datetimeFigureOut">
               <a:rPr lang="ru-RU" smtClean="0"/>
-              <a:t>30.04.2025</a:t>
+              <a:t>01.05.2025</a:t>
             </a:fld>
             <a:endParaRPr lang="ru-RU"/>
           </a:p>
@@ -2174,7 +2179,7 @@
           <a:p>
             <a:fld id="{4CA7187D-B873-4EA6-A7FD-085988EEEBD8}" type="datetimeFigureOut">
               <a:rPr lang="ru-RU" smtClean="0"/>
-              <a:t>30.04.2025</a:t>
+              <a:t>01.05.2025</a:t>
             </a:fld>
             <a:endParaRPr lang="ru-RU"/>
           </a:p>
@@ -2485,7 +2490,7 @@
           <a:p>
             <a:fld id="{4CA7187D-B873-4EA6-A7FD-085988EEEBD8}" type="datetimeFigureOut">
               <a:rPr lang="ru-RU" smtClean="0"/>
-              <a:t>30.04.2025</a:t>
+              <a:t>01.05.2025</a:t>
             </a:fld>
             <a:endParaRPr lang="ru-RU"/>
           </a:p>
@@ -2773,7 +2778,7 @@
           <a:p>
             <a:fld id="{4CA7187D-B873-4EA6-A7FD-085988EEEBD8}" type="datetimeFigureOut">
               <a:rPr lang="ru-RU" smtClean="0"/>
-              <a:t>30.04.2025</a:t>
+              <a:t>01.05.2025</a:t>
             </a:fld>
             <a:endParaRPr lang="ru-RU"/>
           </a:p>
@@ -3014,7 +3019,7 @@
           <a:p>
             <a:fld id="{4CA7187D-B873-4EA6-A7FD-085988EEEBD8}" type="datetimeFigureOut">
               <a:rPr lang="ru-RU" smtClean="0"/>
-              <a:t>30.04.2025</a:t>
+              <a:t>01.05.2025</a:t>
             </a:fld>
             <a:endParaRPr lang="ru-RU"/>
           </a:p>
@@ -3478,16 +3483,56 @@
         </p:nvSpPr>
         <p:spPr/>
         <p:txBody>
-          <a:bodyPr/>
-          <a:lstStyle/>
-          <a:p>
+          <a:bodyPr>
+            <a:normAutofit/>
+          </a:bodyPr>
+          <a:lstStyle/>
+          <a:p>
+            <a:pPr>
+              <a:lnSpc>
+                <a:spcPct val="107000"/>
+              </a:lnSpc>
+              <a:spcAft>
+                <a:spcPts val="800"/>
+              </a:spcAft>
+            </a:pPr>
             <a:r>
               <a:rPr lang="ru-RU" dirty="0"/>
-              <a:t>Авторы: (</a:t>
-            </a:r>
-            <a:r>
-              <a:rPr lang="ru-RU"/>
-              <a:t>вставлять лень)</a:t>
+              <a:t>Авторы: </a:t>
+            </a:r>
+            <a:r>
+              <a:rPr lang="ru-RU" dirty="0">
+                <a:effectLst/>
+                <a:ea typeface="Calibri" panose="020F0502020204030204" pitchFamily="34" charset="0"/>
+                <a:cs typeface="Times New Roman" panose="02020603050405020304" pitchFamily="18" charset="0"/>
+              </a:rPr>
+              <a:t>Алиса </a:t>
+            </a:r>
+            <a:r>
+              <a:rPr lang="ru-RU" dirty="0" err="1">
+                <a:effectLst/>
+                <a:ea typeface="Calibri" panose="020F0502020204030204" pitchFamily="34" charset="0"/>
+                <a:cs typeface="Times New Roman" panose="02020603050405020304" pitchFamily="18" charset="0"/>
+              </a:rPr>
+              <a:t>Аржаева</a:t>
+            </a:r>
+            <a:r>
+              <a:rPr lang="ru-RU" dirty="0">
+                <a:effectLst/>
+                <a:ea typeface="Calibri" panose="020F0502020204030204" pitchFamily="34" charset="0"/>
+                <a:cs typeface="Times New Roman" panose="02020603050405020304" pitchFamily="18" charset="0"/>
+              </a:rPr>
+              <a:t>, Таня Кочубей, </a:t>
+            </a:r>
+          </a:p>
+          <a:p>
+            <a:r>
+              <a:rPr lang="ru-RU" dirty="0">
+                <a:effectLst/>
+                <a:ea typeface="Calibri" panose="020F0502020204030204" pitchFamily="34" charset="0"/>
+                <a:cs typeface="Times New Roman" panose="02020603050405020304" pitchFamily="18" charset="0"/>
+              </a:rPr>
+              <a:t>Антон</a:t>
             </a:r>
             <a:endParaRPr lang="ru-RU" dirty="0"/>
           </a:p>

--- a/Docs/PetSearch(WEB).pptx
+++ b/Docs/PetSearch(WEB).pptx
@@ -2,23 +2,25 @@
 <file path=ppt/presentation.xml><?xml version="1.0" encoding="utf-8"?>
 <p:presentation xmlns:a="http://schemas.openxmlformats.org/drawingml/2006/main" xmlns:r="http://schemas.openxmlformats.org/officeDocument/2006/relationships" xmlns:p="http://schemas.openxmlformats.org/presentationml/2006/main" saveSubsetFonts="1">
   <p:sldMasterIdLst>
-    <p:sldMasterId id="2147483648" r:id="rId1"/>
+    <p:sldMasterId id="2147483660" r:id="rId1"/>
   </p:sldMasterIdLst>
   <p:sldIdLst>
     <p:sldId id="256" r:id="rId2"/>
     <p:sldId id="257" r:id="rId3"/>
-    <p:sldId id="259" r:id="rId4"/>
-    <p:sldId id="260" r:id="rId5"/>
-    <p:sldId id="261" r:id="rId6"/>
-    <p:sldId id="258" r:id="rId7"/>
+    <p:sldId id="262" r:id="rId4"/>
+    <p:sldId id="259" r:id="rId5"/>
+    <p:sldId id="263" r:id="rId6"/>
+    <p:sldId id="261" r:id="rId7"/>
+    <p:sldId id="260" r:id="rId8"/>
+    <p:sldId id="264" r:id="rId9"/>
   </p:sldIdLst>
   <p:sldSz cx="12192000" cy="6858000"/>
   <p:notesSz cx="6858000" cy="9144000"/>
   <p:defaultTextStyle>
     <a:defPPr>
-      <a:defRPr lang="ru-RU"/>
+      <a:defRPr lang="en-US"/>
     </a:defPPr>
-    <a:lvl1pPr marL="0" algn="l" defTabSz="914400" rtl="0" eaLnBrk="1" latinLnBrk="0" hangingPunct="1">
+    <a:lvl1pPr marL="0" algn="l" defTabSz="457200" rtl="0" eaLnBrk="1" latinLnBrk="0" hangingPunct="1">
       <a:defRPr sz="1800" kern="1200">
         <a:solidFill>
           <a:schemeClr val="tx1"/>
@@ -28,7 +30,7 @@
         <a:cs typeface="+mn-cs"/>
       </a:defRPr>
     </a:lvl1pPr>
-    <a:lvl2pPr marL="457200" algn="l" defTabSz="914400" rtl="0" eaLnBrk="1" latinLnBrk="0" hangingPunct="1">
+    <a:lvl2pPr marL="457200" algn="l" defTabSz="457200" rtl="0" eaLnBrk="1" latinLnBrk="0" hangingPunct="1">
       <a:defRPr sz="1800" kern="1200">
         <a:solidFill>
           <a:schemeClr val="tx1"/>
@@ -38,7 +40,7 @@
         <a:cs typeface="+mn-cs"/>
       </a:defRPr>
     </a:lvl2pPr>
-    <a:lvl3pPr marL="914400" algn="l" defTabSz="914400" rtl="0" eaLnBrk="1" latinLnBrk="0" hangingPunct="1">
+    <a:lvl3pPr marL="914400" algn="l" defTabSz="457200" rtl="0" eaLnBrk="1" latinLnBrk="0" hangingPunct="1">
       <a:defRPr sz="1800" kern="1200">
         <a:solidFill>
           <a:schemeClr val="tx1"/>
@@ -48,7 +50,7 @@
         <a:cs typeface="+mn-cs"/>
       </a:defRPr>
     </a:lvl3pPr>
-    <a:lvl4pPr marL="1371600" algn="l" defTabSz="914400" rtl="0" eaLnBrk="1" latinLnBrk="0" hangingPunct="1">
+    <a:lvl4pPr marL="1371600" algn="l" defTabSz="457200" rtl="0" eaLnBrk="1" latinLnBrk="0" hangingPunct="1">
       <a:defRPr sz="1800" kern="1200">
         <a:solidFill>
           <a:schemeClr val="tx1"/>
@@ -58,7 +60,7 @@
         <a:cs typeface="+mn-cs"/>
       </a:defRPr>
     </a:lvl4pPr>
-    <a:lvl5pPr marL="1828800" algn="l" defTabSz="914400" rtl="0" eaLnBrk="1" latinLnBrk="0" hangingPunct="1">
+    <a:lvl5pPr marL="1828800" algn="l" defTabSz="457200" rtl="0" eaLnBrk="1" latinLnBrk="0" hangingPunct="1">
       <a:defRPr sz="1800" kern="1200">
         <a:solidFill>
           <a:schemeClr val="tx1"/>
@@ -68,7 +70,7 @@
         <a:cs typeface="+mn-cs"/>
       </a:defRPr>
     </a:lvl5pPr>
-    <a:lvl6pPr marL="2286000" algn="l" defTabSz="914400" rtl="0" eaLnBrk="1" latinLnBrk="0" hangingPunct="1">
+    <a:lvl6pPr marL="2286000" algn="l" defTabSz="457200" rtl="0" eaLnBrk="1" latinLnBrk="0" hangingPunct="1">
       <a:defRPr sz="1800" kern="1200">
         <a:solidFill>
           <a:schemeClr val="tx1"/>
@@ -78,7 +80,7 @@
         <a:cs typeface="+mn-cs"/>
       </a:defRPr>
     </a:lvl6pPr>
-    <a:lvl7pPr marL="2743200" algn="l" defTabSz="914400" rtl="0" eaLnBrk="1" latinLnBrk="0" hangingPunct="1">
+    <a:lvl7pPr marL="2743200" algn="l" defTabSz="457200" rtl="0" eaLnBrk="1" latinLnBrk="0" hangingPunct="1">
       <a:defRPr sz="1800" kern="1200">
         <a:solidFill>
           <a:schemeClr val="tx1"/>
@@ -88,7 +90,7 @@
         <a:cs typeface="+mn-cs"/>
       </a:defRPr>
     </a:lvl7pPr>
-    <a:lvl8pPr marL="3200400" algn="l" defTabSz="914400" rtl="0" eaLnBrk="1" latinLnBrk="0" hangingPunct="1">
+    <a:lvl8pPr marL="3200400" algn="l" defTabSz="457200" rtl="0" eaLnBrk="1" latinLnBrk="0" hangingPunct="1">
       <a:defRPr sz="1800" kern="1200">
         <a:solidFill>
           <a:schemeClr val="tx1"/>
@@ -98,7 +100,7 @@
         <a:cs typeface="+mn-cs"/>
       </a:defRPr>
     </a:lvl8pPr>
-    <a:lvl9pPr marL="3657600" algn="l" defTabSz="914400" rtl="0" eaLnBrk="1" latinLnBrk="0" hangingPunct="1">
+    <a:lvl9pPr marL="3657600" algn="l" defTabSz="457200" rtl="0" eaLnBrk="1" latinLnBrk="0" hangingPunct="1">
       <a:defRPr sz="1800" kern="1200">
         <a:solidFill>
           <a:schemeClr val="tx1"/>
@@ -223,7 +225,7 @@
 </file>
 
 <file path=ppt/slideLayouts/slideLayout1.xml><?xml version="1.0" encoding="utf-8"?>
-<p:sldLayout xmlns:a="http://schemas.openxmlformats.org/drawingml/2006/main" xmlns:r="http://schemas.openxmlformats.org/officeDocument/2006/relationships" xmlns:p="http://schemas.openxmlformats.org/presentationml/2006/main" type="title" preserve="1">
+<p:sldLayout xmlns:a="http://schemas.openxmlformats.org/drawingml/2006/main" xmlns:r="http://schemas.openxmlformats.org/officeDocument/2006/relationships" xmlns:p="http://schemas.openxmlformats.org/presentationml/2006/main" showMasterSp="0" type="title" preserve="1">
   <p:cSld name="Титульный слайд">
     <p:spTree>
       <p:nvGrpSpPr>
@@ -241,31 +243,113 @@
       </p:grpSpPr>
       <p:sp>
         <p:nvSpPr>
-          <p:cNvPr id="2" name="Заголовок 1">
-            <a:extLst>
-              <a:ext uri="{FF2B5EF4-FFF2-40B4-BE49-F238E27FC236}">
-                <a16:creationId xmlns:a16="http://schemas.microsoft.com/office/drawing/2014/main" id="{9C2DB0EF-5685-4BBD-B470-05B4F95F7CBB}"/>
-              </a:ext>
-            </a:extLst>
-          </p:cNvPr>
-          <p:cNvSpPr>
-            <a:spLocks noGrp="1"/>
-          </p:cNvSpPr>
-          <p:nvPr>
-            <p:ph type="ctrTitle"/>
-          </p:nvPr>
+          <p:cNvPr id="7" name="Rectangle 6"/>
+          <p:cNvSpPr/>
+          <p:nvPr/>
         </p:nvSpPr>
         <p:spPr>
           <a:xfrm>
-            <a:off x="1524000" y="1122363"/>
-            <a:ext cx="9144000" cy="2387600"/>
+            <a:off x="3175" y="6400800"/>
+            <a:ext cx="12188825" cy="457200"/>
+          </a:xfrm>
+          <a:prstGeom prst="rect">
+            <a:avLst/>
+          </a:prstGeom>
+          <a:solidFill>
+            <a:schemeClr val="accent2"/>
+          </a:solidFill>
+          <a:ln>
+            <a:noFill/>
+          </a:ln>
+        </p:spPr>
+        <p:style>
+          <a:lnRef idx="2">
+            <a:schemeClr val="accent1">
+              <a:shade val="50000"/>
+            </a:schemeClr>
+          </a:lnRef>
+          <a:fillRef idx="1">
+            <a:schemeClr val="accent1"/>
+          </a:fillRef>
+          <a:effectRef idx="0">
+            <a:schemeClr val="accent1"/>
+          </a:effectRef>
+          <a:fontRef idx="minor">
+            <a:schemeClr val="lt1"/>
+          </a:fontRef>
+        </p:style>
+      </p:sp>
+      <p:sp>
+        <p:nvSpPr>
+          <p:cNvPr id="8" name="Rectangle 7"/>
+          <p:cNvSpPr/>
+          <p:nvPr/>
+        </p:nvSpPr>
+        <p:spPr>
+          <a:xfrm>
+            <a:off x="15" y="6334316"/>
+            <a:ext cx="12188825" cy="64008"/>
+          </a:xfrm>
+          <a:prstGeom prst="rect">
+            <a:avLst/>
+          </a:prstGeom>
+          <a:solidFill>
+            <a:schemeClr val="accent1"/>
+          </a:solidFill>
+          <a:ln>
+            <a:noFill/>
+          </a:ln>
+        </p:spPr>
+        <p:style>
+          <a:lnRef idx="2">
+            <a:schemeClr val="accent1">
+              <a:shade val="50000"/>
+            </a:schemeClr>
+          </a:lnRef>
+          <a:fillRef idx="1">
+            <a:schemeClr val="accent1"/>
+          </a:fillRef>
+          <a:effectRef idx="0">
+            <a:schemeClr val="accent1"/>
+          </a:effectRef>
+          <a:fontRef idx="minor">
+            <a:schemeClr val="lt1"/>
+          </a:fontRef>
+        </p:style>
+      </p:sp>
+      <p:sp>
+        <p:nvSpPr>
+          <p:cNvPr id="2" name="Title 1"/>
+          <p:cNvSpPr>
+            <a:spLocks noGrp="1"/>
+          </p:cNvSpPr>
+          <p:nvPr>
+            <p:ph type="ctrTitle"/>
+          </p:nvPr>
+        </p:nvSpPr>
+        <p:spPr>
+          <a:xfrm>
+            <a:off x="1097280" y="758952"/>
+            <a:ext cx="10058400" cy="3566160"/>
           </a:xfrm>
         </p:spPr>
         <p:txBody>
-          <a:bodyPr anchor="b"/>
+          <a:bodyPr anchor="b">
+            <a:normAutofit/>
+          </a:bodyPr>
           <a:lstStyle>
-            <a:lvl1pPr algn="ctr">
-              <a:defRPr sz="6000"/>
+            <a:lvl1pPr algn="l">
+              <a:lnSpc>
+                <a:spcPct val="85000"/>
+              </a:lnSpc>
+              <a:defRPr sz="8000" spc="-50" baseline="0">
+                <a:solidFill>
+                  <a:schemeClr val="tx1">
+                    <a:lumMod val="85000"/>
+                    <a:lumOff val="15000"/>
+                  </a:schemeClr>
+                </a:solidFill>
+              </a:defRPr>
             </a:lvl1pPr>
           </a:lstStyle>
           <a:p>
@@ -273,18 +357,13 @@
               <a:rPr lang="ru-RU"/>
               <a:t>Образец заголовка</a:t>
             </a:r>
-          </a:p>
-        </p:txBody>
-      </p:sp>
-      <p:sp>
-        <p:nvSpPr>
-          <p:cNvPr id="3" name="Подзаголовок 2">
-            <a:extLst>
-              <a:ext uri="{FF2B5EF4-FFF2-40B4-BE49-F238E27FC236}">
-                <a16:creationId xmlns:a16="http://schemas.microsoft.com/office/drawing/2014/main" id="{24E04F6D-350C-4B11-99A7-7804278920C2}"/>
-              </a:ext>
-            </a:extLst>
-          </p:cNvPr>
+            <a:endParaRPr lang="en-US" dirty="0"/>
+          </a:p>
+        </p:txBody>
+      </p:sp>
+      <p:sp>
+        <p:nvSpPr>
+          <p:cNvPr id="3" name="Subtitle 2"/>
           <p:cNvSpPr>
             <a:spLocks noGrp="1"/>
           </p:cNvSpPr>
@@ -294,48 +373,55 @@
         </p:nvSpPr>
         <p:spPr>
           <a:xfrm>
-            <a:off x="1524000" y="3602038"/>
-            <a:ext cx="9144000" cy="1655762"/>
+            <a:off x="1100051" y="4455620"/>
+            <a:ext cx="10058400" cy="1143000"/>
           </a:xfrm>
         </p:spPr>
         <p:txBody>
-          <a:bodyPr/>
+          <a:bodyPr lIns="91440" rIns="91440">
+            <a:normAutofit/>
+          </a:bodyPr>
           <a:lstStyle>
-            <a:lvl1pPr marL="0" indent="0" algn="ctr">
-              <a:buNone/>
-              <a:defRPr sz="2400"/>
+            <a:lvl1pPr marL="0" indent="0" algn="l">
+              <a:buNone/>
+              <a:defRPr sz="2400" cap="all" spc="200" baseline="0">
+                <a:solidFill>
+                  <a:schemeClr val="tx2"/>
+                </a:solidFill>
+                <a:latin typeface="+mj-lt"/>
+              </a:defRPr>
             </a:lvl1pPr>
             <a:lvl2pPr marL="457200" indent="0" algn="ctr">
               <a:buNone/>
-              <a:defRPr sz="2000"/>
+              <a:defRPr sz="2400"/>
             </a:lvl2pPr>
             <a:lvl3pPr marL="914400" indent="0" algn="ctr">
               <a:buNone/>
-              <a:defRPr sz="1800"/>
+              <a:defRPr sz="2400"/>
             </a:lvl3pPr>
             <a:lvl4pPr marL="1371600" indent="0" algn="ctr">
               <a:buNone/>
-              <a:defRPr sz="1600"/>
+              <a:defRPr sz="2000"/>
             </a:lvl4pPr>
             <a:lvl5pPr marL="1828800" indent="0" algn="ctr">
               <a:buNone/>
-              <a:defRPr sz="1600"/>
+              <a:defRPr sz="2000"/>
             </a:lvl5pPr>
             <a:lvl6pPr marL="2286000" indent="0" algn="ctr">
               <a:buNone/>
-              <a:defRPr sz="1600"/>
+              <a:defRPr sz="2000"/>
             </a:lvl6pPr>
             <a:lvl7pPr marL="2743200" indent="0" algn="ctr">
               <a:buNone/>
-              <a:defRPr sz="1600"/>
+              <a:defRPr sz="2000"/>
             </a:lvl7pPr>
             <a:lvl8pPr marL="3200400" indent="0" algn="ctr">
               <a:buNone/>
-              <a:defRPr sz="1600"/>
+              <a:defRPr sz="2000"/>
             </a:lvl8pPr>
             <a:lvl9pPr marL="3657600" indent="0" algn="ctr">
               <a:buNone/>
-              <a:defRPr sz="1600"/>
+              <a:defRPr sz="2000"/>
             </a:lvl9pPr>
           </a:lstStyle>
           <a:p>
@@ -343,18 +429,13 @@
               <a:rPr lang="ru-RU"/>
               <a:t>Образец подзаголовка</a:t>
             </a:r>
-          </a:p>
-        </p:txBody>
-      </p:sp>
-      <p:sp>
-        <p:nvSpPr>
-          <p:cNvPr id="4" name="Дата 3">
-            <a:extLst>
-              <a:ext uri="{FF2B5EF4-FFF2-40B4-BE49-F238E27FC236}">
-                <a16:creationId xmlns:a16="http://schemas.microsoft.com/office/drawing/2014/main" id="{6FFF23E6-BA09-495D-877E-064FCF250046}"/>
-              </a:ext>
-            </a:extLst>
-          </p:cNvPr>
+            <a:endParaRPr lang="en-US" dirty="0"/>
+          </a:p>
+        </p:txBody>
+      </p:sp>
+      <p:sp>
+        <p:nvSpPr>
+          <p:cNvPr id="4" name="Date Placeholder 3"/>
           <p:cNvSpPr>
             <a:spLocks noGrp="1"/>
           </p:cNvSpPr>
@@ -369,7 +450,7 @@
           <a:p>
             <a:fld id="{4CA7187D-B873-4EA6-A7FD-085988EEEBD8}" type="datetimeFigureOut">
               <a:rPr lang="ru-RU" smtClean="0"/>
-              <a:t>01.05.2025</a:t>
+              <a:t>17.05.2025</a:t>
             </a:fld>
             <a:endParaRPr lang="ru-RU"/>
           </a:p>
@@ -377,13 +458,7 @@
       </p:sp>
       <p:sp>
         <p:nvSpPr>
-          <p:cNvPr id="5" name="Нижний колонтитул 4">
-            <a:extLst>
-              <a:ext uri="{FF2B5EF4-FFF2-40B4-BE49-F238E27FC236}">
-                <a16:creationId xmlns:a16="http://schemas.microsoft.com/office/drawing/2014/main" id="{1FBEC504-ADDD-47C8-879B-9ECE8E1C85F8}"/>
-              </a:ext>
-            </a:extLst>
-          </p:cNvPr>
+          <p:cNvPr id="5" name="Footer Placeholder 4"/>
           <p:cNvSpPr>
             <a:spLocks noGrp="1"/>
           </p:cNvSpPr>
@@ -402,13 +477,7 @@
       </p:sp>
       <p:sp>
         <p:nvSpPr>
-          <p:cNvPr id="6" name="Номер слайда 5">
-            <a:extLst>
-              <a:ext uri="{FF2B5EF4-FFF2-40B4-BE49-F238E27FC236}">
-                <a16:creationId xmlns:a16="http://schemas.microsoft.com/office/drawing/2014/main" id="{1A3713C7-3A20-411A-9ED6-25E9F212E657}"/>
-              </a:ext>
-            </a:extLst>
-          </p:cNvPr>
+          <p:cNvPr id="6" name="Slide Number Placeholder 5"/>
           <p:cNvSpPr>
             <a:spLocks noGrp="1"/>
           </p:cNvSpPr>
@@ -429,10 +498,48 @@
           </a:p>
         </p:txBody>
       </p:sp>
+      <p:cxnSp>
+        <p:nvCxnSpPr>
+          <p:cNvPr id="9" name="Straight Connector 8"/>
+          <p:cNvCxnSpPr/>
+          <p:nvPr/>
+        </p:nvCxnSpPr>
+        <p:spPr>
+          <a:xfrm>
+            <a:off x="1207658" y="4343400"/>
+            <a:ext cx="9875520" cy="0"/>
+          </a:xfrm>
+          <a:prstGeom prst="line">
+            <a:avLst/>
+          </a:prstGeom>
+          <a:ln w="6350">
+            <a:solidFill>
+              <a:schemeClr val="tx1">
+                <a:lumMod val="50000"/>
+                <a:lumOff val="50000"/>
+              </a:schemeClr>
+            </a:solidFill>
+          </a:ln>
+        </p:spPr>
+        <p:style>
+          <a:lnRef idx="1">
+            <a:schemeClr val="accent1"/>
+          </a:lnRef>
+          <a:fillRef idx="0">
+            <a:schemeClr val="accent1"/>
+          </a:fillRef>
+          <a:effectRef idx="0">
+            <a:schemeClr val="accent1"/>
+          </a:effectRef>
+          <a:fontRef idx="minor">
+            <a:schemeClr val="tx1"/>
+          </a:fontRef>
+        </p:style>
+      </p:cxnSp>
     </p:spTree>
     <p:extLst>
       <p:ext uri="{BB962C8B-B14F-4D97-AF65-F5344CB8AC3E}">
-        <p14:creationId xmlns:p14="http://schemas.microsoft.com/office/powerpoint/2010/main" val="1962278146"/>
+        <p14:creationId xmlns:p14="http://schemas.microsoft.com/office/powerpoint/2010/main" val="2838828450"/>
       </p:ext>
     </p:extLst>
   </p:cSld>
@@ -461,13 +568,7 @@
       </p:grpSpPr>
       <p:sp>
         <p:nvSpPr>
-          <p:cNvPr id="2" name="Заголовок 1">
-            <a:extLst>
-              <a:ext uri="{FF2B5EF4-FFF2-40B4-BE49-F238E27FC236}">
-                <a16:creationId xmlns:a16="http://schemas.microsoft.com/office/drawing/2014/main" id="{99145AA7-19F8-4CCC-A1EA-B90B3DB6D54C}"/>
-              </a:ext>
-            </a:extLst>
-          </p:cNvPr>
+          <p:cNvPr id="2" name="Title 1"/>
           <p:cNvSpPr>
             <a:spLocks noGrp="1"/>
           </p:cNvSpPr>
@@ -484,18 +585,13 @@
               <a:rPr lang="ru-RU"/>
               <a:t>Образец заголовка</a:t>
             </a:r>
-          </a:p>
-        </p:txBody>
-      </p:sp>
-      <p:sp>
-        <p:nvSpPr>
-          <p:cNvPr id="3" name="Вертикальный текст 2">
-            <a:extLst>
-              <a:ext uri="{FF2B5EF4-FFF2-40B4-BE49-F238E27FC236}">
-                <a16:creationId xmlns:a16="http://schemas.microsoft.com/office/drawing/2014/main" id="{3A206D45-0F45-4B34-A769-28E7308D9ABA}"/>
-              </a:ext>
-            </a:extLst>
-          </p:cNvPr>
+            <a:endParaRPr lang="en-US" dirty="0"/>
+          </a:p>
+        </p:txBody>
+      </p:sp>
+      <p:sp>
+        <p:nvSpPr>
+          <p:cNvPr id="3" name="Vertical Text Placeholder 2"/>
           <p:cNvSpPr>
             <a:spLocks noGrp="1"/>
           </p:cNvSpPr>
@@ -505,7 +601,7 @@
         </p:nvSpPr>
         <p:spPr/>
         <p:txBody>
-          <a:bodyPr vert="eaVert"/>
+          <a:bodyPr vert="eaVert" lIns="45720" tIns="0" rIns="45720" bIns="0"/>
           <a:lstStyle/>
           <a:p>
             <a:pPr lvl="0"/>
@@ -541,18 +637,13 @@
               <a:rPr lang="ru-RU"/>
               <a:t>Пятый уровень</a:t>
             </a:r>
-          </a:p>
-        </p:txBody>
-      </p:sp>
-      <p:sp>
-        <p:nvSpPr>
-          <p:cNvPr id="4" name="Дата 3">
-            <a:extLst>
-              <a:ext uri="{FF2B5EF4-FFF2-40B4-BE49-F238E27FC236}">
-                <a16:creationId xmlns:a16="http://schemas.microsoft.com/office/drawing/2014/main" id="{2E68176B-AAF7-4823-84EA-B15E20E1A32D}"/>
-              </a:ext>
-            </a:extLst>
-          </p:cNvPr>
+            <a:endParaRPr lang="en-US" dirty="0"/>
+          </a:p>
+        </p:txBody>
+      </p:sp>
+      <p:sp>
+        <p:nvSpPr>
+          <p:cNvPr id="4" name="Date Placeholder 3"/>
           <p:cNvSpPr>
             <a:spLocks noGrp="1"/>
           </p:cNvSpPr>
@@ -567,7 +658,7 @@
           <a:p>
             <a:fld id="{4CA7187D-B873-4EA6-A7FD-085988EEEBD8}" type="datetimeFigureOut">
               <a:rPr lang="ru-RU" smtClean="0"/>
-              <a:t>01.05.2025</a:t>
+              <a:t>17.05.2025</a:t>
             </a:fld>
             <a:endParaRPr lang="ru-RU"/>
           </a:p>
@@ -575,13 +666,7 @@
       </p:sp>
       <p:sp>
         <p:nvSpPr>
-          <p:cNvPr id="5" name="Нижний колонтитул 4">
-            <a:extLst>
-              <a:ext uri="{FF2B5EF4-FFF2-40B4-BE49-F238E27FC236}">
-                <a16:creationId xmlns:a16="http://schemas.microsoft.com/office/drawing/2014/main" id="{1309FDA3-206A-4DE4-93CB-347A08D06B77}"/>
-              </a:ext>
-            </a:extLst>
-          </p:cNvPr>
+          <p:cNvPr id="5" name="Footer Placeholder 4"/>
           <p:cNvSpPr>
             <a:spLocks noGrp="1"/>
           </p:cNvSpPr>
@@ -600,13 +685,7 @@
       </p:sp>
       <p:sp>
         <p:nvSpPr>
-          <p:cNvPr id="6" name="Номер слайда 5">
-            <a:extLst>
-              <a:ext uri="{FF2B5EF4-FFF2-40B4-BE49-F238E27FC236}">
-                <a16:creationId xmlns:a16="http://schemas.microsoft.com/office/drawing/2014/main" id="{07E3E8FD-5DE0-425C-B708-C34EA2FFB629}"/>
-              </a:ext>
-            </a:extLst>
-          </p:cNvPr>
+          <p:cNvPr id="6" name="Slide Number Placeholder 5"/>
           <p:cNvSpPr>
             <a:spLocks noGrp="1"/>
           </p:cNvSpPr>
@@ -630,7 +709,7 @@
     </p:spTree>
     <p:extLst>
       <p:ext uri="{BB962C8B-B14F-4D97-AF65-F5344CB8AC3E}">
-        <p14:creationId xmlns:p14="http://schemas.microsoft.com/office/powerpoint/2010/main" val="3177674219"/>
+        <p14:creationId xmlns:p14="http://schemas.microsoft.com/office/powerpoint/2010/main" val="2645190187"/>
       </p:ext>
     </p:extLst>
   </p:cSld>
@@ -641,7 +720,7 @@
 </file>
 
 <file path=ppt/slideLayouts/slideLayout11.xml><?xml version="1.0" encoding="utf-8"?>
-<p:sldLayout xmlns:a="http://schemas.openxmlformats.org/drawingml/2006/main" xmlns:r="http://schemas.openxmlformats.org/officeDocument/2006/relationships" xmlns:p="http://schemas.openxmlformats.org/presentationml/2006/main" type="vertTitleAndTx" preserve="1">
+<p:sldLayout xmlns:a="http://schemas.openxmlformats.org/drawingml/2006/main" xmlns:r="http://schemas.openxmlformats.org/officeDocument/2006/relationships" xmlns:p="http://schemas.openxmlformats.org/presentationml/2006/main" showMasterSp="0" type="vertTitleAndTx" preserve="1">
   <p:cSld name="Вертикальный заголовок и текст">
     <p:spTree>
       <p:nvGrpSpPr>
@@ -659,24 +738,94 @@
       </p:grpSpPr>
       <p:sp>
         <p:nvSpPr>
-          <p:cNvPr id="2" name="Вертикальный заголовок 1">
-            <a:extLst>
-              <a:ext uri="{FF2B5EF4-FFF2-40B4-BE49-F238E27FC236}">
-                <a16:creationId xmlns:a16="http://schemas.microsoft.com/office/drawing/2014/main" id="{54C64380-705E-4D80-90D8-EA08EAF92BEC}"/>
-              </a:ext>
-            </a:extLst>
-          </p:cNvPr>
-          <p:cNvSpPr>
-            <a:spLocks noGrp="1"/>
-          </p:cNvSpPr>
-          <p:nvPr>
-            <p:ph type="title" orient="vert"/>
-          </p:nvPr>
+          <p:cNvPr id="7" name="Rectangle 6"/>
+          <p:cNvSpPr/>
+          <p:nvPr/>
         </p:nvSpPr>
         <p:spPr>
           <a:xfrm>
-            <a:off x="8724900" y="365125"/>
-            <a:ext cx="2628900" cy="5811838"/>
+            <a:off x="3175" y="6400800"/>
+            <a:ext cx="12188825" cy="457200"/>
+          </a:xfrm>
+          <a:prstGeom prst="rect">
+            <a:avLst/>
+          </a:prstGeom>
+          <a:solidFill>
+            <a:schemeClr val="accent2"/>
+          </a:solidFill>
+          <a:ln>
+            <a:noFill/>
+          </a:ln>
+        </p:spPr>
+        <p:style>
+          <a:lnRef idx="2">
+            <a:schemeClr val="accent1">
+              <a:shade val="50000"/>
+            </a:schemeClr>
+          </a:lnRef>
+          <a:fillRef idx="1">
+            <a:schemeClr val="accent1"/>
+          </a:fillRef>
+          <a:effectRef idx="0">
+            <a:schemeClr val="accent1"/>
+          </a:effectRef>
+          <a:fontRef idx="minor">
+            <a:schemeClr val="lt1"/>
+          </a:fontRef>
+        </p:style>
+      </p:sp>
+      <p:sp>
+        <p:nvSpPr>
+          <p:cNvPr id="8" name="Rectangle 7"/>
+          <p:cNvSpPr/>
+          <p:nvPr/>
+        </p:nvSpPr>
+        <p:spPr>
+          <a:xfrm>
+            <a:off x="15" y="6334316"/>
+            <a:ext cx="12188825" cy="64008"/>
+          </a:xfrm>
+          <a:prstGeom prst="rect">
+            <a:avLst/>
+          </a:prstGeom>
+          <a:solidFill>
+            <a:schemeClr val="accent1"/>
+          </a:solidFill>
+          <a:ln>
+            <a:noFill/>
+          </a:ln>
+        </p:spPr>
+        <p:style>
+          <a:lnRef idx="2">
+            <a:schemeClr val="accent1">
+              <a:shade val="50000"/>
+            </a:schemeClr>
+          </a:lnRef>
+          <a:fillRef idx="1">
+            <a:schemeClr val="accent1"/>
+          </a:fillRef>
+          <a:effectRef idx="0">
+            <a:schemeClr val="accent1"/>
+          </a:effectRef>
+          <a:fontRef idx="minor">
+            <a:schemeClr val="lt1"/>
+          </a:fontRef>
+        </p:style>
+      </p:sp>
+      <p:sp>
+        <p:nvSpPr>
+          <p:cNvPr id="2" name="Vertical Title 1"/>
+          <p:cNvSpPr>
+            <a:spLocks noGrp="1"/>
+          </p:cNvSpPr>
+          <p:nvPr>
+            <p:ph type="title" orient="vert"/>
+          </p:nvPr>
+        </p:nvSpPr>
+        <p:spPr>
+          <a:xfrm>
+            <a:off x="8724900" y="414778"/>
+            <a:ext cx="2628900" cy="5757421"/>
           </a:xfrm>
         </p:spPr>
         <p:txBody>
@@ -687,18 +836,13 @@
               <a:rPr lang="ru-RU"/>
               <a:t>Образец заголовка</a:t>
             </a:r>
-          </a:p>
-        </p:txBody>
-      </p:sp>
-      <p:sp>
-        <p:nvSpPr>
-          <p:cNvPr id="3" name="Вертикальный текст 2">
-            <a:extLst>
-              <a:ext uri="{FF2B5EF4-FFF2-40B4-BE49-F238E27FC236}">
-                <a16:creationId xmlns:a16="http://schemas.microsoft.com/office/drawing/2014/main" id="{CD7D483A-1507-4733-B819-2481AAC5C3D0}"/>
-              </a:ext>
-            </a:extLst>
-          </p:cNvPr>
+            <a:endParaRPr lang="en-US" dirty="0"/>
+          </a:p>
+        </p:txBody>
+      </p:sp>
+      <p:sp>
+        <p:nvSpPr>
+          <p:cNvPr id="3" name="Vertical Text Placeholder 2"/>
           <p:cNvSpPr>
             <a:spLocks noGrp="1"/>
           </p:cNvSpPr>
@@ -708,12 +852,12 @@
         </p:nvSpPr>
         <p:spPr>
           <a:xfrm>
-            <a:off x="838200" y="365125"/>
-            <a:ext cx="7734300" cy="5811838"/>
+            <a:off x="838200" y="414778"/>
+            <a:ext cx="7734300" cy="5757422"/>
           </a:xfrm>
         </p:spPr>
         <p:txBody>
-          <a:bodyPr vert="eaVert"/>
+          <a:bodyPr vert="eaVert" lIns="45720" tIns="0" rIns="45720" bIns="0"/>
           <a:lstStyle/>
           <a:p>
             <a:pPr lvl="0"/>
@@ -749,18 +893,13 @@
               <a:rPr lang="ru-RU"/>
               <a:t>Пятый уровень</a:t>
             </a:r>
-          </a:p>
-        </p:txBody>
-      </p:sp>
-      <p:sp>
-        <p:nvSpPr>
-          <p:cNvPr id="4" name="Дата 3">
-            <a:extLst>
-              <a:ext uri="{FF2B5EF4-FFF2-40B4-BE49-F238E27FC236}">
-                <a16:creationId xmlns:a16="http://schemas.microsoft.com/office/drawing/2014/main" id="{BB494369-4D44-455D-923D-E8C421442127}"/>
-              </a:ext>
-            </a:extLst>
-          </p:cNvPr>
+            <a:endParaRPr lang="en-US" dirty="0"/>
+          </a:p>
+        </p:txBody>
+      </p:sp>
+      <p:sp>
+        <p:nvSpPr>
+          <p:cNvPr id="4" name="Date Placeholder 3"/>
           <p:cNvSpPr>
             <a:spLocks noGrp="1"/>
           </p:cNvSpPr>
@@ -775,7 +914,7 @@
           <a:p>
             <a:fld id="{4CA7187D-B873-4EA6-A7FD-085988EEEBD8}" type="datetimeFigureOut">
               <a:rPr lang="ru-RU" smtClean="0"/>
-              <a:t>01.05.2025</a:t>
+              <a:t>17.05.2025</a:t>
             </a:fld>
             <a:endParaRPr lang="ru-RU"/>
           </a:p>
@@ -783,13 +922,7 @@
       </p:sp>
       <p:sp>
         <p:nvSpPr>
-          <p:cNvPr id="5" name="Нижний колонтитул 4">
-            <a:extLst>
-              <a:ext uri="{FF2B5EF4-FFF2-40B4-BE49-F238E27FC236}">
-                <a16:creationId xmlns:a16="http://schemas.microsoft.com/office/drawing/2014/main" id="{CDFD440A-93FD-486F-95B7-00327B9FA0F8}"/>
-              </a:ext>
-            </a:extLst>
-          </p:cNvPr>
+          <p:cNvPr id="5" name="Footer Placeholder 4"/>
           <p:cNvSpPr>
             <a:spLocks noGrp="1"/>
           </p:cNvSpPr>
@@ -808,13 +941,7 @@
       </p:sp>
       <p:sp>
         <p:nvSpPr>
-          <p:cNvPr id="6" name="Номер слайда 5">
-            <a:extLst>
-              <a:ext uri="{FF2B5EF4-FFF2-40B4-BE49-F238E27FC236}">
-                <a16:creationId xmlns:a16="http://schemas.microsoft.com/office/drawing/2014/main" id="{FDC6B919-78F9-4D58-9274-90A30F099CED}"/>
-              </a:ext>
-            </a:extLst>
-          </p:cNvPr>
+          <p:cNvPr id="6" name="Slide Number Placeholder 5"/>
           <p:cNvSpPr>
             <a:spLocks noGrp="1"/>
           </p:cNvSpPr>
@@ -838,7 +965,7 @@
     </p:spTree>
     <p:extLst>
       <p:ext uri="{BB962C8B-B14F-4D97-AF65-F5344CB8AC3E}">
-        <p14:creationId xmlns:p14="http://schemas.microsoft.com/office/powerpoint/2010/main" val="2942573244"/>
+        <p14:creationId xmlns:p14="http://schemas.microsoft.com/office/powerpoint/2010/main" val="2140157823"/>
       </p:ext>
     </p:extLst>
   </p:cSld>
@@ -867,18 +994,39 @@
       </p:grpSpPr>
       <p:sp>
         <p:nvSpPr>
-          <p:cNvPr id="2" name="Заголовок 1">
-            <a:extLst>
-              <a:ext uri="{FF2B5EF4-FFF2-40B4-BE49-F238E27FC236}">
-                <a16:creationId xmlns:a16="http://schemas.microsoft.com/office/drawing/2014/main" id="{CB7AAD1B-8DD2-4D07-AC0C-AA1197BF06E5}"/>
-              </a:ext>
-            </a:extLst>
-          </p:cNvPr>
+          <p:cNvPr id="2" name="Title 1"/>
           <p:cNvSpPr>
             <a:spLocks noGrp="1"/>
           </p:cNvSpPr>
           <p:nvPr>
             <p:ph type="title"/>
+          </p:nvPr>
+        </p:nvSpPr>
+        <p:spPr/>
+        <p:txBody>
+          <a:bodyPr/>
+          <a:lstStyle>
+            <a:lvl1pPr marL="0">
+              <a:defRPr/>
+            </a:lvl1pPr>
+          </a:lstStyle>
+          <a:p>
+            <a:r>
+              <a:rPr lang="ru-RU"/>
+              <a:t>Образец заголовка</a:t>
+            </a:r>
+            <a:endParaRPr lang="en-US" dirty="0"/>
+          </a:p>
+        </p:txBody>
+      </p:sp>
+      <p:sp>
+        <p:nvSpPr>
+          <p:cNvPr id="3" name="Content Placeholder 2"/>
+          <p:cNvSpPr>
+            <a:spLocks noGrp="1"/>
+          </p:cNvSpPr>
+          <p:nvPr>
+            <p:ph idx="1"/>
           </p:nvPr>
         </p:nvSpPr>
         <p:spPr/>
@@ -886,27 +1034,51 @@
           <a:bodyPr/>
           <a:lstStyle/>
           <a:p>
-            <a:r>
-              <a:rPr lang="ru-RU"/>
-              <a:t>Образец заголовка</a:t>
-            </a:r>
-          </a:p>
-        </p:txBody>
-      </p:sp>
-      <p:sp>
-        <p:nvSpPr>
-          <p:cNvPr id="3" name="Объект 2">
-            <a:extLst>
-              <a:ext uri="{FF2B5EF4-FFF2-40B4-BE49-F238E27FC236}">
-                <a16:creationId xmlns:a16="http://schemas.microsoft.com/office/drawing/2014/main" id="{CB0A9780-FBCC-48DA-96AA-97157F04B710}"/>
-              </a:ext>
-            </a:extLst>
-          </p:cNvPr>
-          <p:cNvSpPr>
-            <a:spLocks noGrp="1"/>
-          </p:cNvSpPr>
-          <p:nvPr>
-            <p:ph idx="1"/>
+            <a:pPr lvl="0"/>
+            <a:r>
+              <a:rPr lang="ru-RU"/>
+              <a:t>Образец текста</a:t>
+            </a:r>
+          </a:p>
+          <a:p>
+            <a:pPr lvl="1"/>
+            <a:r>
+              <a:rPr lang="ru-RU"/>
+              <a:t>Второй уровень</a:t>
+            </a:r>
+          </a:p>
+          <a:p>
+            <a:pPr lvl="2"/>
+            <a:r>
+              <a:rPr lang="ru-RU"/>
+              <a:t>Третий уровень</a:t>
+            </a:r>
+          </a:p>
+          <a:p>
+            <a:pPr lvl="3"/>
+            <a:r>
+              <a:rPr lang="ru-RU"/>
+              <a:t>Четвертый уровень</a:t>
+            </a:r>
+          </a:p>
+          <a:p>
+            <a:pPr lvl="4"/>
+            <a:r>
+              <a:rPr lang="ru-RU"/>
+              <a:t>Пятый уровень</a:t>
+            </a:r>
+            <a:endParaRPr lang="en-US" dirty="0"/>
+          </a:p>
+        </p:txBody>
+      </p:sp>
+      <p:sp>
+        <p:nvSpPr>
+          <p:cNvPr id="4" name="Date Placeholder 3"/>
+          <p:cNvSpPr>
+            <a:spLocks noGrp="1"/>
+          </p:cNvSpPr>
+          <p:nvPr>
+            <p:ph type="dt" sz="half" idx="10"/>
           </p:nvPr>
         </p:nvSpPr>
         <p:spPr/>
@@ -914,56 +1086,22 @@
           <a:bodyPr/>
           <a:lstStyle/>
           <a:p>
-            <a:pPr lvl="0"/>
-            <a:r>
-              <a:rPr lang="ru-RU"/>
-              <a:t>Образец текста</a:t>
-            </a:r>
-          </a:p>
-          <a:p>
-            <a:pPr lvl="1"/>
-            <a:r>
-              <a:rPr lang="ru-RU"/>
-              <a:t>Второй уровень</a:t>
-            </a:r>
-          </a:p>
-          <a:p>
-            <a:pPr lvl="2"/>
-            <a:r>
-              <a:rPr lang="ru-RU"/>
-              <a:t>Третий уровень</a:t>
-            </a:r>
-          </a:p>
-          <a:p>
-            <a:pPr lvl="3"/>
-            <a:r>
-              <a:rPr lang="ru-RU"/>
-              <a:t>Четвертый уровень</a:t>
-            </a:r>
-          </a:p>
-          <a:p>
-            <a:pPr lvl="4"/>
-            <a:r>
-              <a:rPr lang="ru-RU"/>
-              <a:t>Пятый уровень</a:t>
-            </a:r>
-          </a:p>
-        </p:txBody>
-      </p:sp>
-      <p:sp>
-        <p:nvSpPr>
-          <p:cNvPr id="4" name="Дата 3">
-            <a:extLst>
-              <a:ext uri="{FF2B5EF4-FFF2-40B4-BE49-F238E27FC236}">
-                <a16:creationId xmlns:a16="http://schemas.microsoft.com/office/drawing/2014/main" id="{CCBD94F3-FCAB-481A-9872-2710D26213EB}"/>
-              </a:ext>
-            </a:extLst>
-          </p:cNvPr>
-          <p:cNvSpPr>
-            <a:spLocks noGrp="1"/>
-          </p:cNvSpPr>
-          <p:nvPr>
-            <p:ph type="dt" sz="half" idx="10"/>
+            <a:fld id="{4CA7187D-B873-4EA6-A7FD-085988EEEBD8}" type="datetimeFigureOut">
+              <a:rPr lang="ru-RU" smtClean="0"/>
+              <a:t>17.05.2025</a:t>
+            </a:fld>
+            <a:endParaRPr lang="ru-RU"/>
+          </a:p>
+        </p:txBody>
+      </p:sp>
+      <p:sp>
+        <p:nvSpPr>
+          <p:cNvPr id="5" name="Footer Placeholder 4"/>
+          <p:cNvSpPr>
+            <a:spLocks noGrp="1"/>
+          </p:cNvSpPr>
+          <p:nvPr>
+            <p:ph type="ftr" sz="quarter" idx="11"/>
           </p:nvPr>
         </p:nvSpPr>
         <p:spPr/>
@@ -971,48 +1109,13 @@
           <a:bodyPr/>
           <a:lstStyle/>
           <a:p>
-            <a:fld id="{4CA7187D-B873-4EA6-A7FD-085988EEEBD8}" type="datetimeFigureOut">
-              <a:rPr lang="ru-RU" smtClean="0"/>
-              <a:t>01.05.2025</a:t>
-            </a:fld>
             <a:endParaRPr lang="ru-RU"/>
           </a:p>
         </p:txBody>
       </p:sp>
       <p:sp>
         <p:nvSpPr>
-          <p:cNvPr id="5" name="Нижний колонтитул 4">
-            <a:extLst>
-              <a:ext uri="{FF2B5EF4-FFF2-40B4-BE49-F238E27FC236}">
-                <a16:creationId xmlns:a16="http://schemas.microsoft.com/office/drawing/2014/main" id="{5B44A0A4-A651-49AD-A003-053092C7A9AE}"/>
-              </a:ext>
-            </a:extLst>
-          </p:cNvPr>
-          <p:cNvSpPr>
-            <a:spLocks noGrp="1"/>
-          </p:cNvSpPr>
-          <p:nvPr>
-            <p:ph type="ftr" sz="quarter" idx="11"/>
-          </p:nvPr>
-        </p:nvSpPr>
-        <p:spPr/>
-        <p:txBody>
-          <a:bodyPr/>
-          <a:lstStyle/>
-          <a:p>
-            <a:endParaRPr lang="ru-RU"/>
-          </a:p>
-        </p:txBody>
-      </p:sp>
-      <p:sp>
-        <p:nvSpPr>
-          <p:cNvPr id="6" name="Номер слайда 5">
-            <a:extLst>
-              <a:ext uri="{FF2B5EF4-FFF2-40B4-BE49-F238E27FC236}">
-                <a16:creationId xmlns:a16="http://schemas.microsoft.com/office/drawing/2014/main" id="{34A24C25-C76F-459B-89A4-A47EAF9FD1B8}"/>
-              </a:ext>
-            </a:extLst>
-          </p:cNvPr>
+          <p:cNvPr id="6" name="Slide Number Placeholder 5"/>
           <p:cNvSpPr>
             <a:spLocks noGrp="1"/>
           </p:cNvSpPr>
@@ -1036,7 +1139,7 @@
     </p:spTree>
     <p:extLst>
       <p:ext uri="{BB962C8B-B14F-4D97-AF65-F5344CB8AC3E}">
-        <p14:creationId xmlns:p14="http://schemas.microsoft.com/office/powerpoint/2010/main" val="2645459714"/>
+        <p14:creationId xmlns:p14="http://schemas.microsoft.com/office/powerpoint/2010/main" val="3027879725"/>
       </p:ext>
     </p:extLst>
   </p:cSld>
@@ -1047,8 +1150,16 @@
 </file>
 
 <file path=ppt/slideLayouts/slideLayout3.xml><?xml version="1.0" encoding="utf-8"?>
-<p:sldLayout xmlns:a="http://schemas.openxmlformats.org/drawingml/2006/main" xmlns:r="http://schemas.openxmlformats.org/officeDocument/2006/relationships" xmlns:p="http://schemas.openxmlformats.org/presentationml/2006/main" type="secHead" preserve="1">
+<p:sldLayout xmlns:a="http://schemas.openxmlformats.org/drawingml/2006/main" xmlns:r="http://schemas.openxmlformats.org/officeDocument/2006/relationships" xmlns:p="http://schemas.openxmlformats.org/presentationml/2006/main" showMasterSp="0" type="secHead" preserve="1">
   <p:cSld name="Заголовок раздела">
+    <p:bg>
+      <p:bgPr>
+        <a:solidFill>
+          <a:schemeClr val="bg1"/>
+        </a:solidFill>
+        <a:effectLst/>
+      </p:bgPr>
+    </p:bg>
     <p:spTree>
       <p:nvGrpSpPr>
         <p:cNvPr id="1" name=""/>
@@ -1065,79 +1176,157 @@
       </p:grpSpPr>
       <p:sp>
         <p:nvSpPr>
-          <p:cNvPr id="2" name="Заголовок 1">
-            <a:extLst>
-              <a:ext uri="{FF2B5EF4-FFF2-40B4-BE49-F238E27FC236}">
-                <a16:creationId xmlns:a16="http://schemas.microsoft.com/office/drawing/2014/main" id="{E6290555-9873-4B9D-9C8A-9745916DC63C}"/>
-              </a:ext>
-            </a:extLst>
-          </p:cNvPr>
-          <p:cNvSpPr>
-            <a:spLocks noGrp="1"/>
-          </p:cNvSpPr>
-          <p:nvPr>
-            <p:ph type="title"/>
-          </p:nvPr>
+          <p:cNvPr id="7" name="Rectangle 6"/>
+          <p:cNvSpPr/>
+          <p:nvPr/>
         </p:nvSpPr>
         <p:spPr>
           <a:xfrm>
-            <a:off x="831850" y="1709738"/>
-            <a:ext cx="10515600" cy="2852737"/>
+            <a:off x="3175" y="6400800"/>
+            <a:ext cx="12188825" cy="457200"/>
+          </a:xfrm>
+          <a:prstGeom prst="rect">
+            <a:avLst/>
+          </a:prstGeom>
+          <a:solidFill>
+            <a:schemeClr val="accent2"/>
+          </a:solidFill>
+          <a:ln>
+            <a:noFill/>
+          </a:ln>
+        </p:spPr>
+        <p:style>
+          <a:lnRef idx="2">
+            <a:schemeClr val="accent1">
+              <a:shade val="50000"/>
+            </a:schemeClr>
+          </a:lnRef>
+          <a:fillRef idx="1">
+            <a:schemeClr val="accent1"/>
+          </a:fillRef>
+          <a:effectRef idx="0">
+            <a:schemeClr val="accent1"/>
+          </a:effectRef>
+          <a:fontRef idx="minor">
+            <a:schemeClr val="lt1"/>
+          </a:fontRef>
+        </p:style>
+      </p:sp>
+      <p:sp>
+        <p:nvSpPr>
+          <p:cNvPr id="8" name="Rectangle 7"/>
+          <p:cNvSpPr/>
+          <p:nvPr/>
+        </p:nvSpPr>
+        <p:spPr>
+          <a:xfrm>
+            <a:off x="15" y="6334316"/>
+            <a:ext cx="12188825" cy="64008"/>
+          </a:xfrm>
+          <a:prstGeom prst="rect">
+            <a:avLst/>
+          </a:prstGeom>
+          <a:solidFill>
+            <a:schemeClr val="accent1"/>
+          </a:solidFill>
+          <a:ln>
+            <a:noFill/>
+          </a:ln>
+        </p:spPr>
+        <p:style>
+          <a:lnRef idx="2">
+            <a:schemeClr val="accent1">
+              <a:shade val="50000"/>
+            </a:schemeClr>
+          </a:lnRef>
+          <a:fillRef idx="1">
+            <a:schemeClr val="accent1"/>
+          </a:fillRef>
+          <a:effectRef idx="0">
+            <a:schemeClr val="accent1"/>
+          </a:effectRef>
+          <a:fontRef idx="minor">
+            <a:schemeClr val="lt1"/>
+          </a:fontRef>
+        </p:style>
+      </p:sp>
+      <p:sp>
+        <p:nvSpPr>
+          <p:cNvPr id="2" name="Title 1"/>
+          <p:cNvSpPr>
+            <a:spLocks noGrp="1"/>
+          </p:cNvSpPr>
+          <p:nvPr>
+            <p:ph type="title"/>
+          </p:nvPr>
+        </p:nvSpPr>
+        <p:spPr>
+          <a:xfrm>
+            <a:off x="1097280" y="758952"/>
+            <a:ext cx="10058400" cy="3566160"/>
           </a:xfrm>
         </p:spPr>
         <p:txBody>
-          <a:bodyPr anchor="b"/>
+          <a:bodyPr anchor="b" anchorCtr="0">
+            <a:normAutofit/>
+          </a:bodyPr>
           <a:lstStyle>
             <a:lvl1pPr>
-              <a:defRPr sz="6000"/>
-            </a:lvl1pPr>
-          </a:lstStyle>
-          <a:p>
-            <a:r>
-              <a:rPr lang="ru-RU"/>
-              <a:t>Образец заголовка</a:t>
-            </a:r>
-          </a:p>
-        </p:txBody>
-      </p:sp>
-      <p:sp>
-        <p:nvSpPr>
-          <p:cNvPr id="3" name="Текст 2">
-            <a:extLst>
-              <a:ext uri="{FF2B5EF4-FFF2-40B4-BE49-F238E27FC236}">
-                <a16:creationId xmlns:a16="http://schemas.microsoft.com/office/drawing/2014/main" id="{B70BBD79-F79E-4D3F-AC47-A7437CE5B696}"/>
-              </a:ext>
-            </a:extLst>
-          </p:cNvPr>
-          <p:cNvSpPr>
-            <a:spLocks noGrp="1"/>
-          </p:cNvSpPr>
-          <p:nvPr>
-            <p:ph type="body" idx="1"/>
-          </p:nvPr>
-        </p:nvSpPr>
-        <p:spPr>
-          <a:xfrm>
-            <a:off x="831850" y="4589463"/>
-            <a:ext cx="10515600" cy="1500187"/>
-          </a:xfrm>
-        </p:spPr>
-        <p:txBody>
-          <a:bodyPr/>
-          <a:lstStyle>
-            <a:lvl1pPr marL="0" indent="0">
-              <a:buNone/>
-              <a:defRPr sz="2400">
+              <a:lnSpc>
+                <a:spcPct val="85000"/>
+              </a:lnSpc>
+              <a:defRPr sz="8000" b="0">
                 <a:solidFill>
                   <a:schemeClr val="tx1">
-                    <a:tint val="75000"/>
+                    <a:lumMod val="85000"/>
+                    <a:lumOff val="15000"/>
                   </a:schemeClr>
                 </a:solidFill>
               </a:defRPr>
             </a:lvl1pPr>
+          </a:lstStyle>
+          <a:p>
+            <a:r>
+              <a:rPr lang="ru-RU"/>
+              <a:t>Образец заголовка</a:t>
+            </a:r>
+            <a:endParaRPr lang="en-US" dirty="0"/>
+          </a:p>
+        </p:txBody>
+      </p:sp>
+      <p:sp>
+        <p:nvSpPr>
+          <p:cNvPr id="3" name="Text Placeholder 2"/>
+          <p:cNvSpPr>
+            <a:spLocks noGrp="1"/>
+          </p:cNvSpPr>
+          <p:nvPr>
+            <p:ph type="body" idx="1"/>
+          </p:nvPr>
+        </p:nvSpPr>
+        <p:spPr>
+          <a:xfrm>
+            <a:off x="1097280" y="4453128"/>
+            <a:ext cx="10058400" cy="1143000"/>
+          </a:xfrm>
+        </p:spPr>
+        <p:txBody>
+          <a:bodyPr lIns="91440" rIns="91440" anchor="t" anchorCtr="0">
+            <a:normAutofit/>
+          </a:bodyPr>
+          <a:lstStyle>
+            <a:lvl1pPr marL="0" indent="0">
+              <a:buNone/>
+              <a:defRPr sz="2400" cap="all" spc="200" baseline="0">
+                <a:solidFill>
+                  <a:schemeClr val="tx2"/>
+                </a:solidFill>
+                <a:latin typeface="+mj-lt"/>
+              </a:defRPr>
+            </a:lvl1pPr>
             <a:lvl2pPr marL="457200" indent="0">
               <a:buNone/>
-              <a:defRPr sz="2000">
+              <a:defRPr sz="1800">
                 <a:solidFill>
                   <a:schemeClr val="tx1">
                     <a:tint val="75000"/>
@@ -1147,7 +1336,7 @@
             </a:lvl2pPr>
             <a:lvl3pPr marL="914400" indent="0">
               <a:buNone/>
-              <a:defRPr sz="1800">
+              <a:defRPr sz="1600">
                 <a:solidFill>
                   <a:schemeClr val="tx1">
                     <a:tint val="75000"/>
@@ -1157,7 +1346,7 @@
             </a:lvl3pPr>
             <a:lvl4pPr marL="1371600" indent="0">
               <a:buNone/>
-              <a:defRPr sz="1600">
+              <a:defRPr sz="1400">
                 <a:solidFill>
                   <a:schemeClr val="tx1">
                     <a:tint val="75000"/>
@@ -1167,7 +1356,7 @@
             </a:lvl4pPr>
             <a:lvl5pPr marL="1828800" indent="0">
               <a:buNone/>
-              <a:defRPr sz="1600">
+              <a:defRPr sz="1400">
                 <a:solidFill>
                   <a:schemeClr val="tx1">
                     <a:tint val="75000"/>
@@ -1177,7 +1366,7 @@
             </a:lvl5pPr>
             <a:lvl6pPr marL="2286000" indent="0">
               <a:buNone/>
-              <a:defRPr sz="1600">
+              <a:defRPr sz="1400">
                 <a:solidFill>
                   <a:schemeClr val="tx1">
                     <a:tint val="75000"/>
@@ -1187,7 +1376,7 @@
             </a:lvl6pPr>
             <a:lvl7pPr marL="2743200" indent="0">
               <a:buNone/>
-              <a:defRPr sz="1600">
+              <a:defRPr sz="1400">
                 <a:solidFill>
                   <a:schemeClr val="tx1">
                     <a:tint val="75000"/>
@@ -1197,7 +1386,7 @@
             </a:lvl7pPr>
             <a:lvl8pPr marL="3200400" indent="0">
               <a:buNone/>
-              <a:defRPr sz="1600">
+              <a:defRPr sz="1400">
                 <a:solidFill>
                   <a:schemeClr val="tx1">
                     <a:tint val="75000"/>
@@ -1207,7 +1396,7 @@
             </a:lvl8pPr>
             <a:lvl9pPr marL="3657600" indent="0">
               <a:buNone/>
-              <a:defRPr sz="1600">
+              <a:defRPr sz="1400">
                 <a:solidFill>
                   <a:schemeClr val="tx1">
                     <a:tint val="75000"/>
@@ -1227,13 +1416,7 @@
       </p:sp>
       <p:sp>
         <p:nvSpPr>
-          <p:cNvPr id="4" name="Дата 3">
-            <a:extLst>
-              <a:ext uri="{FF2B5EF4-FFF2-40B4-BE49-F238E27FC236}">
-                <a16:creationId xmlns:a16="http://schemas.microsoft.com/office/drawing/2014/main" id="{9EC5044F-305A-4156-9AFC-0535D2A8DF97}"/>
-              </a:ext>
-            </a:extLst>
-          </p:cNvPr>
+          <p:cNvPr id="4" name="Date Placeholder 3"/>
           <p:cNvSpPr>
             <a:spLocks noGrp="1"/>
           </p:cNvSpPr>
@@ -1248,7 +1431,7 @@
           <a:p>
             <a:fld id="{4CA7187D-B873-4EA6-A7FD-085988EEEBD8}" type="datetimeFigureOut">
               <a:rPr lang="ru-RU" smtClean="0"/>
-              <a:t>01.05.2025</a:t>
+              <a:t>17.05.2025</a:t>
             </a:fld>
             <a:endParaRPr lang="ru-RU"/>
           </a:p>
@@ -1256,13 +1439,7 @@
       </p:sp>
       <p:sp>
         <p:nvSpPr>
-          <p:cNvPr id="5" name="Нижний колонтитул 4">
-            <a:extLst>
-              <a:ext uri="{FF2B5EF4-FFF2-40B4-BE49-F238E27FC236}">
-                <a16:creationId xmlns:a16="http://schemas.microsoft.com/office/drawing/2014/main" id="{02471FF0-AA77-4125-901A-E466EFAA3B0F}"/>
-              </a:ext>
-            </a:extLst>
-          </p:cNvPr>
+          <p:cNvPr id="5" name="Footer Placeholder 4"/>
           <p:cNvSpPr>
             <a:spLocks noGrp="1"/>
           </p:cNvSpPr>
@@ -1281,13 +1458,7 @@
       </p:sp>
       <p:sp>
         <p:nvSpPr>
-          <p:cNvPr id="6" name="Номер слайда 5">
-            <a:extLst>
-              <a:ext uri="{FF2B5EF4-FFF2-40B4-BE49-F238E27FC236}">
-                <a16:creationId xmlns:a16="http://schemas.microsoft.com/office/drawing/2014/main" id="{AC4BA589-9AEA-4FE5-B0F1-D89FCBE10D3B}"/>
-              </a:ext>
-            </a:extLst>
-          </p:cNvPr>
+          <p:cNvPr id="6" name="Slide Number Placeholder 5"/>
           <p:cNvSpPr>
             <a:spLocks noGrp="1"/>
           </p:cNvSpPr>
@@ -1308,10 +1479,48 @@
           </a:p>
         </p:txBody>
       </p:sp>
+      <p:cxnSp>
+        <p:nvCxnSpPr>
+          <p:cNvPr id="9" name="Straight Connector 8"/>
+          <p:cNvCxnSpPr/>
+          <p:nvPr/>
+        </p:nvCxnSpPr>
+        <p:spPr>
+          <a:xfrm>
+            <a:off x="1207658" y="4343400"/>
+            <a:ext cx="9875520" cy="0"/>
+          </a:xfrm>
+          <a:prstGeom prst="line">
+            <a:avLst/>
+          </a:prstGeom>
+          <a:ln w="6350">
+            <a:solidFill>
+              <a:schemeClr val="tx1">
+                <a:lumMod val="50000"/>
+                <a:lumOff val="50000"/>
+              </a:schemeClr>
+            </a:solidFill>
+          </a:ln>
+        </p:spPr>
+        <p:style>
+          <a:lnRef idx="1">
+            <a:schemeClr val="accent1"/>
+          </a:lnRef>
+          <a:fillRef idx="0">
+            <a:schemeClr val="accent1"/>
+          </a:fillRef>
+          <a:effectRef idx="0">
+            <a:schemeClr val="accent1"/>
+          </a:effectRef>
+          <a:fontRef idx="minor">
+            <a:schemeClr val="tx1"/>
+          </a:fontRef>
+        </p:style>
+      </p:cxnSp>
     </p:spTree>
     <p:extLst>
       <p:ext uri="{BB962C8B-B14F-4D97-AF65-F5344CB8AC3E}">
-        <p14:creationId xmlns:p14="http://schemas.microsoft.com/office/powerpoint/2010/main" val="4291714485"/>
+        <p14:creationId xmlns:p14="http://schemas.microsoft.com/office/powerpoint/2010/main" val="2398760009"/>
       </p:ext>
     </p:extLst>
   </p:cSld>
@@ -1340,13 +1549,7 @@
       </p:grpSpPr>
       <p:sp>
         <p:nvSpPr>
-          <p:cNvPr id="2" name="Заголовок 1">
-            <a:extLst>
-              <a:ext uri="{FF2B5EF4-FFF2-40B4-BE49-F238E27FC236}">
-                <a16:creationId xmlns:a16="http://schemas.microsoft.com/office/drawing/2014/main" id="{FE0C8D44-629B-4CF1-BD99-9E1B4D77BD11}"/>
-              </a:ext>
-            </a:extLst>
-          </p:cNvPr>
+          <p:cNvPr id="8" name="Title 7"/>
           <p:cNvSpPr>
             <a:spLocks noGrp="1"/>
           </p:cNvSpPr>
@@ -1354,7 +1557,12 @@
             <p:ph type="title"/>
           </p:nvPr>
         </p:nvSpPr>
-        <p:spPr/>
+        <p:spPr>
+          <a:xfrm>
+            <a:off x="1097280" y="286603"/>
+            <a:ext cx="10058400" cy="1450757"/>
+          </a:xfrm>
+        </p:spPr>
         <p:txBody>
           <a:bodyPr/>
           <a:lstStyle/>
@@ -1363,18 +1571,13 @@
               <a:rPr lang="ru-RU"/>
               <a:t>Образец заголовка</a:t>
             </a:r>
-          </a:p>
-        </p:txBody>
-      </p:sp>
-      <p:sp>
-        <p:nvSpPr>
-          <p:cNvPr id="3" name="Объект 2">
-            <a:extLst>
-              <a:ext uri="{FF2B5EF4-FFF2-40B4-BE49-F238E27FC236}">
-                <a16:creationId xmlns:a16="http://schemas.microsoft.com/office/drawing/2014/main" id="{B1E90C88-4AB8-4B8B-B38B-655491E8B9E2}"/>
-              </a:ext>
-            </a:extLst>
-          </p:cNvPr>
+            <a:endParaRPr lang="en-US" dirty="0"/>
+          </a:p>
+        </p:txBody>
+      </p:sp>
+      <p:sp>
+        <p:nvSpPr>
+          <p:cNvPr id="3" name="Content Placeholder 2"/>
           <p:cNvSpPr>
             <a:spLocks noGrp="1"/>
           </p:cNvSpPr>
@@ -1384,8 +1587,8 @@
         </p:nvSpPr>
         <p:spPr>
           <a:xfrm>
-            <a:off x="838200" y="1825625"/>
-            <a:ext cx="5181600" cy="4351338"/>
+            <a:off x="1097279" y="1845734"/>
+            <a:ext cx="4937760" cy="4023360"/>
           </a:xfrm>
         </p:spPr>
         <p:txBody>
@@ -1425,18 +1628,13 @@
               <a:rPr lang="ru-RU"/>
               <a:t>Пятый уровень</a:t>
             </a:r>
-          </a:p>
-        </p:txBody>
-      </p:sp>
-      <p:sp>
-        <p:nvSpPr>
-          <p:cNvPr id="4" name="Объект 3">
-            <a:extLst>
-              <a:ext uri="{FF2B5EF4-FFF2-40B4-BE49-F238E27FC236}">
-                <a16:creationId xmlns:a16="http://schemas.microsoft.com/office/drawing/2014/main" id="{7BA18106-C427-47CC-A42F-AA3ECA131F00}"/>
-              </a:ext>
-            </a:extLst>
-          </p:cNvPr>
+            <a:endParaRPr lang="en-US" dirty="0"/>
+          </a:p>
+        </p:txBody>
+      </p:sp>
+      <p:sp>
+        <p:nvSpPr>
+          <p:cNvPr id="4" name="Content Placeholder 3"/>
           <p:cNvSpPr>
             <a:spLocks noGrp="1"/>
           </p:cNvSpPr>
@@ -1446,8 +1644,8 @@
         </p:nvSpPr>
         <p:spPr>
           <a:xfrm>
-            <a:off x="6172200" y="1825625"/>
-            <a:ext cx="5181600" cy="4351338"/>
+            <a:off x="6217920" y="1845735"/>
+            <a:ext cx="4937760" cy="4023360"/>
           </a:xfrm>
         </p:spPr>
         <p:txBody>
@@ -1487,18 +1685,13 @@
               <a:rPr lang="ru-RU"/>
               <a:t>Пятый уровень</a:t>
             </a:r>
-          </a:p>
-        </p:txBody>
-      </p:sp>
-      <p:sp>
-        <p:nvSpPr>
-          <p:cNvPr id="5" name="Дата 4">
-            <a:extLst>
-              <a:ext uri="{FF2B5EF4-FFF2-40B4-BE49-F238E27FC236}">
-                <a16:creationId xmlns:a16="http://schemas.microsoft.com/office/drawing/2014/main" id="{B2AB891F-CE59-4093-8F05-289FF4AB110B}"/>
-              </a:ext>
-            </a:extLst>
-          </p:cNvPr>
+            <a:endParaRPr lang="en-US" dirty="0"/>
+          </a:p>
+        </p:txBody>
+      </p:sp>
+      <p:sp>
+        <p:nvSpPr>
+          <p:cNvPr id="5" name="Date Placeholder 4"/>
           <p:cNvSpPr>
             <a:spLocks noGrp="1"/>
           </p:cNvSpPr>
@@ -1513,7 +1706,7 @@
           <a:p>
             <a:fld id="{4CA7187D-B873-4EA6-A7FD-085988EEEBD8}" type="datetimeFigureOut">
               <a:rPr lang="ru-RU" smtClean="0"/>
-              <a:t>01.05.2025</a:t>
+              <a:t>17.05.2025</a:t>
             </a:fld>
             <a:endParaRPr lang="ru-RU"/>
           </a:p>
@@ -1521,13 +1714,7 @@
       </p:sp>
       <p:sp>
         <p:nvSpPr>
-          <p:cNvPr id="6" name="Нижний колонтитул 5">
-            <a:extLst>
-              <a:ext uri="{FF2B5EF4-FFF2-40B4-BE49-F238E27FC236}">
-                <a16:creationId xmlns:a16="http://schemas.microsoft.com/office/drawing/2014/main" id="{8E3C41FA-3F13-46B7-B3D5-1D3D5D41851E}"/>
-              </a:ext>
-            </a:extLst>
-          </p:cNvPr>
+          <p:cNvPr id="6" name="Footer Placeholder 5"/>
           <p:cNvSpPr>
             <a:spLocks noGrp="1"/>
           </p:cNvSpPr>
@@ -1546,13 +1733,7 @@
       </p:sp>
       <p:sp>
         <p:nvSpPr>
-          <p:cNvPr id="7" name="Номер слайда 6">
-            <a:extLst>
-              <a:ext uri="{FF2B5EF4-FFF2-40B4-BE49-F238E27FC236}">
-                <a16:creationId xmlns:a16="http://schemas.microsoft.com/office/drawing/2014/main" id="{D8C8DAEF-9D65-4598-A709-490649F96483}"/>
-              </a:ext>
-            </a:extLst>
-          </p:cNvPr>
+          <p:cNvPr id="7" name="Slide Number Placeholder 6"/>
           <p:cNvSpPr>
             <a:spLocks noGrp="1"/>
           </p:cNvSpPr>
@@ -1576,7 +1757,7 @@
     </p:spTree>
     <p:extLst>
       <p:ext uri="{BB962C8B-B14F-4D97-AF65-F5344CB8AC3E}">
-        <p14:creationId xmlns:p14="http://schemas.microsoft.com/office/powerpoint/2010/main" val="3447960891"/>
+        <p14:creationId xmlns:p14="http://schemas.microsoft.com/office/powerpoint/2010/main" val="3031562953"/>
       </p:ext>
     </p:extLst>
   </p:cSld>
@@ -1605,13 +1786,7 @@
       </p:grpSpPr>
       <p:sp>
         <p:nvSpPr>
-          <p:cNvPr id="2" name="Заголовок 1">
-            <a:extLst>
-              <a:ext uri="{FF2B5EF4-FFF2-40B4-BE49-F238E27FC236}">
-                <a16:creationId xmlns:a16="http://schemas.microsoft.com/office/drawing/2014/main" id="{14841778-BCD4-44AB-A83E-760177F1FEBC}"/>
-              </a:ext>
-            </a:extLst>
-          </p:cNvPr>
+          <p:cNvPr id="10" name="Title 9"/>
           <p:cNvSpPr>
             <a:spLocks noGrp="1"/>
           </p:cNvSpPr>
@@ -1621,8 +1796,8 @@
         </p:nvSpPr>
         <p:spPr>
           <a:xfrm>
-            <a:off x="839788" y="365125"/>
-            <a:ext cx="10515600" cy="1325563"/>
+            <a:off x="1097280" y="286603"/>
+            <a:ext cx="10058400" cy="1450757"/>
           </a:xfrm>
         </p:spPr>
         <p:txBody>
@@ -1633,18 +1808,13 @@
               <a:rPr lang="ru-RU"/>
               <a:t>Образец заголовка</a:t>
             </a:r>
-          </a:p>
-        </p:txBody>
-      </p:sp>
-      <p:sp>
-        <p:nvSpPr>
-          <p:cNvPr id="3" name="Текст 2">
-            <a:extLst>
-              <a:ext uri="{FF2B5EF4-FFF2-40B4-BE49-F238E27FC236}">
-                <a16:creationId xmlns:a16="http://schemas.microsoft.com/office/drawing/2014/main" id="{FC34A05A-3F8E-4B90-A164-20C3D44D2D22}"/>
-              </a:ext>
-            </a:extLst>
-          </p:cNvPr>
+            <a:endParaRPr lang="en-US" dirty="0"/>
+          </a:p>
+        </p:txBody>
+      </p:sp>
+      <p:sp>
+        <p:nvSpPr>
+          <p:cNvPr id="3" name="Text Placeholder 2"/>
           <p:cNvSpPr>
             <a:spLocks noGrp="1"/>
           </p:cNvSpPr>
@@ -1654,16 +1824,22 @@
         </p:nvSpPr>
         <p:spPr>
           <a:xfrm>
-            <a:off x="839788" y="1681163"/>
-            <a:ext cx="5157787" cy="823912"/>
+            <a:off x="1097280" y="1846052"/>
+            <a:ext cx="4937760" cy="736282"/>
           </a:xfrm>
         </p:spPr>
         <p:txBody>
-          <a:bodyPr anchor="b"/>
+          <a:bodyPr lIns="91440" rIns="91440" anchor="ctr">
+            <a:normAutofit/>
+          </a:bodyPr>
           <a:lstStyle>
             <a:lvl1pPr marL="0" indent="0">
               <a:buNone/>
-              <a:defRPr sz="2400" b="1"/>
+              <a:defRPr sz="2000" b="0" cap="all" baseline="0">
+                <a:solidFill>
+                  <a:schemeClr val="tx2"/>
+                </a:solidFill>
+              </a:defRPr>
             </a:lvl1pPr>
             <a:lvl2pPr marL="457200" indent="0">
               <a:buNone/>
@@ -1709,13 +1885,7 @@
       </p:sp>
       <p:sp>
         <p:nvSpPr>
-          <p:cNvPr id="4" name="Объект 3">
-            <a:extLst>
-              <a:ext uri="{FF2B5EF4-FFF2-40B4-BE49-F238E27FC236}">
-                <a16:creationId xmlns:a16="http://schemas.microsoft.com/office/drawing/2014/main" id="{45651BAA-6B9D-43A4-97E7-EA71C55E2F48}"/>
-              </a:ext>
-            </a:extLst>
-          </p:cNvPr>
+          <p:cNvPr id="4" name="Content Placeholder 3"/>
           <p:cNvSpPr>
             <a:spLocks noGrp="1"/>
           </p:cNvSpPr>
@@ -1725,8 +1895,8 @@
         </p:nvSpPr>
         <p:spPr>
           <a:xfrm>
-            <a:off x="839788" y="2505075"/>
-            <a:ext cx="5157787" cy="3684588"/>
+            <a:off x="1097280" y="2582334"/>
+            <a:ext cx="4937760" cy="3378200"/>
           </a:xfrm>
         </p:spPr>
         <p:txBody>
@@ -1766,18 +1936,13 @@
               <a:rPr lang="ru-RU"/>
               <a:t>Пятый уровень</a:t>
             </a:r>
-          </a:p>
-        </p:txBody>
-      </p:sp>
-      <p:sp>
-        <p:nvSpPr>
-          <p:cNvPr id="5" name="Текст 4">
-            <a:extLst>
-              <a:ext uri="{FF2B5EF4-FFF2-40B4-BE49-F238E27FC236}">
-                <a16:creationId xmlns:a16="http://schemas.microsoft.com/office/drawing/2014/main" id="{DBC19D9F-717C-4683-8AB9-304E0ACBE410}"/>
-              </a:ext>
-            </a:extLst>
-          </p:cNvPr>
+            <a:endParaRPr lang="en-US" dirty="0"/>
+          </a:p>
+        </p:txBody>
+      </p:sp>
+      <p:sp>
+        <p:nvSpPr>
+          <p:cNvPr id="5" name="Text Placeholder 4"/>
           <p:cNvSpPr>
             <a:spLocks noGrp="1"/>
           </p:cNvSpPr>
@@ -1787,16 +1952,22 @@
         </p:nvSpPr>
         <p:spPr>
           <a:xfrm>
-            <a:off x="6172200" y="1681163"/>
-            <a:ext cx="5183188" cy="823912"/>
+            <a:off x="6217920" y="1846052"/>
+            <a:ext cx="4937760" cy="736282"/>
           </a:xfrm>
         </p:spPr>
         <p:txBody>
-          <a:bodyPr anchor="b"/>
+          <a:bodyPr lIns="91440" rIns="91440" anchor="ctr">
+            <a:normAutofit/>
+          </a:bodyPr>
           <a:lstStyle>
             <a:lvl1pPr marL="0" indent="0">
               <a:buNone/>
-              <a:defRPr sz="2400" b="1"/>
+              <a:defRPr sz="2000" b="0" cap="all" baseline="0">
+                <a:solidFill>
+                  <a:schemeClr val="tx2"/>
+                </a:solidFill>
+              </a:defRPr>
             </a:lvl1pPr>
             <a:lvl2pPr marL="457200" indent="0">
               <a:buNone/>
@@ -1842,13 +2013,7 @@
       </p:sp>
       <p:sp>
         <p:nvSpPr>
-          <p:cNvPr id="6" name="Объект 5">
-            <a:extLst>
-              <a:ext uri="{FF2B5EF4-FFF2-40B4-BE49-F238E27FC236}">
-                <a16:creationId xmlns:a16="http://schemas.microsoft.com/office/drawing/2014/main" id="{463F1975-5C28-4312-A515-6366616F357B}"/>
-              </a:ext>
-            </a:extLst>
-          </p:cNvPr>
+          <p:cNvPr id="6" name="Content Placeholder 5"/>
           <p:cNvSpPr>
             <a:spLocks noGrp="1"/>
           </p:cNvSpPr>
@@ -1858,8 +2023,8 @@
         </p:nvSpPr>
         <p:spPr>
           <a:xfrm>
-            <a:off x="6172200" y="2505075"/>
-            <a:ext cx="5183188" cy="3684588"/>
+            <a:off x="6217920" y="2582334"/>
+            <a:ext cx="4937760" cy="3378200"/>
           </a:xfrm>
         </p:spPr>
         <p:txBody>
@@ -1899,18 +2064,13 @@
               <a:rPr lang="ru-RU"/>
               <a:t>Пятый уровень</a:t>
             </a:r>
-          </a:p>
-        </p:txBody>
-      </p:sp>
-      <p:sp>
-        <p:nvSpPr>
-          <p:cNvPr id="7" name="Дата 6">
-            <a:extLst>
-              <a:ext uri="{FF2B5EF4-FFF2-40B4-BE49-F238E27FC236}">
-                <a16:creationId xmlns:a16="http://schemas.microsoft.com/office/drawing/2014/main" id="{A7B54596-581A-4A48-9816-60F03959BAD0}"/>
-              </a:ext>
-            </a:extLst>
-          </p:cNvPr>
+            <a:endParaRPr lang="en-US" dirty="0"/>
+          </a:p>
+        </p:txBody>
+      </p:sp>
+      <p:sp>
+        <p:nvSpPr>
+          <p:cNvPr id="7" name="Date Placeholder 6"/>
           <p:cNvSpPr>
             <a:spLocks noGrp="1"/>
           </p:cNvSpPr>
@@ -1925,7 +2085,7 @@
           <a:p>
             <a:fld id="{4CA7187D-B873-4EA6-A7FD-085988EEEBD8}" type="datetimeFigureOut">
               <a:rPr lang="ru-RU" smtClean="0"/>
-              <a:t>01.05.2025</a:t>
+              <a:t>17.05.2025</a:t>
             </a:fld>
             <a:endParaRPr lang="ru-RU"/>
           </a:p>
@@ -1933,13 +2093,7 @@
       </p:sp>
       <p:sp>
         <p:nvSpPr>
-          <p:cNvPr id="8" name="Нижний колонтитул 7">
-            <a:extLst>
-              <a:ext uri="{FF2B5EF4-FFF2-40B4-BE49-F238E27FC236}">
-                <a16:creationId xmlns:a16="http://schemas.microsoft.com/office/drawing/2014/main" id="{506A8199-11F7-485D-BD93-3724AF14899D}"/>
-              </a:ext>
-            </a:extLst>
-          </p:cNvPr>
+          <p:cNvPr id="8" name="Footer Placeholder 7"/>
           <p:cNvSpPr>
             <a:spLocks noGrp="1"/>
           </p:cNvSpPr>
@@ -1958,13 +2112,7 @@
       </p:sp>
       <p:sp>
         <p:nvSpPr>
-          <p:cNvPr id="9" name="Номер слайда 8">
-            <a:extLst>
-              <a:ext uri="{FF2B5EF4-FFF2-40B4-BE49-F238E27FC236}">
-                <a16:creationId xmlns:a16="http://schemas.microsoft.com/office/drawing/2014/main" id="{6631A841-CBC2-44D0-96A9-158B35F5EC9E}"/>
-              </a:ext>
-            </a:extLst>
-          </p:cNvPr>
+          <p:cNvPr id="9" name="Slide Number Placeholder 8"/>
           <p:cNvSpPr>
             <a:spLocks noGrp="1"/>
           </p:cNvSpPr>
@@ -1988,7 +2136,7 @@
     </p:spTree>
     <p:extLst>
       <p:ext uri="{BB962C8B-B14F-4D97-AF65-F5344CB8AC3E}">
-        <p14:creationId xmlns:p14="http://schemas.microsoft.com/office/powerpoint/2010/main" val="1125110175"/>
+        <p14:creationId xmlns:p14="http://schemas.microsoft.com/office/powerpoint/2010/main" val="1393714371"/>
       </p:ext>
     </p:extLst>
   </p:cSld>
@@ -2017,13 +2165,7 @@
       </p:grpSpPr>
       <p:sp>
         <p:nvSpPr>
-          <p:cNvPr id="2" name="Заголовок 1">
-            <a:extLst>
-              <a:ext uri="{FF2B5EF4-FFF2-40B4-BE49-F238E27FC236}">
-                <a16:creationId xmlns:a16="http://schemas.microsoft.com/office/drawing/2014/main" id="{08319991-16AA-4289-89BE-5DAA557D8F93}"/>
-              </a:ext>
-            </a:extLst>
-          </p:cNvPr>
+          <p:cNvPr id="2" name="Title 1"/>
           <p:cNvSpPr>
             <a:spLocks noGrp="1"/>
           </p:cNvSpPr>
@@ -2040,18 +2182,13 @@
               <a:rPr lang="ru-RU"/>
               <a:t>Образец заголовка</a:t>
             </a:r>
-          </a:p>
-        </p:txBody>
-      </p:sp>
-      <p:sp>
-        <p:nvSpPr>
-          <p:cNvPr id="3" name="Дата 2">
-            <a:extLst>
-              <a:ext uri="{FF2B5EF4-FFF2-40B4-BE49-F238E27FC236}">
-                <a16:creationId xmlns:a16="http://schemas.microsoft.com/office/drawing/2014/main" id="{880DF07A-FA47-44FD-9992-8F4681003D60}"/>
-              </a:ext>
-            </a:extLst>
-          </p:cNvPr>
+            <a:endParaRPr lang="en-US" dirty="0"/>
+          </a:p>
+        </p:txBody>
+      </p:sp>
+      <p:sp>
+        <p:nvSpPr>
+          <p:cNvPr id="3" name="Date Placeholder 2"/>
           <p:cNvSpPr>
             <a:spLocks noGrp="1"/>
           </p:cNvSpPr>
@@ -2066,7 +2203,7 @@
           <a:p>
             <a:fld id="{4CA7187D-B873-4EA6-A7FD-085988EEEBD8}" type="datetimeFigureOut">
               <a:rPr lang="ru-RU" smtClean="0"/>
-              <a:t>01.05.2025</a:t>
+              <a:t>17.05.2025</a:t>
             </a:fld>
             <a:endParaRPr lang="ru-RU"/>
           </a:p>
@@ -2074,13 +2211,7 @@
       </p:sp>
       <p:sp>
         <p:nvSpPr>
-          <p:cNvPr id="4" name="Нижний колонтитул 3">
-            <a:extLst>
-              <a:ext uri="{FF2B5EF4-FFF2-40B4-BE49-F238E27FC236}">
-                <a16:creationId xmlns:a16="http://schemas.microsoft.com/office/drawing/2014/main" id="{30E94494-AE8B-4496-A4DC-A91272E013FB}"/>
-              </a:ext>
-            </a:extLst>
-          </p:cNvPr>
+          <p:cNvPr id="4" name="Footer Placeholder 3"/>
           <p:cNvSpPr>
             <a:spLocks noGrp="1"/>
           </p:cNvSpPr>
@@ -2099,13 +2230,7 @@
       </p:sp>
       <p:sp>
         <p:nvSpPr>
-          <p:cNvPr id="5" name="Номер слайда 4">
-            <a:extLst>
-              <a:ext uri="{FF2B5EF4-FFF2-40B4-BE49-F238E27FC236}">
-                <a16:creationId xmlns:a16="http://schemas.microsoft.com/office/drawing/2014/main" id="{5BC2C8D3-F90B-4B37-A13F-B2EA5326BCE6}"/>
-              </a:ext>
-            </a:extLst>
-          </p:cNvPr>
+          <p:cNvPr id="5" name="Slide Number Placeholder 4"/>
           <p:cNvSpPr>
             <a:spLocks noGrp="1"/>
           </p:cNvSpPr>
@@ -2129,7 +2254,7 @@
     </p:spTree>
     <p:extLst>
       <p:ext uri="{BB962C8B-B14F-4D97-AF65-F5344CB8AC3E}">
-        <p14:creationId xmlns:p14="http://schemas.microsoft.com/office/powerpoint/2010/main" val="1815221050"/>
+        <p14:creationId xmlns:p14="http://schemas.microsoft.com/office/powerpoint/2010/main" val="1562381961"/>
       </p:ext>
     </p:extLst>
   </p:cSld>
@@ -2140,7 +2265,7 @@
 </file>
 
 <file path=ppt/slideLayouts/slideLayout7.xml><?xml version="1.0" encoding="utf-8"?>
-<p:sldLayout xmlns:a="http://schemas.openxmlformats.org/drawingml/2006/main" xmlns:r="http://schemas.openxmlformats.org/officeDocument/2006/relationships" xmlns:p="http://schemas.openxmlformats.org/presentationml/2006/main" type="blank" preserve="1">
+<p:sldLayout xmlns:a="http://schemas.openxmlformats.org/drawingml/2006/main" xmlns:r="http://schemas.openxmlformats.org/officeDocument/2006/relationships" xmlns:p="http://schemas.openxmlformats.org/presentationml/2006/main" showMasterSp="0" type="blank" preserve="1">
   <p:cSld name="Пустой слайд">
     <p:spTree>
       <p:nvGrpSpPr>
@@ -2158,13 +2283,83 @@
       </p:grpSpPr>
       <p:sp>
         <p:nvSpPr>
-          <p:cNvPr id="2" name="Дата 1">
-            <a:extLst>
-              <a:ext uri="{FF2B5EF4-FFF2-40B4-BE49-F238E27FC236}">
-                <a16:creationId xmlns:a16="http://schemas.microsoft.com/office/drawing/2014/main" id="{0AA680C6-E123-41F8-BCA2-0C3E4327B106}"/>
-              </a:ext>
-            </a:extLst>
-          </p:cNvPr>
+          <p:cNvPr id="5" name="Rectangle 4"/>
+          <p:cNvSpPr/>
+          <p:nvPr/>
+        </p:nvSpPr>
+        <p:spPr>
+          <a:xfrm>
+            <a:off x="3175" y="6400800"/>
+            <a:ext cx="12188825" cy="457200"/>
+          </a:xfrm>
+          <a:prstGeom prst="rect">
+            <a:avLst/>
+          </a:prstGeom>
+          <a:solidFill>
+            <a:schemeClr val="accent2"/>
+          </a:solidFill>
+          <a:ln>
+            <a:noFill/>
+          </a:ln>
+        </p:spPr>
+        <p:style>
+          <a:lnRef idx="2">
+            <a:schemeClr val="accent1">
+              <a:shade val="50000"/>
+            </a:schemeClr>
+          </a:lnRef>
+          <a:fillRef idx="1">
+            <a:schemeClr val="accent1"/>
+          </a:fillRef>
+          <a:effectRef idx="0">
+            <a:schemeClr val="accent1"/>
+          </a:effectRef>
+          <a:fontRef idx="minor">
+            <a:schemeClr val="lt1"/>
+          </a:fontRef>
+        </p:style>
+      </p:sp>
+      <p:sp>
+        <p:nvSpPr>
+          <p:cNvPr id="6" name="Rectangle 5"/>
+          <p:cNvSpPr/>
+          <p:nvPr/>
+        </p:nvSpPr>
+        <p:spPr>
+          <a:xfrm>
+            <a:off x="15" y="6334316"/>
+            <a:ext cx="12188825" cy="64008"/>
+          </a:xfrm>
+          <a:prstGeom prst="rect">
+            <a:avLst/>
+          </a:prstGeom>
+          <a:solidFill>
+            <a:schemeClr val="accent1"/>
+          </a:solidFill>
+          <a:ln>
+            <a:noFill/>
+          </a:ln>
+        </p:spPr>
+        <p:style>
+          <a:lnRef idx="2">
+            <a:schemeClr val="accent1">
+              <a:shade val="50000"/>
+            </a:schemeClr>
+          </a:lnRef>
+          <a:fillRef idx="1">
+            <a:schemeClr val="accent1"/>
+          </a:fillRef>
+          <a:effectRef idx="0">
+            <a:schemeClr val="accent1"/>
+          </a:effectRef>
+          <a:fontRef idx="minor">
+            <a:schemeClr val="lt1"/>
+          </a:fontRef>
+        </p:style>
+      </p:sp>
+      <p:sp>
+        <p:nvSpPr>
+          <p:cNvPr id="7" name="Date Placeholder 6"/>
           <p:cNvSpPr>
             <a:spLocks noGrp="1"/>
           </p:cNvSpPr>
@@ -2179,7 +2374,7 @@
           <a:p>
             <a:fld id="{4CA7187D-B873-4EA6-A7FD-085988EEEBD8}" type="datetimeFigureOut">
               <a:rPr lang="ru-RU" smtClean="0"/>
-              <a:t>01.05.2025</a:t>
+              <a:t>17.05.2025</a:t>
             </a:fld>
             <a:endParaRPr lang="ru-RU"/>
           </a:p>
@@ -2187,13 +2382,7 @@
       </p:sp>
       <p:sp>
         <p:nvSpPr>
-          <p:cNvPr id="3" name="Нижний колонтитул 2">
-            <a:extLst>
-              <a:ext uri="{FF2B5EF4-FFF2-40B4-BE49-F238E27FC236}">
-                <a16:creationId xmlns:a16="http://schemas.microsoft.com/office/drawing/2014/main" id="{B4A81E1C-9470-4386-8EEA-A072A02F67BD}"/>
-              </a:ext>
-            </a:extLst>
-          </p:cNvPr>
+          <p:cNvPr id="8" name="Footer Placeholder 7"/>
           <p:cNvSpPr>
             <a:spLocks noGrp="1"/>
           </p:cNvSpPr>
@@ -2204,7 +2393,15 @@
         <p:spPr/>
         <p:txBody>
           <a:bodyPr/>
-          <a:lstStyle/>
+          <a:lstStyle>
+            <a:lvl1pPr>
+              <a:defRPr>
+                <a:solidFill>
+                  <a:srgbClr val="FFFFFF"/>
+                </a:solidFill>
+              </a:defRPr>
+            </a:lvl1pPr>
+          </a:lstStyle>
           <a:p>
             <a:endParaRPr lang="ru-RU"/>
           </a:p>
@@ -2212,13 +2409,7 @@
       </p:sp>
       <p:sp>
         <p:nvSpPr>
-          <p:cNvPr id="4" name="Номер слайда 3">
-            <a:extLst>
-              <a:ext uri="{FF2B5EF4-FFF2-40B4-BE49-F238E27FC236}">
-                <a16:creationId xmlns:a16="http://schemas.microsoft.com/office/drawing/2014/main" id="{425FB538-A7FA-499C-9BFE-C4C7A8F6790E}"/>
-              </a:ext>
-            </a:extLst>
-          </p:cNvPr>
+          <p:cNvPr id="9" name="Slide Number Placeholder 8"/>
           <p:cNvSpPr>
             <a:spLocks noGrp="1"/>
           </p:cNvSpPr>
@@ -2242,7 +2433,7 @@
     </p:spTree>
     <p:extLst>
       <p:ext uri="{BB962C8B-B14F-4D97-AF65-F5344CB8AC3E}">
-        <p14:creationId xmlns:p14="http://schemas.microsoft.com/office/powerpoint/2010/main" val="309587767"/>
+        <p14:creationId xmlns:p14="http://schemas.microsoft.com/office/powerpoint/2010/main" val="846965736"/>
       </p:ext>
     </p:extLst>
   </p:cSld>
@@ -2253,7 +2444,7 @@
 </file>
 
 <file path=ppt/slideLayouts/slideLayout8.xml><?xml version="1.0" encoding="utf-8"?>
-<p:sldLayout xmlns:a="http://schemas.openxmlformats.org/drawingml/2006/main" xmlns:r="http://schemas.openxmlformats.org/officeDocument/2006/relationships" xmlns:p="http://schemas.openxmlformats.org/presentationml/2006/main" type="objTx" preserve="1">
+<p:sldLayout xmlns:a="http://schemas.openxmlformats.org/drawingml/2006/main" xmlns:r="http://schemas.openxmlformats.org/officeDocument/2006/relationships" xmlns:p="http://schemas.openxmlformats.org/presentationml/2006/main" showMasterSp="0" type="objTx" preserve="1">
   <p:cSld name="Объект с подписью">
     <p:spTree>
       <p:nvGrpSpPr>
@@ -2271,31 +2462,107 @@
       </p:grpSpPr>
       <p:sp>
         <p:nvSpPr>
-          <p:cNvPr id="2" name="Заголовок 1">
-            <a:extLst>
-              <a:ext uri="{FF2B5EF4-FFF2-40B4-BE49-F238E27FC236}">
-                <a16:creationId xmlns:a16="http://schemas.microsoft.com/office/drawing/2014/main" id="{6A29443E-0738-4AA9-A8B5-5B9DB89AF675}"/>
-              </a:ext>
-            </a:extLst>
-          </p:cNvPr>
-          <p:cNvSpPr>
-            <a:spLocks noGrp="1"/>
-          </p:cNvSpPr>
-          <p:nvPr>
-            <p:ph type="title"/>
-          </p:nvPr>
+          <p:cNvPr id="8" name="Rectangle 7"/>
+          <p:cNvSpPr/>
+          <p:nvPr/>
         </p:nvSpPr>
         <p:spPr>
           <a:xfrm>
-            <a:off x="839788" y="457200"/>
-            <a:ext cx="3932237" cy="1600200"/>
+            <a:off x="16" y="0"/>
+            <a:ext cx="4050791" cy="6858000"/>
+          </a:xfrm>
+          <a:prstGeom prst="rect">
+            <a:avLst/>
+          </a:prstGeom>
+          <a:solidFill>
+            <a:schemeClr val="accent2"/>
+          </a:solidFill>
+          <a:ln>
+            <a:noFill/>
+          </a:ln>
+        </p:spPr>
+        <p:style>
+          <a:lnRef idx="2">
+            <a:schemeClr val="accent1">
+              <a:shade val="50000"/>
+            </a:schemeClr>
+          </a:lnRef>
+          <a:fillRef idx="1">
+            <a:schemeClr val="accent1"/>
+          </a:fillRef>
+          <a:effectRef idx="0">
+            <a:schemeClr val="accent1"/>
+          </a:effectRef>
+          <a:fontRef idx="minor">
+            <a:schemeClr val="lt1"/>
+          </a:fontRef>
+        </p:style>
+      </p:sp>
+      <p:sp>
+        <p:nvSpPr>
+          <p:cNvPr id="9" name="Rectangle 8"/>
+          <p:cNvSpPr/>
+          <p:nvPr/>
+        </p:nvSpPr>
+        <p:spPr>
+          <a:xfrm>
+            <a:off x="4040071" y="0"/>
+            <a:ext cx="64008" cy="6858000"/>
+          </a:xfrm>
+          <a:prstGeom prst="rect">
+            <a:avLst/>
+          </a:prstGeom>
+          <a:solidFill>
+            <a:schemeClr val="accent1"/>
+          </a:solidFill>
+          <a:ln>
+            <a:noFill/>
+          </a:ln>
+        </p:spPr>
+        <p:style>
+          <a:lnRef idx="2">
+            <a:schemeClr val="accent1">
+              <a:shade val="50000"/>
+            </a:schemeClr>
+          </a:lnRef>
+          <a:fillRef idx="1">
+            <a:schemeClr val="accent1"/>
+          </a:fillRef>
+          <a:effectRef idx="0">
+            <a:schemeClr val="accent1"/>
+          </a:effectRef>
+          <a:fontRef idx="minor">
+            <a:schemeClr val="lt1"/>
+          </a:fontRef>
+        </p:style>
+      </p:sp>
+      <p:sp>
+        <p:nvSpPr>
+          <p:cNvPr id="2" name="Title 1"/>
+          <p:cNvSpPr>
+            <a:spLocks noGrp="1"/>
+          </p:cNvSpPr>
+          <p:nvPr>
+            <p:ph type="title"/>
+          </p:nvPr>
+        </p:nvSpPr>
+        <p:spPr>
+          <a:xfrm>
+            <a:off x="457200" y="594359"/>
+            <a:ext cx="3200400" cy="2286000"/>
           </a:xfrm>
         </p:spPr>
         <p:txBody>
-          <a:bodyPr anchor="b"/>
+          <a:bodyPr anchor="b">
+            <a:normAutofit/>
+          </a:bodyPr>
           <a:lstStyle>
             <a:lvl1pPr>
-              <a:defRPr sz="3200"/>
+              <a:defRPr sz="3600" b="0">
+                <a:solidFill>
+                  <a:srgbClr val="FFFFFF"/>
+                </a:solidFill>
+              </a:defRPr>
             </a:lvl1pPr>
           </a:lstStyle>
           <a:p>
@@ -2303,18 +2570,13 @@
               <a:rPr lang="ru-RU"/>
               <a:t>Образец заголовка</a:t>
             </a:r>
-          </a:p>
-        </p:txBody>
-      </p:sp>
-      <p:sp>
-        <p:nvSpPr>
-          <p:cNvPr id="3" name="Объект 2">
-            <a:extLst>
-              <a:ext uri="{FF2B5EF4-FFF2-40B4-BE49-F238E27FC236}">
-                <a16:creationId xmlns:a16="http://schemas.microsoft.com/office/drawing/2014/main" id="{FBAE363E-F243-4CCA-BF2B-1405E93EE502}"/>
-              </a:ext>
-            </a:extLst>
-          </p:cNvPr>
+            <a:endParaRPr lang="en-US" dirty="0"/>
+          </a:p>
+        </p:txBody>
+      </p:sp>
+      <p:sp>
+        <p:nvSpPr>
+          <p:cNvPr id="3" name="Content Placeholder 2"/>
           <p:cNvSpPr>
             <a:spLocks noGrp="1"/>
           </p:cNvSpPr>
@@ -2324,223 +2586,208 @@
         </p:nvSpPr>
         <p:spPr>
           <a:xfrm>
-            <a:off x="5183188" y="987425"/>
-            <a:ext cx="6172200" cy="4873625"/>
+            <a:off x="4800600" y="731520"/>
+            <a:ext cx="6492240" cy="5257800"/>
           </a:xfrm>
         </p:spPr>
+        <p:txBody>
+          <a:bodyPr/>
+          <a:lstStyle/>
+          <a:p>
+            <a:pPr lvl="0"/>
+            <a:r>
+              <a:rPr lang="ru-RU"/>
+              <a:t>Образец текста</a:t>
+            </a:r>
+          </a:p>
+          <a:p>
+            <a:pPr lvl="1"/>
+            <a:r>
+              <a:rPr lang="ru-RU"/>
+              <a:t>Второй уровень</a:t>
+            </a:r>
+          </a:p>
+          <a:p>
+            <a:pPr lvl="2"/>
+            <a:r>
+              <a:rPr lang="ru-RU"/>
+              <a:t>Третий уровень</a:t>
+            </a:r>
+          </a:p>
+          <a:p>
+            <a:pPr lvl="3"/>
+            <a:r>
+              <a:rPr lang="ru-RU"/>
+              <a:t>Четвертый уровень</a:t>
+            </a:r>
+          </a:p>
+          <a:p>
+            <a:pPr lvl="4"/>
+            <a:r>
+              <a:rPr lang="ru-RU"/>
+              <a:t>Пятый уровень</a:t>
+            </a:r>
+            <a:endParaRPr lang="en-US" dirty="0"/>
+          </a:p>
+        </p:txBody>
+      </p:sp>
+      <p:sp>
+        <p:nvSpPr>
+          <p:cNvPr id="4" name="Text Placeholder 3"/>
+          <p:cNvSpPr>
+            <a:spLocks noGrp="1"/>
+          </p:cNvSpPr>
+          <p:nvPr>
+            <p:ph type="body" sz="half" idx="2"/>
+          </p:nvPr>
+        </p:nvSpPr>
+        <p:spPr>
+          <a:xfrm>
+            <a:off x="457200" y="2926080"/>
+            <a:ext cx="3200400" cy="3379124"/>
+          </a:xfrm>
+        </p:spPr>
+        <p:txBody>
+          <a:bodyPr lIns="91440" rIns="91440">
+            <a:normAutofit/>
+          </a:bodyPr>
+          <a:lstStyle>
+            <a:lvl1pPr marL="0" indent="0">
+              <a:buNone/>
+              <a:defRPr sz="1500">
+                <a:solidFill>
+                  <a:srgbClr val="FFFFFF"/>
+                </a:solidFill>
+              </a:defRPr>
+            </a:lvl1pPr>
+            <a:lvl2pPr marL="457200" indent="0">
+              <a:buNone/>
+              <a:defRPr sz="1200"/>
+            </a:lvl2pPr>
+            <a:lvl3pPr marL="914400" indent="0">
+              <a:buNone/>
+              <a:defRPr sz="1000"/>
+            </a:lvl3pPr>
+            <a:lvl4pPr marL="1371600" indent="0">
+              <a:buNone/>
+              <a:defRPr sz="900"/>
+            </a:lvl4pPr>
+            <a:lvl5pPr marL="1828800" indent="0">
+              <a:buNone/>
+              <a:defRPr sz="900"/>
+            </a:lvl5pPr>
+            <a:lvl6pPr marL="2286000" indent="0">
+              <a:buNone/>
+              <a:defRPr sz="900"/>
+            </a:lvl6pPr>
+            <a:lvl7pPr marL="2743200" indent="0">
+              <a:buNone/>
+              <a:defRPr sz="900"/>
+            </a:lvl7pPr>
+            <a:lvl8pPr marL="3200400" indent="0">
+              <a:buNone/>
+              <a:defRPr sz="900"/>
+            </a:lvl8pPr>
+            <a:lvl9pPr marL="3657600" indent="0">
+              <a:buNone/>
+              <a:defRPr sz="900"/>
+            </a:lvl9pPr>
+          </a:lstStyle>
+          <a:p>
+            <a:pPr lvl="0"/>
+            <a:r>
+              <a:rPr lang="ru-RU"/>
+              <a:t>Образец текста</a:t>
+            </a:r>
+          </a:p>
+        </p:txBody>
+      </p:sp>
+      <p:sp>
+        <p:nvSpPr>
+          <p:cNvPr id="5" name="Date Placeholder 4"/>
+          <p:cNvSpPr>
+            <a:spLocks noGrp="1"/>
+          </p:cNvSpPr>
+          <p:nvPr>
+            <p:ph type="dt" sz="half" idx="10"/>
+          </p:nvPr>
+        </p:nvSpPr>
+        <p:spPr>
+          <a:xfrm>
+            <a:off x="465512" y="6459785"/>
+            <a:ext cx="2618510" cy="365125"/>
+          </a:xfrm>
+        </p:spPr>
+        <p:txBody>
+          <a:bodyPr/>
+          <a:lstStyle>
+            <a:lvl1pPr algn="l">
+              <a:defRPr/>
+            </a:lvl1pPr>
+          </a:lstStyle>
+          <a:p>
+            <a:fld id="{4CA7187D-B873-4EA6-A7FD-085988EEEBD8}" type="datetimeFigureOut">
+              <a:rPr lang="ru-RU" smtClean="0"/>
+              <a:t>17.05.2025</a:t>
+            </a:fld>
+            <a:endParaRPr lang="ru-RU"/>
+          </a:p>
+        </p:txBody>
+      </p:sp>
+      <p:sp>
+        <p:nvSpPr>
+          <p:cNvPr id="6" name="Footer Placeholder 5"/>
+          <p:cNvSpPr>
+            <a:spLocks noGrp="1"/>
+          </p:cNvSpPr>
+          <p:nvPr>
+            <p:ph type="ftr" sz="quarter" idx="11"/>
+          </p:nvPr>
+        </p:nvSpPr>
+        <p:spPr>
+          <a:xfrm>
+            <a:off x="4800600" y="6459785"/>
+            <a:ext cx="4648200" cy="365125"/>
+          </a:xfrm>
+        </p:spPr>
+        <p:txBody>
+          <a:bodyPr/>
+          <a:lstStyle>
+            <a:lvl1pPr algn="l">
+              <a:defRPr>
+                <a:solidFill>
+                  <a:schemeClr val="tx2"/>
+                </a:solidFill>
+              </a:defRPr>
+            </a:lvl1pPr>
+          </a:lstStyle>
+          <a:p>
+            <a:endParaRPr lang="ru-RU"/>
+          </a:p>
+        </p:txBody>
+      </p:sp>
+      <p:sp>
+        <p:nvSpPr>
+          <p:cNvPr id="7" name="Slide Number Placeholder 6"/>
+          <p:cNvSpPr>
+            <a:spLocks noGrp="1"/>
+          </p:cNvSpPr>
+          <p:nvPr>
+            <p:ph type="sldNum" sz="quarter" idx="12"/>
+          </p:nvPr>
+        </p:nvSpPr>
+        <p:spPr/>
         <p:txBody>
           <a:bodyPr/>
           <a:lstStyle>
             <a:lvl1pPr>
-              <a:defRPr sz="3200"/>
+              <a:defRPr>
+                <a:solidFill>
+                  <a:schemeClr val="tx2"/>
+                </a:solidFill>
+              </a:defRPr>
             </a:lvl1pPr>
-            <a:lvl2pPr>
-              <a:defRPr sz="2800"/>
-            </a:lvl2pPr>
-            <a:lvl3pPr>
-              <a:defRPr sz="2400"/>
-            </a:lvl3pPr>
-            <a:lvl4pPr>
-              <a:defRPr sz="2000"/>
-            </a:lvl4pPr>
-            <a:lvl5pPr>
-              <a:defRPr sz="2000"/>
-            </a:lvl5pPr>
-            <a:lvl6pPr>
-              <a:defRPr sz="2000"/>
-            </a:lvl6pPr>
-            <a:lvl7pPr>
-              <a:defRPr sz="2000"/>
-            </a:lvl7pPr>
-            <a:lvl8pPr>
-              <a:defRPr sz="2000"/>
-            </a:lvl8pPr>
-            <a:lvl9pPr>
-              <a:defRPr sz="2000"/>
-            </a:lvl9pPr>
           </a:lstStyle>
-          <a:p>
-            <a:pPr lvl="0"/>
-            <a:r>
-              <a:rPr lang="ru-RU"/>
-              <a:t>Образец текста</a:t>
-            </a:r>
-          </a:p>
-          <a:p>
-            <a:pPr lvl="1"/>
-            <a:r>
-              <a:rPr lang="ru-RU"/>
-              <a:t>Второй уровень</a:t>
-            </a:r>
-          </a:p>
-          <a:p>
-            <a:pPr lvl="2"/>
-            <a:r>
-              <a:rPr lang="ru-RU"/>
-              <a:t>Третий уровень</a:t>
-            </a:r>
-          </a:p>
-          <a:p>
-            <a:pPr lvl="3"/>
-            <a:r>
-              <a:rPr lang="ru-RU"/>
-              <a:t>Четвертый уровень</a:t>
-            </a:r>
-          </a:p>
-          <a:p>
-            <a:pPr lvl="4"/>
-            <a:r>
-              <a:rPr lang="ru-RU"/>
-              <a:t>Пятый уровень</a:t>
-            </a:r>
-          </a:p>
-        </p:txBody>
-      </p:sp>
-      <p:sp>
-        <p:nvSpPr>
-          <p:cNvPr id="4" name="Текст 3">
-            <a:extLst>
-              <a:ext uri="{FF2B5EF4-FFF2-40B4-BE49-F238E27FC236}">
-                <a16:creationId xmlns:a16="http://schemas.microsoft.com/office/drawing/2014/main" id="{670FF350-5A1C-492A-B2B5-678BCCBB2A99}"/>
-              </a:ext>
-            </a:extLst>
-          </p:cNvPr>
-          <p:cNvSpPr>
-            <a:spLocks noGrp="1"/>
-          </p:cNvSpPr>
-          <p:nvPr>
-            <p:ph type="body" sz="half" idx="2"/>
-          </p:nvPr>
-        </p:nvSpPr>
-        <p:spPr>
-          <a:xfrm>
-            <a:off x="839788" y="2057400"/>
-            <a:ext cx="3932237" cy="3811588"/>
-          </a:xfrm>
-        </p:spPr>
-        <p:txBody>
-          <a:bodyPr/>
-          <a:lstStyle>
-            <a:lvl1pPr marL="0" indent="0">
-              <a:buNone/>
-              <a:defRPr sz="1600"/>
-            </a:lvl1pPr>
-            <a:lvl2pPr marL="457200" indent="0">
-              <a:buNone/>
-              <a:defRPr sz="1400"/>
-            </a:lvl2pPr>
-            <a:lvl3pPr marL="914400" indent="0">
-              <a:buNone/>
-              <a:defRPr sz="1200"/>
-            </a:lvl3pPr>
-            <a:lvl4pPr marL="1371600" indent="0">
-              <a:buNone/>
-              <a:defRPr sz="1000"/>
-            </a:lvl4pPr>
-            <a:lvl5pPr marL="1828800" indent="0">
-              <a:buNone/>
-              <a:defRPr sz="1000"/>
-            </a:lvl5pPr>
-            <a:lvl6pPr marL="2286000" indent="0">
-              <a:buNone/>
-              <a:defRPr sz="1000"/>
-            </a:lvl6pPr>
-            <a:lvl7pPr marL="2743200" indent="0">
-              <a:buNone/>
-              <a:defRPr sz="1000"/>
-            </a:lvl7pPr>
-            <a:lvl8pPr marL="3200400" indent="0">
-              <a:buNone/>
-              <a:defRPr sz="1000"/>
-            </a:lvl8pPr>
-            <a:lvl9pPr marL="3657600" indent="0">
-              <a:buNone/>
-              <a:defRPr sz="1000"/>
-            </a:lvl9pPr>
-          </a:lstStyle>
-          <a:p>
-            <a:pPr lvl="0"/>
-            <a:r>
-              <a:rPr lang="ru-RU"/>
-              <a:t>Образец текста</a:t>
-            </a:r>
-          </a:p>
-        </p:txBody>
-      </p:sp>
-      <p:sp>
-        <p:nvSpPr>
-          <p:cNvPr id="5" name="Дата 4">
-            <a:extLst>
-              <a:ext uri="{FF2B5EF4-FFF2-40B4-BE49-F238E27FC236}">
-                <a16:creationId xmlns:a16="http://schemas.microsoft.com/office/drawing/2014/main" id="{F04A63C8-834D-46B5-9E7C-35AF5A6727F8}"/>
-              </a:ext>
-            </a:extLst>
-          </p:cNvPr>
-          <p:cNvSpPr>
-            <a:spLocks noGrp="1"/>
-          </p:cNvSpPr>
-          <p:nvPr>
-            <p:ph type="dt" sz="half" idx="10"/>
-          </p:nvPr>
-        </p:nvSpPr>
-        <p:spPr/>
-        <p:txBody>
-          <a:bodyPr/>
-          <a:lstStyle/>
-          <a:p>
-            <a:fld id="{4CA7187D-B873-4EA6-A7FD-085988EEEBD8}" type="datetimeFigureOut">
-              <a:rPr lang="ru-RU" smtClean="0"/>
-              <a:t>01.05.2025</a:t>
-            </a:fld>
-            <a:endParaRPr lang="ru-RU"/>
-          </a:p>
-        </p:txBody>
-      </p:sp>
-      <p:sp>
-        <p:nvSpPr>
-          <p:cNvPr id="6" name="Нижний колонтитул 5">
-            <a:extLst>
-              <a:ext uri="{FF2B5EF4-FFF2-40B4-BE49-F238E27FC236}">
-                <a16:creationId xmlns:a16="http://schemas.microsoft.com/office/drawing/2014/main" id="{BFECCD60-AAF9-4A26-9D04-AE43BA674026}"/>
-              </a:ext>
-            </a:extLst>
-          </p:cNvPr>
-          <p:cNvSpPr>
-            <a:spLocks noGrp="1"/>
-          </p:cNvSpPr>
-          <p:nvPr>
-            <p:ph type="ftr" sz="quarter" idx="11"/>
-          </p:nvPr>
-        </p:nvSpPr>
-        <p:spPr/>
-        <p:txBody>
-          <a:bodyPr/>
-          <a:lstStyle/>
-          <a:p>
-            <a:endParaRPr lang="ru-RU"/>
-          </a:p>
-        </p:txBody>
-      </p:sp>
-      <p:sp>
-        <p:nvSpPr>
-          <p:cNvPr id="7" name="Номер слайда 6">
-            <a:extLst>
-              <a:ext uri="{FF2B5EF4-FFF2-40B4-BE49-F238E27FC236}">
-                <a16:creationId xmlns:a16="http://schemas.microsoft.com/office/drawing/2014/main" id="{8D8746C2-31BF-4D80-BE06-7D8921D96C27}"/>
-              </a:ext>
-            </a:extLst>
-          </p:cNvPr>
-          <p:cNvSpPr>
-            <a:spLocks noGrp="1"/>
-          </p:cNvSpPr>
-          <p:nvPr>
-            <p:ph type="sldNum" sz="quarter" idx="12"/>
-          </p:nvPr>
-        </p:nvSpPr>
-        <p:spPr/>
-        <p:txBody>
-          <a:bodyPr/>
-          <a:lstStyle/>
           <a:p>
             <a:fld id="{6FB928E0-8A20-499B-AD6A-6E4ADACEFA39}" type="slidenum">
               <a:rPr lang="ru-RU" smtClean="0"/>
@@ -2553,7 +2800,7 @@
     </p:spTree>
     <p:extLst>
       <p:ext uri="{BB962C8B-B14F-4D97-AF65-F5344CB8AC3E}">
-        <p14:creationId xmlns:p14="http://schemas.microsoft.com/office/powerpoint/2010/main" val="2412301661"/>
+        <p14:creationId xmlns:p14="http://schemas.microsoft.com/office/powerpoint/2010/main" val="1011837006"/>
       </p:ext>
     </p:extLst>
   </p:cSld>
@@ -2564,7 +2811,7 @@
 </file>
 
 <file path=ppt/slideLayouts/slideLayout9.xml><?xml version="1.0" encoding="utf-8"?>
-<p:sldLayout xmlns:a="http://schemas.openxmlformats.org/drawingml/2006/main" xmlns:r="http://schemas.openxmlformats.org/officeDocument/2006/relationships" xmlns:p="http://schemas.openxmlformats.org/presentationml/2006/main" type="picTx" preserve="1">
+<p:sldLayout xmlns:a="http://schemas.openxmlformats.org/drawingml/2006/main" xmlns:r="http://schemas.openxmlformats.org/officeDocument/2006/relationships" xmlns:p="http://schemas.openxmlformats.org/presentationml/2006/main" showMasterSp="0" type="picTx" preserve="1">
   <p:cSld name="Рисунок с подписью">
     <p:spTree>
       <p:nvGrpSpPr>
@@ -2582,31 +2829,107 @@
       </p:grpSpPr>
       <p:sp>
         <p:nvSpPr>
-          <p:cNvPr id="2" name="Заголовок 1">
-            <a:extLst>
-              <a:ext uri="{FF2B5EF4-FFF2-40B4-BE49-F238E27FC236}">
-                <a16:creationId xmlns:a16="http://schemas.microsoft.com/office/drawing/2014/main" id="{CF534746-2AC7-4F8D-8887-BB67B2BC29AF}"/>
-              </a:ext>
-            </a:extLst>
-          </p:cNvPr>
-          <p:cNvSpPr>
-            <a:spLocks noGrp="1"/>
-          </p:cNvSpPr>
-          <p:nvPr>
-            <p:ph type="title"/>
-          </p:nvPr>
+          <p:cNvPr id="8" name="Rectangle 7"/>
+          <p:cNvSpPr/>
+          <p:nvPr/>
         </p:nvSpPr>
         <p:spPr>
           <a:xfrm>
-            <a:off x="839788" y="457200"/>
-            <a:ext cx="3932237" cy="1600200"/>
+            <a:off x="0" y="4953000"/>
+            <a:ext cx="12188825" cy="1905000"/>
+          </a:xfrm>
+          <a:prstGeom prst="rect">
+            <a:avLst/>
+          </a:prstGeom>
+          <a:solidFill>
+            <a:schemeClr val="accent2"/>
+          </a:solidFill>
+          <a:ln>
+            <a:noFill/>
+          </a:ln>
+        </p:spPr>
+        <p:style>
+          <a:lnRef idx="2">
+            <a:schemeClr val="accent1">
+              <a:shade val="50000"/>
+            </a:schemeClr>
+          </a:lnRef>
+          <a:fillRef idx="1">
+            <a:schemeClr val="accent1"/>
+          </a:fillRef>
+          <a:effectRef idx="0">
+            <a:schemeClr val="accent1"/>
+          </a:effectRef>
+          <a:fontRef idx="minor">
+            <a:schemeClr val="lt1"/>
+          </a:fontRef>
+        </p:style>
+      </p:sp>
+      <p:sp>
+        <p:nvSpPr>
+          <p:cNvPr id="9" name="Rectangle 8"/>
+          <p:cNvSpPr/>
+          <p:nvPr/>
+        </p:nvSpPr>
+        <p:spPr>
+          <a:xfrm>
+            <a:off x="15" y="4915076"/>
+            <a:ext cx="12188825" cy="64008"/>
+          </a:xfrm>
+          <a:prstGeom prst="rect">
+            <a:avLst/>
+          </a:prstGeom>
+          <a:solidFill>
+            <a:schemeClr val="accent1"/>
+          </a:solidFill>
+          <a:ln>
+            <a:noFill/>
+          </a:ln>
+        </p:spPr>
+        <p:style>
+          <a:lnRef idx="2">
+            <a:schemeClr val="accent1">
+              <a:shade val="50000"/>
+            </a:schemeClr>
+          </a:lnRef>
+          <a:fillRef idx="1">
+            <a:schemeClr val="accent1"/>
+          </a:fillRef>
+          <a:effectRef idx="0">
+            <a:schemeClr val="accent1"/>
+          </a:effectRef>
+          <a:fontRef idx="minor">
+            <a:schemeClr val="lt1"/>
+          </a:fontRef>
+        </p:style>
+      </p:sp>
+      <p:sp>
+        <p:nvSpPr>
+          <p:cNvPr id="2" name="Title 1"/>
+          <p:cNvSpPr>
+            <a:spLocks noGrp="1"/>
+          </p:cNvSpPr>
+          <p:nvPr>
+            <p:ph type="title"/>
+          </p:nvPr>
+        </p:nvSpPr>
+        <p:spPr>
+          <a:xfrm>
+            <a:off x="1097280" y="5074920"/>
+            <a:ext cx="10113264" cy="822960"/>
           </a:xfrm>
         </p:spPr>
         <p:txBody>
-          <a:bodyPr anchor="b"/>
+          <a:bodyPr lIns="91440" tIns="0" rIns="91440" bIns="0" anchor="b">
+            <a:noAutofit/>
+          </a:bodyPr>
           <a:lstStyle>
             <a:lvl1pPr>
-              <a:defRPr sz="3200"/>
+              <a:defRPr sz="3600" b="0">
+                <a:solidFill>
+                  <a:srgbClr val="FFFFFF"/>
+                </a:solidFill>
+              </a:defRPr>
             </a:lvl1pPr>
           </a:lstStyle>
           <a:p>
@@ -2614,20 +2937,15 @@
               <a:rPr lang="ru-RU"/>
               <a:t>Образец заголовка</a:t>
             </a:r>
-          </a:p>
-        </p:txBody>
-      </p:sp>
-      <p:sp>
-        <p:nvSpPr>
-          <p:cNvPr id="3" name="Рисунок 2">
-            <a:extLst>
-              <a:ext uri="{FF2B5EF4-FFF2-40B4-BE49-F238E27FC236}">
-                <a16:creationId xmlns:a16="http://schemas.microsoft.com/office/drawing/2014/main" id="{9BFAB245-6EA0-4822-9B3D-78AEC03B71F7}"/>
-              </a:ext>
-            </a:extLst>
-          </p:cNvPr>
-          <p:cNvSpPr>
-            <a:spLocks noGrp="1"/>
+            <a:endParaRPr lang="en-US" dirty="0"/>
+          </a:p>
+        </p:txBody>
+      </p:sp>
+      <p:sp>
+        <p:nvSpPr>
+          <p:cNvPr id="3" name="Picture Placeholder 2"/>
+          <p:cNvSpPr>
+            <a:spLocks noGrp="1" noChangeAspect="1"/>
           </p:cNvSpPr>
           <p:nvPr>
             <p:ph type="pic" idx="1"/>
@@ -2635,16 +2953,26 @@
         </p:nvSpPr>
         <p:spPr>
           <a:xfrm>
-            <a:off x="5183188" y="987425"/>
-            <a:ext cx="6172200" cy="4873625"/>
+            <a:off x="15" y="0"/>
+            <a:ext cx="12191985" cy="4915076"/>
           </a:xfrm>
+          <a:blipFill>
+            <a:blip r:embed="rId2"/>
+            <a:stretch>
+              <a:fillRect/>
+            </a:stretch>
+          </a:blipFill>
         </p:spPr>
         <p:txBody>
-          <a:bodyPr/>
+          <a:bodyPr lIns="457200" tIns="457200" anchor="t"/>
           <a:lstStyle>
             <a:lvl1pPr marL="0" indent="0">
               <a:buNone/>
-              <a:defRPr sz="3200"/>
+              <a:defRPr sz="3200">
+                <a:solidFill>
+                  <a:schemeClr val="bg1"/>
+                </a:solidFill>
+              </a:defRPr>
             </a:lvl1pPr>
             <a:lvl2pPr marL="457200" indent="0">
               <a:buNone/>
@@ -2680,19 +3008,17 @@
             </a:lvl9pPr>
           </a:lstStyle>
           <a:p>
-            <a:endParaRPr lang="ru-RU"/>
-          </a:p>
-        </p:txBody>
-      </p:sp>
-      <p:sp>
-        <p:nvSpPr>
-          <p:cNvPr id="4" name="Текст 3">
-            <a:extLst>
-              <a:ext uri="{FF2B5EF4-FFF2-40B4-BE49-F238E27FC236}">
-                <a16:creationId xmlns:a16="http://schemas.microsoft.com/office/drawing/2014/main" id="{D3748F84-99CE-4A08-AFBD-FF910DACAB62}"/>
-              </a:ext>
-            </a:extLst>
-          </p:cNvPr>
+            <a:r>
+              <a:rPr lang="ru-RU"/>
+              <a:t>Вставка рисунка</a:t>
+            </a:r>
+            <a:endParaRPr lang="en-US" dirty="0"/>
+          </a:p>
+        </p:txBody>
+      </p:sp>
+      <p:sp>
+        <p:nvSpPr>
+          <p:cNvPr id="4" name="Text Placeholder 3"/>
           <p:cNvSpPr>
             <a:spLocks noGrp="1"/>
           </p:cNvSpPr>
@@ -2702,48 +3028,60 @@
         </p:nvSpPr>
         <p:spPr>
           <a:xfrm>
-            <a:off x="839788" y="2057400"/>
-            <a:ext cx="3932237" cy="3811588"/>
+            <a:off x="1097280" y="5907023"/>
+            <a:ext cx="10113264" cy="594360"/>
           </a:xfrm>
         </p:spPr>
         <p:txBody>
-          <a:bodyPr/>
+          <a:bodyPr lIns="91440" tIns="0" rIns="91440" bIns="0">
+            <a:normAutofit/>
+          </a:bodyPr>
           <a:lstStyle>
             <a:lvl1pPr marL="0" indent="0">
-              <a:buNone/>
-              <a:defRPr sz="1600"/>
+              <a:spcBef>
+                <a:spcPts val="0"/>
+              </a:spcBef>
+              <a:spcAft>
+                <a:spcPts val="600"/>
+              </a:spcAft>
+              <a:buNone/>
+              <a:defRPr sz="1500">
+                <a:solidFill>
+                  <a:srgbClr val="FFFFFF"/>
+                </a:solidFill>
+              </a:defRPr>
             </a:lvl1pPr>
             <a:lvl2pPr marL="457200" indent="0">
               <a:buNone/>
-              <a:defRPr sz="1400"/>
+              <a:defRPr sz="1200"/>
             </a:lvl2pPr>
             <a:lvl3pPr marL="914400" indent="0">
               <a:buNone/>
-              <a:defRPr sz="1200"/>
+              <a:defRPr sz="1000"/>
             </a:lvl3pPr>
             <a:lvl4pPr marL="1371600" indent="0">
               <a:buNone/>
-              <a:defRPr sz="1000"/>
+              <a:defRPr sz="900"/>
             </a:lvl4pPr>
             <a:lvl5pPr marL="1828800" indent="0">
               <a:buNone/>
-              <a:defRPr sz="1000"/>
+              <a:defRPr sz="900"/>
             </a:lvl5pPr>
             <a:lvl6pPr marL="2286000" indent="0">
               <a:buNone/>
-              <a:defRPr sz="1000"/>
+              <a:defRPr sz="900"/>
             </a:lvl6pPr>
             <a:lvl7pPr marL="2743200" indent="0">
               <a:buNone/>
-              <a:defRPr sz="1000"/>
+              <a:defRPr sz="900"/>
             </a:lvl7pPr>
             <a:lvl8pPr marL="3200400" indent="0">
               <a:buNone/>
-              <a:defRPr sz="1000"/>
+              <a:defRPr sz="900"/>
             </a:lvl8pPr>
             <a:lvl9pPr marL="3657600" indent="0">
               <a:buNone/>
-              <a:defRPr sz="1000"/>
+              <a:defRPr sz="900"/>
             </a:lvl9pPr>
           </a:lstStyle>
           <a:p>
@@ -2757,13 +3095,7 @@
       </p:sp>
       <p:sp>
         <p:nvSpPr>
-          <p:cNvPr id="5" name="Дата 4">
-            <a:extLst>
-              <a:ext uri="{FF2B5EF4-FFF2-40B4-BE49-F238E27FC236}">
-                <a16:creationId xmlns:a16="http://schemas.microsoft.com/office/drawing/2014/main" id="{C043AC4D-445F-4D18-BB23-B07B313D196A}"/>
-              </a:ext>
-            </a:extLst>
-          </p:cNvPr>
+          <p:cNvPr id="5" name="Date Placeholder 4"/>
           <p:cNvSpPr>
             <a:spLocks noGrp="1"/>
           </p:cNvSpPr>
@@ -2778,7 +3110,7 @@
           <a:p>
             <a:fld id="{4CA7187D-B873-4EA6-A7FD-085988EEEBD8}" type="datetimeFigureOut">
               <a:rPr lang="ru-RU" smtClean="0"/>
-              <a:t>01.05.2025</a:t>
+              <a:t>17.05.2025</a:t>
             </a:fld>
             <a:endParaRPr lang="ru-RU"/>
           </a:p>
@@ -2786,13 +3118,7 @@
       </p:sp>
       <p:sp>
         <p:nvSpPr>
-          <p:cNvPr id="6" name="Нижний колонтитул 5">
-            <a:extLst>
-              <a:ext uri="{FF2B5EF4-FFF2-40B4-BE49-F238E27FC236}">
-                <a16:creationId xmlns:a16="http://schemas.microsoft.com/office/drawing/2014/main" id="{0CBFD651-D4FF-47D7-890B-D836C86D40C4}"/>
-              </a:ext>
-            </a:extLst>
-          </p:cNvPr>
+          <p:cNvPr id="6" name="Footer Placeholder 5"/>
           <p:cNvSpPr>
             <a:spLocks noGrp="1"/>
           </p:cNvSpPr>
@@ -2811,13 +3137,7 @@
       </p:sp>
       <p:sp>
         <p:nvSpPr>
-          <p:cNvPr id="7" name="Номер слайда 6">
-            <a:extLst>
-              <a:ext uri="{FF2B5EF4-FFF2-40B4-BE49-F238E27FC236}">
-                <a16:creationId xmlns:a16="http://schemas.microsoft.com/office/drawing/2014/main" id="{DB3E2505-2ED9-4C25-B4B4-F494676FA587}"/>
-              </a:ext>
-            </a:extLst>
-          </p:cNvPr>
+          <p:cNvPr id="7" name="Slide Number Placeholder 6"/>
           <p:cNvSpPr>
             <a:spLocks noGrp="1"/>
           </p:cNvSpPr>
@@ -2841,7 +3161,7 @@
     </p:spTree>
     <p:extLst>
       <p:ext uri="{BB962C8B-B14F-4D97-AF65-F5344CB8AC3E}">
-        <p14:creationId xmlns:p14="http://schemas.microsoft.com/office/powerpoint/2010/main" val="4156010925"/>
+        <p14:creationId xmlns:p14="http://schemas.microsoft.com/office/powerpoint/2010/main" val="250646770"/>
       </p:ext>
     </p:extLst>
   </p:cSld>
@@ -2875,31 +3195,101 @@
       </p:grpSpPr>
       <p:sp>
         <p:nvSpPr>
-          <p:cNvPr id="2" name="Заголовок 1">
-            <a:extLst>
-              <a:ext uri="{FF2B5EF4-FFF2-40B4-BE49-F238E27FC236}">
-                <a16:creationId xmlns:a16="http://schemas.microsoft.com/office/drawing/2014/main" id="{AC53859B-D921-4E3A-86AF-4EAAC99A9299}"/>
-              </a:ext>
-            </a:extLst>
-          </p:cNvPr>
-          <p:cNvSpPr>
-            <a:spLocks noGrp="1"/>
-          </p:cNvSpPr>
-          <p:nvPr>
-            <p:ph type="title"/>
-          </p:nvPr>
+          <p:cNvPr id="7" name="Rectangle 6"/>
+          <p:cNvSpPr/>
+          <p:nvPr/>
         </p:nvSpPr>
         <p:spPr>
           <a:xfrm>
-            <a:off x="838200" y="365125"/>
-            <a:ext cx="10515600" cy="1325563"/>
+            <a:off x="1" y="6400800"/>
+            <a:ext cx="12192000" cy="457200"/>
+          </a:xfrm>
+          <a:prstGeom prst="rect">
+            <a:avLst/>
+          </a:prstGeom>
+          <a:solidFill>
+            <a:schemeClr val="accent2"/>
+          </a:solidFill>
+          <a:ln>
+            <a:noFill/>
+          </a:ln>
+        </p:spPr>
+        <p:style>
+          <a:lnRef idx="2">
+            <a:schemeClr val="accent1">
+              <a:shade val="50000"/>
+            </a:schemeClr>
+          </a:lnRef>
+          <a:fillRef idx="1">
+            <a:schemeClr val="accent1"/>
+          </a:fillRef>
+          <a:effectRef idx="0">
+            <a:schemeClr val="accent1"/>
+          </a:effectRef>
+          <a:fontRef idx="minor">
+            <a:schemeClr val="lt1"/>
+          </a:fontRef>
+        </p:style>
+      </p:sp>
+      <p:sp>
+        <p:nvSpPr>
+          <p:cNvPr id="9" name="Rectangle 8"/>
+          <p:cNvSpPr/>
+          <p:nvPr/>
+        </p:nvSpPr>
+        <p:spPr>
+          <a:xfrm>
+            <a:off x="0" y="6334316"/>
+            <a:ext cx="12192001" cy="65998"/>
+          </a:xfrm>
+          <a:prstGeom prst="rect">
+            <a:avLst/>
+          </a:prstGeom>
+          <a:solidFill>
+            <a:schemeClr val="accent1"/>
+          </a:solidFill>
+          <a:ln>
+            <a:noFill/>
+          </a:ln>
+        </p:spPr>
+        <p:style>
+          <a:lnRef idx="2">
+            <a:schemeClr val="accent1">
+              <a:shade val="50000"/>
+            </a:schemeClr>
+          </a:lnRef>
+          <a:fillRef idx="1">
+            <a:schemeClr val="accent1"/>
+          </a:fillRef>
+          <a:effectRef idx="0">
+            <a:schemeClr val="accent1"/>
+          </a:effectRef>
+          <a:fontRef idx="minor">
+            <a:schemeClr val="lt1"/>
+          </a:fontRef>
+        </p:style>
+      </p:sp>
+      <p:sp>
+        <p:nvSpPr>
+          <p:cNvPr id="2" name="Title Placeholder 1"/>
+          <p:cNvSpPr>
+            <a:spLocks noGrp="1"/>
+          </p:cNvSpPr>
+          <p:nvPr>
+            <p:ph type="title"/>
+          </p:nvPr>
+        </p:nvSpPr>
+        <p:spPr>
+          <a:xfrm>
+            <a:off x="1097280" y="286603"/>
+            <a:ext cx="10058400" cy="1450757"/>
           </a:xfrm>
           <a:prstGeom prst="rect">
             <a:avLst/>
           </a:prstGeom>
         </p:spPr>
         <p:txBody>
-          <a:bodyPr vert="horz" lIns="91440" tIns="45720" rIns="91440" bIns="45720" rtlCol="0" anchor="ctr">
+          <a:bodyPr vert="horz" lIns="91440" tIns="45720" rIns="91440" bIns="45720" rtlCol="0" anchor="b">
             <a:normAutofit/>
           </a:bodyPr>
           <a:lstStyle/>
@@ -2908,18 +3298,13 @@
               <a:rPr lang="ru-RU"/>
               <a:t>Образец заголовка</a:t>
             </a:r>
-          </a:p>
-        </p:txBody>
-      </p:sp>
-      <p:sp>
-        <p:nvSpPr>
-          <p:cNvPr id="3" name="Текст 2">
-            <a:extLst>
-              <a:ext uri="{FF2B5EF4-FFF2-40B4-BE49-F238E27FC236}">
-                <a16:creationId xmlns:a16="http://schemas.microsoft.com/office/drawing/2014/main" id="{F9E89262-B0A7-4692-BFC2-65E0F2D3AD9F}"/>
-              </a:ext>
-            </a:extLst>
-          </p:cNvPr>
+            <a:endParaRPr lang="en-US" dirty="0"/>
+          </a:p>
+        </p:txBody>
+      </p:sp>
+      <p:sp>
+        <p:nvSpPr>
+          <p:cNvPr id="3" name="Text Placeholder 2"/>
           <p:cNvSpPr>
             <a:spLocks noGrp="1"/>
           </p:cNvSpPr>
@@ -2929,15 +3314,15 @@
         </p:nvSpPr>
         <p:spPr>
           <a:xfrm>
-            <a:off x="838200" y="1825625"/>
-            <a:ext cx="10515600" cy="4351338"/>
+            <a:off x="1097280" y="1845734"/>
+            <a:ext cx="10058400" cy="4023360"/>
           </a:xfrm>
           <a:prstGeom prst="rect">
             <a:avLst/>
           </a:prstGeom>
         </p:spPr>
         <p:txBody>
-          <a:bodyPr vert="horz" lIns="91440" tIns="45720" rIns="91440" bIns="45720" rtlCol="0">
+          <a:bodyPr vert="horz" lIns="0" tIns="45720" rIns="0" bIns="45720" rtlCol="0">
             <a:normAutofit/>
           </a:bodyPr>
           <a:lstStyle/>
@@ -2975,18 +3360,13 @@
               <a:rPr lang="ru-RU"/>
               <a:t>Пятый уровень</a:t>
             </a:r>
-          </a:p>
-        </p:txBody>
-      </p:sp>
-      <p:sp>
-        <p:nvSpPr>
-          <p:cNvPr id="4" name="Дата 3">
-            <a:extLst>
-              <a:ext uri="{FF2B5EF4-FFF2-40B4-BE49-F238E27FC236}">
-                <a16:creationId xmlns:a16="http://schemas.microsoft.com/office/drawing/2014/main" id="{FD6C45C4-D5C0-4C66-800C-6AC16A13231B}"/>
-              </a:ext>
-            </a:extLst>
-          </p:cNvPr>
+            <a:endParaRPr lang="en-US" dirty="0"/>
+          </a:p>
+        </p:txBody>
+      </p:sp>
+      <p:sp>
+        <p:nvSpPr>
+          <p:cNvPr id="4" name="Date Placeholder 3"/>
           <p:cNvSpPr>
             <a:spLocks noGrp="1"/>
           </p:cNvSpPr>
@@ -2996,8 +3376,8 @@
         </p:nvSpPr>
         <p:spPr>
           <a:xfrm>
-            <a:off x="838200" y="6356350"/>
-            <a:ext cx="2743200" cy="365125"/>
+            <a:off x="1097280" y="6459785"/>
+            <a:ext cx="2472271" cy="365125"/>
           </a:xfrm>
           <a:prstGeom prst="rect">
             <a:avLst/>
@@ -3007,11 +3387,9 @@
           <a:bodyPr vert="horz" lIns="91440" tIns="45720" rIns="91440" bIns="45720" rtlCol="0" anchor="ctr"/>
           <a:lstStyle>
             <a:lvl1pPr algn="l">
-              <a:defRPr sz="1200">
+              <a:defRPr sz="900">
                 <a:solidFill>
-                  <a:schemeClr val="tx1">
-                    <a:tint val="75000"/>
-                  </a:schemeClr>
+                  <a:srgbClr val="FFFFFF"/>
                 </a:solidFill>
               </a:defRPr>
             </a:lvl1pPr>
@@ -3019,7 +3397,7 @@
           <a:p>
             <a:fld id="{4CA7187D-B873-4EA6-A7FD-085988EEEBD8}" type="datetimeFigureOut">
               <a:rPr lang="ru-RU" smtClean="0"/>
-              <a:t>01.05.2025</a:t>
+              <a:t>17.05.2025</a:t>
             </a:fld>
             <a:endParaRPr lang="ru-RU"/>
           </a:p>
@@ -3027,13 +3405,7 @@
       </p:sp>
       <p:sp>
         <p:nvSpPr>
-          <p:cNvPr id="5" name="Нижний колонтитул 4">
-            <a:extLst>
-              <a:ext uri="{FF2B5EF4-FFF2-40B4-BE49-F238E27FC236}">
-                <a16:creationId xmlns:a16="http://schemas.microsoft.com/office/drawing/2014/main" id="{BC4FF314-D21A-43F2-BA11-86F67AB92E66}"/>
-              </a:ext>
-            </a:extLst>
-          </p:cNvPr>
+          <p:cNvPr id="5" name="Footer Placeholder 4"/>
           <p:cNvSpPr>
             <a:spLocks noGrp="1"/>
           </p:cNvSpPr>
@@ -3043,8 +3415,8 @@
         </p:nvSpPr>
         <p:spPr>
           <a:xfrm>
-            <a:off x="4038600" y="6356350"/>
-            <a:ext cx="4114800" cy="365125"/>
+            <a:off x="3686185" y="6459785"/>
+            <a:ext cx="4822804" cy="365125"/>
           </a:xfrm>
           <a:prstGeom prst="rect">
             <a:avLst/>
@@ -3054,11 +3426,9 @@
           <a:bodyPr vert="horz" lIns="91440" tIns="45720" rIns="91440" bIns="45720" rtlCol="0" anchor="ctr"/>
           <a:lstStyle>
             <a:lvl1pPr algn="ctr">
-              <a:defRPr sz="1200">
+              <a:defRPr sz="900" cap="all" baseline="0">
                 <a:solidFill>
-                  <a:schemeClr val="tx1">
-                    <a:tint val="75000"/>
-                  </a:schemeClr>
+                  <a:srgbClr val="FFFFFF"/>
                 </a:solidFill>
               </a:defRPr>
             </a:lvl1pPr>
@@ -3070,13 +3440,7 @@
       </p:sp>
       <p:sp>
         <p:nvSpPr>
-          <p:cNvPr id="6" name="Номер слайда 5">
-            <a:extLst>
-              <a:ext uri="{FF2B5EF4-FFF2-40B4-BE49-F238E27FC236}">
-                <a16:creationId xmlns:a16="http://schemas.microsoft.com/office/drawing/2014/main" id="{B5C27889-6485-4FE8-8610-77634B3C57D4}"/>
-              </a:ext>
-            </a:extLst>
-          </p:cNvPr>
+          <p:cNvPr id="6" name="Slide Number Placeholder 5"/>
           <p:cNvSpPr>
             <a:spLocks noGrp="1"/>
           </p:cNvSpPr>
@@ -3086,8 +3450,8 @@
         </p:nvSpPr>
         <p:spPr>
           <a:xfrm>
-            <a:off x="8610600" y="6356350"/>
-            <a:ext cx="2743200" cy="365125"/>
+            <a:off x="9900458" y="6459785"/>
+            <a:ext cx="1312025" cy="365125"/>
           </a:xfrm>
           <a:prstGeom prst="rect">
             <a:avLst/>
@@ -3097,11 +3461,9 @@
           <a:bodyPr vert="horz" lIns="91440" tIns="45720" rIns="91440" bIns="45720" rtlCol="0" anchor="ctr"/>
           <a:lstStyle>
             <a:lvl1pPr algn="r">
-              <a:defRPr sz="1200">
+              <a:defRPr sz="1050">
                 <a:solidFill>
-                  <a:schemeClr val="tx1">
-                    <a:tint val="75000"/>
-                  </a:schemeClr>
+                  <a:srgbClr val="FFFFFF"/>
                 </a:solidFill>
               </a:defRPr>
             </a:lvl1pPr>
@@ -3115,40 +3477,81 @@
           </a:p>
         </p:txBody>
       </p:sp>
+      <p:cxnSp>
+        <p:nvCxnSpPr>
+          <p:cNvPr id="10" name="Straight Connector 9"/>
+          <p:cNvCxnSpPr/>
+          <p:nvPr/>
+        </p:nvCxnSpPr>
+        <p:spPr>
+          <a:xfrm>
+            <a:off x="1193532" y="1737845"/>
+            <a:ext cx="9966960" cy="0"/>
+          </a:xfrm>
+          <a:prstGeom prst="line">
+            <a:avLst/>
+          </a:prstGeom>
+          <a:ln w="6350">
+            <a:solidFill>
+              <a:schemeClr val="tx1">
+                <a:lumMod val="50000"/>
+                <a:lumOff val="50000"/>
+              </a:schemeClr>
+            </a:solidFill>
+          </a:ln>
+        </p:spPr>
+        <p:style>
+          <a:lnRef idx="1">
+            <a:schemeClr val="accent1"/>
+          </a:lnRef>
+          <a:fillRef idx="0">
+            <a:schemeClr val="accent1"/>
+          </a:fillRef>
+          <a:effectRef idx="0">
+            <a:schemeClr val="accent1"/>
+          </a:effectRef>
+          <a:fontRef idx="minor">
+            <a:schemeClr val="tx1"/>
+          </a:fontRef>
+        </p:style>
+      </p:cxnSp>
     </p:spTree>
     <p:extLst>
       <p:ext uri="{BB962C8B-B14F-4D97-AF65-F5344CB8AC3E}">
-        <p14:creationId xmlns:p14="http://schemas.microsoft.com/office/powerpoint/2010/main" val="177525611"/>
+        <p14:creationId xmlns:p14="http://schemas.microsoft.com/office/powerpoint/2010/main" val="3139361550"/>
       </p:ext>
     </p:extLst>
   </p:cSld>
   <p:clrMap bg1="lt1" tx1="dk1" bg2="lt2" tx2="dk2" accent1="accent1" accent2="accent2" accent3="accent3" accent4="accent4" accent5="accent5" accent6="accent6" hlink="hlink" folHlink="folHlink"/>
   <p:sldLayoutIdLst>
-    <p:sldLayoutId id="2147483649" r:id="rId1"/>
-    <p:sldLayoutId id="2147483650" r:id="rId2"/>
-    <p:sldLayoutId id="2147483651" r:id="rId3"/>
-    <p:sldLayoutId id="2147483652" r:id="rId4"/>
-    <p:sldLayoutId id="2147483653" r:id="rId5"/>
-    <p:sldLayoutId id="2147483654" r:id="rId6"/>
-    <p:sldLayoutId id="2147483655" r:id="rId7"/>
-    <p:sldLayoutId id="2147483656" r:id="rId8"/>
-    <p:sldLayoutId id="2147483657" r:id="rId9"/>
-    <p:sldLayoutId id="2147483658" r:id="rId10"/>
-    <p:sldLayoutId id="2147483659" r:id="rId11"/>
+    <p:sldLayoutId id="2147483661" r:id="rId1"/>
+    <p:sldLayoutId id="2147483662" r:id="rId2"/>
+    <p:sldLayoutId id="2147483663" r:id="rId3"/>
+    <p:sldLayoutId id="2147483664" r:id="rId4"/>
+    <p:sldLayoutId id="2147483665" r:id="rId5"/>
+    <p:sldLayoutId id="2147483666" r:id="rId6"/>
+    <p:sldLayoutId id="2147483667" r:id="rId7"/>
+    <p:sldLayoutId id="2147483668" r:id="rId8"/>
+    <p:sldLayoutId id="2147483669" r:id="rId9"/>
+    <p:sldLayoutId id="2147483670" r:id="rId10"/>
+    <p:sldLayoutId id="2147483671" r:id="rId11"/>
   </p:sldLayoutIdLst>
   <p:txStyles>
     <p:titleStyle>
       <a:lvl1pPr algn="l" defTabSz="914400" rtl="0" eaLnBrk="1" latinLnBrk="0" hangingPunct="1">
         <a:lnSpc>
-          <a:spcPct val="90000"/>
+          <a:spcPct val="85000"/>
         </a:lnSpc>
         <a:spcBef>
           <a:spcPct val="0"/>
         </a:spcBef>
         <a:buNone/>
-        <a:defRPr sz="4400" kern="1200">
+        <a:defRPr sz="4800" kern="1200" spc="-50" baseline="0">
           <a:solidFill>
-            <a:schemeClr val="tx1"/>
+            <a:schemeClr val="tx1">
+              <a:lumMod val="75000"/>
+              <a:lumOff val="25000"/>
+            </a:schemeClr>
           </a:solidFill>
           <a:latin typeface="+mj-lt"/>
           <a:ea typeface="+mj-ea"/>
@@ -3157,162 +3560,244 @@
       </a:lvl1pPr>
     </p:titleStyle>
     <p:bodyStyle>
-      <a:lvl1pPr marL="228600" indent="-228600" algn="l" defTabSz="914400" rtl="0" eaLnBrk="1" latinLnBrk="0" hangingPunct="1">
+      <a:lvl1pPr marL="91440" indent="-91440" algn="l" defTabSz="914400" rtl="0" eaLnBrk="1" latinLnBrk="0" hangingPunct="1">
         <a:lnSpc>
           <a:spcPct val="90000"/>
         </a:lnSpc>
         <a:spcBef>
-          <a:spcPts val="1000"/>
+          <a:spcPts val="1200"/>
         </a:spcBef>
-        <a:buFont typeface="Arial" panose="020B0604020202020204" pitchFamily="34" charset="0"/>
-        <a:buChar char="•"/>
-        <a:defRPr sz="2800" kern="1200">
+        <a:spcAft>
+          <a:spcPts val="200"/>
+        </a:spcAft>
+        <a:buClr>
+          <a:schemeClr val="accent1"/>
+        </a:buClr>
+        <a:buSzPct val="100000"/>
+        <a:buFont typeface="Calibri" panose="020F0502020204030204" pitchFamily="34" charset="0"/>
+        <a:buChar char=" "/>
+        <a:defRPr sz="2000" kern="1200">
           <a:solidFill>
-            <a:schemeClr val="tx1"/>
+            <a:schemeClr val="tx1">
+              <a:lumMod val="75000"/>
+              <a:lumOff val="25000"/>
+            </a:schemeClr>
           </a:solidFill>
           <a:latin typeface="+mn-lt"/>
           <a:ea typeface="+mn-ea"/>
           <a:cs typeface="+mn-cs"/>
         </a:defRPr>
       </a:lvl1pPr>
-      <a:lvl2pPr marL="685800" indent="-228600" algn="l" defTabSz="914400" rtl="0" eaLnBrk="1" latinLnBrk="0" hangingPunct="1">
+      <a:lvl2pPr marL="384048" indent="-182880" algn="l" defTabSz="914400" rtl="0" eaLnBrk="1" latinLnBrk="0" hangingPunct="1">
         <a:lnSpc>
           <a:spcPct val="90000"/>
         </a:lnSpc>
         <a:spcBef>
-          <a:spcPts val="500"/>
+          <a:spcPts val="200"/>
         </a:spcBef>
-        <a:buFont typeface="Arial" panose="020B0604020202020204" pitchFamily="34" charset="0"/>
-        <a:buChar char="•"/>
-        <a:defRPr sz="2400" kern="1200">
+        <a:spcAft>
+          <a:spcPts val="400"/>
+        </a:spcAft>
+        <a:buClr>
+          <a:schemeClr val="accent1"/>
+        </a:buClr>
+        <a:buFont typeface="Calibri" pitchFamily="34" charset="0"/>
+        <a:buChar char="◦"/>
+        <a:defRPr sz="1800" kern="1200">
           <a:solidFill>
-            <a:schemeClr val="tx1"/>
+            <a:schemeClr val="tx1">
+              <a:lumMod val="75000"/>
+              <a:lumOff val="25000"/>
+            </a:schemeClr>
           </a:solidFill>
           <a:latin typeface="+mn-lt"/>
           <a:ea typeface="+mn-ea"/>
           <a:cs typeface="+mn-cs"/>
         </a:defRPr>
       </a:lvl2pPr>
-      <a:lvl3pPr marL="1143000" indent="-228600" algn="l" defTabSz="914400" rtl="0" eaLnBrk="1" latinLnBrk="0" hangingPunct="1">
+      <a:lvl3pPr marL="566928" indent="-182880" algn="l" defTabSz="914400" rtl="0" eaLnBrk="1" latinLnBrk="0" hangingPunct="1">
         <a:lnSpc>
           <a:spcPct val="90000"/>
         </a:lnSpc>
         <a:spcBef>
-          <a:spcPts val="500"/>
+          <a:spcPts val="200"/>
         </a:spcBef>
-        <a:buFont typeface="Arial" panose="020B0604020202020204" pitchFamily="34" charset="0"/>
-        <a:buChar char="•"/>
-        <a:defRPr sz="2000" kern="1200">
+        <a:spcAft>
+          <a:spcPts val="400"/>
+        </a:spcAft>
+        <a:buClr>
+          <a:schemeClr val="accent1"/>
+        </a:buClr>
+        <a:buFont typeface="Calibri" pitchFamily="34" charset="0"/>
+        <a:buChar char="◦"/>
+        <a:defRPr sz="1400" kern="1200">
           <a:solidFill>
-            <a:schemeClr val="tx1"/>
+            <a:schemeClr val="tx1">
+              <a:lumMod val="75000"/>
+              <a:lumOff val="25000"/>
+            </a:schemeClr>
           </a:solidFill>
           <a:latin typeface="+mn-lt"/>
           <a:ea typeface="+mn-ea"/>
           <a:cs typeface="+mn-cs"/>
         </a:defRPr>
       </a:lvl3pPr>
-      <a:lvl4pPr marL="1600200" indent="-228600" algn="l" defTabSz="914400" rtl="0" eaLnBrk="1" latinLnBrk="0" hangingPunct="1">
+      <a:lvl4pPr marL="749808" indent="-182880" algn="l" defTabSz="914400" rtl="0" eaLnBrk="1" latinLnBrk="0" hangingPunct="1">
         <a:lnSpc>
           <a:spcPct val="90000"/>
         </a:lnSpc>
         <a:spcBef>
-          <a:spcPts val="500"/>
+          <a:spcPts val="200"/>
         </a:spcBef>
-        <a:buFont typeface="Arial" panose="020B0604020202020204" pitchFamily="34" charset="0"/>
-        <a:buChar char="•"/>
-        <a:defRPr sz="1800" kern="1200">
+        <a:spcAft>
+          <a:spcPts val="400"/>
+        </a:spcAft>
+        <a:buClr>
+          <a:schemeClr val="accent1"/>
+        </a:buClr>
+        <a:buFont typeface="Calibri" pitchFamily="34" charset="0"/>
+        <a:buChar char="◦"/>
+        <a:defRPr sz="1400" kern="1200">
           <a:solidFill>
-            <a:schemeClr val="tx1"/>
+            <a:schemeClr val="tx1">
+              <a:lumMod val="75000"/>
+              <a:lumOff val="25000"/>
+            </a:schemeClr>
           </a:solidFill>
           <a:latin typeface="+mn-lt"/>
           <a:ea typeface="+mn-ea"/>
           <a:cs typeface="+mn-cs"/>
         </a:defRPr>
       </a:lvl4pPr>
-      <a:lvl5pPr marL="2057400" indent="-228600" algn="l" defTabSz="914400" rtl="0" eaLnBrk="1" latinLnBrk="0" hangingPunct="1">
+      <a:lvl5pPr marL="932688" indent="-182880" algn="l" defTabSz="914400" rtl="0" eaLnBrk="1" latinLnBrk="0" hangingPunct="1">
         <a:lnSpc>
           <a:spcPct val="90000"/>
         </a:lnSpc>
         <a:spcBef>
-          <a:spcPts val="500"/>
+          <a:spcPts val="200"/>
         </a:spcBef>
-        <a:buFont typeface="Arial" panose="020B0604020202020204" pitchFamily="34" charset="0"/>
-        <a:buChar char="•"/>
-        <a:defRPr sz="1800" kern="1200">
+        <a:spcAft>
+          <a:spcPts val="400"/>
+        </a:spcAft>
+        <a:buClr>
+          <a:schemeClr val="accent1"/>
+        </a:buClr>
+        <a:buFont typeface="Calibri" pitchFamily="34" charset="0"/>
+        <a:buChar char="◦"/>
+        <a:defRPr sz="1400" kern="1200">
           <a:solidFill>
-            <a:schemeClr val="tx1"/>
+            <a:schemeClr val="tx1">
+              <a:lumMod val="75000"/>
+              <a:lumOff val="25000"/>
+            </a:schemeClr>
           </a:solidFill>
           <a:latin typeface="+mn-lt"/>
           <a:ea typeface="+mn-ea"/>
           <a:cs typeface="+mn-cs"/>
         </a:defRPr>
       </a:lvl5pPr>
-      <a:lvl6pPr marL="2514600" indent="-228600" algn="l" defTabSz="914400" rtl="0" eaLnBrk="1" latinLnBrk="0" hangingPunct="1">
+      <a:lvl6pPr marL="1100000" indent="-228600" algn="l" defTabSz="914400" rtl="0" eaLnBrk="1" latinLnBrk="0" hangingPunct="1">
         <a:lnSpc>
           <a:spcPct val="90000"/>
         </a:lnSpc>
         <a:spcBef>
-          <a:spcPts val="500"/>
+          <a:spcPts val="200"/>
         </a:spcBef>
-        <a:buFont typeface="Arial" panose="020B0604020202020204" pitchFamily="34" charset="0"/>
-        <a:buChar char="•"/>
-        <a:defRPr sz="1800" kern="1200">
+        <a:spcAft>
+          <a:spcPts val="400"/>
+        </a:spcAft>
+        <a:buClr>
+          <a:schemeClr val="accent1"/>
+        </a:buClr>
+        <a:buFont typeface="Calibri" pitchFamily="34" charset="0"/>
+        <a:buChar char="◦"/>
+        <a:defRPr sz="1400" kern="1200">
           <a:solidFill>
-            <a:schemeClr val="tx1"/>
+            <a:schemeClr val="tx1">
+              <a:lumMod val="75000"/>
+              <a:lumOff val="25000"/>
+            </a:schemeClr>
           </a:solidFill>
           <a:latin typeface="+mn-lt"/>
           <a:ea typeface="+mn-ea"/>
           <a:cs typeface="+mn-cs"/>
         </a:defRPr>
       </a:lvl6pPr>
-      <a:lvl7pPr marL="2971800" indent="-228600" algn="l" defTabSz="914400" rtl="0" eaLnBrk="1" latinLnBrk="0" hangingPunct="1">
+      <a:lvl7pPr marL="1300000" indent="-228600" algn="l" defTabSz="914400" rtl="0" eaLnBrk="1" latinLnBrk="0" hangingPunct="1">
         <a:lnSpc>
           <a:spcPct val="90000"/>
         </a:lnSpc>
         <a:spcBef>
-          <a:spcPts val="500"/>
+          <a:spcPts val="200"/>
         </a:spcBef>
-        <a:buFont typeface="Arial" panose="020B0604020202020204" pitchFamily="34" charset="0"/>
-        <a:buChar char="•"/>
-        <a:defRPr sz="1800" kern="1200">
+        <a:spcAft>
+          <a:spcPts val="400"/>
+        </a:spcAft>
+        <a:buClr>
+          <a:schemeClr val="accent1"/>
+        </a:buClr>
+        <a:buFont typeface="Calibri" pitchFamily="34" charset="0"/>
+        <a:buChar char="◦"/>
+        <a:defRPr sz="1400" kern="1200">
           <a:solidFill>
-            <a:schemeClr val="tx1"/>
+            <a:schemeClr val="tx1">
+              <a:lumMod val="75000"/>
+              <a:lumOff val="25000"/>
+            </a:schemeClr>
           </a:solidFill>
           <a:latin typeface="+mn-lt"/>
           <a:ea typeface="+mn-ea"/>
           <a:cs typeface="+mn-cs"/>
         </a:defRPr>
       </a:lvl7pPr>
-      <a:lvl8pPr marL="3429000" indent="-228600" algn="l" defTabSz="914400" rtl="0" eaLnBrk="1" latinLnBrk="0" hangingPunct="1">
+      <a:lvl8pPr marL="1500000" indent="-228600" algn="l" defTabSz="914400" rtl="0" eaLnBrk="1" latinLnBrk="0" hangingPunct="1">
         <a:lnSpc>
           <a:spcPct val="90000"/>
         </a:lnSpc>
         <a:spcBef>
-          <a:spcPts val="500"/>
+          <a:spcPts val="200"/>
         </a:spcBef>
-        <a:buFont typeface="Arial" panose="020B0604020202020204" pitchFamily="34" charset="0"/>
-        <a:buChar char="•"/>
-        <a:defRPr sz="1800" kern="1200">
+        <a:spcAft>
+          <a:spcPts val="400"/>
+        </a:spcAft>
+        <a:buClr>
+          <a:schemeClr val="accent1"/>
+        </a:buClr>
+        <a:buFont typeface="Calibri" pitchFamily="34" charset="0"/>
+        <a:buChar char="◦"/>
+        <a:defRPr sz="1400" kern="1200">
           <a:solidFill>
-            <a:schemeClr val="tx1"/>
+            <a:schemeClr val="tx1">
+              <a:lumMod val="75000"/>
+              <a:lumOff val="25000"/>
+            </a:schemeClr>
           </a:solidFill>
           <a:latin typeface="+mn-lt"/>
           <a:ea typeface="+mn-ea"/>
           <a:cs typeface="+mn-cs"/>
         </a:defRPr>
       </a:lvl8pPr>
-      <a:lvl9pPr marL="3886200" indent="-228600" algn="l" defTabSz="914400" rtl="0" eaLnBrk="1" latinLnBrk="0" hangingPunct="1">
+      <a:lvl9pPr marL="1700000" indent="-228600" algn="l" defTabSz="914400" rtl="0" eaLnBrk="1" latinLnBrk="0" hangingPunct="1">
         <a:lnSpc>
           <a:spcPct val="90000"/>
         </a:lnSpc>
         <a:spcBef>
-          <a:spcPts val="500"/>
+          <a:spcPts val="200"/>
         </a:spcBef>
-        <a:buFont typeface="Arial" panose="020B0604020202020204" pitchFamily="34" charset="0"/>
-        <a:buChar char="•"/>
-        <a:defRPr sz="1800" kern="1200">
+        <a:spcAft>
+          <a:spcPts val="400"/>
+        </a:spcAft>
+        <a:buClr>
+          <a:schemeClr val="accent1"/>
+        </a:buClr>
+        <a:buFont typeface="Calibri" pitchFamily="34" charset="0"/>
+        <a:buChar char="◦"/>
+        <a:defRPr sz="1400" kern="1200">
           <a:solidFill>
-            <a:schemeClr val="tx1"/>
+            <a:schemeClr val="tx1">
+              <a:lumMod val="75000"/>
+              <a:lumOff val="25000"/>
+            </a:schemeClr>
           </a:solidFill>
           <a:latin typeface="+mn-lt"/>
           <a:ea typeface="+mn-ea"/>
@@ -3322,7 +3807,7 @@
     </p:bodyStyle>
     <p:otherStyle>
       <a:defPPr>
-        <a:defRPr lang="ru-RU"/>
+        <a:defRPr lang="en-US"/>
       </a:defPPr>
       <a:lvl1pPr marL="0" algn="l" defTabSz="914400" rtl="0" eaLnBrk="1" latinLnBrk="0" hangingPunct="1">
         <a:defRPr sz="1800" kern="1200">
@@ -3436,6 +3921,36 @@
           <a:chExt cx="0" cy="0"/>
         </a:xfrm>
       </p:grpSpPr>
+      <p:pic>
+        <p:nvPicPr>
+          <p:cNvPr id="5" name="Рисунок 4">
+            <a:extLst>
+              <a:ext uri="{FF2B5EF4-FFF2-40B4-BE49-F238E27FC236}">
+                <a16:creationId xmlns:a16="http://schemas.microsoft.com/office/drawing/2014/main" id="{3F2B68D5-0F53-48B7-8F67-A5F753CFA237}"/>
+              </a:ext>
+            </a:extLst>
+          </p:cNvPr>
+          <p:cNvPicPr>
+            <a:picLocks noChangeAspect="1"/>
+          </p:cNvPicPr>
+          <p:nvPr/>
+        </p:nvPicPr>
+        <p:blipFill>
+          <a:blip r:embed="rId2"/>
+          <a:stretch>
+            <a:fillRect/>
+          </a:stretch>
+        </p:blipFill>
+        <p:spPr>
+          <a:xfrm>
+            <a:off x="8003221" y="2725445"/>
+            <a:ext cx="4052655" cy="4052655"/>
+          </a:xfrm>
+          <a:prstGeom prst="rect">
+            <a:avLst/>
+          </a:prstGeom>
+        </p:spPr>
+      </p:pic>
       <p:sp>
         <p:nvSpPr>
           <p:cNvPr id="2" name="Заголовок 1">
@@ -3452,7 +3967,12 @@
             <p:ph type="ctrTitle"/>
           </p:nvPr>
         </p:nvSpPr>
-        <p:spPr/>
+        <p:spPr>
+          <a:xfrm>
+            <a:off x="1524000" y="708564"/>
+            <a:ext cx="9144000" cy="2387600"/>
+          </a:xfrm>
+        </p:spPr>
         <p:txBody>
           <a:bodyPr/>
           <a:lstStyle/>
@@ -3481,7 +4001,12 @@
             <p:ph type="subTitle" idx="1"/>
           </p:nvPr>
         </p:nvSpPr>
-        <p:spPr/>
+        <p:spPr>
+          <a:xfrm>
+            <a:off x="1524000" y="3096010"/>
+            <a:ext cx="9144000" cy="1655762"/>
+          </a:xfrm>
+        </p:spPr>
         <p:txBody>
           <a:bodyPr>
             <a:normAutofit/>
@@ -3497,11 +4022,11 @@
               </a:spcAft>
             </a:pPr>
             <a:r>
-              <a:rPr lang="ru-RU" dirty="0"/>
+              <a:rPr lang="ru-RU" sz="2800" dirty="0"/>
               <a:t>Авторы: </a:t>
             </a:r>
             <a:r>
-              <a:rPr lang="ru-RU" dirty="0">
+              <a:rPr lang="ru-RU" sz="2800" dirty="0">
                 <a:effectLst/>
                 <a:ea typeface="Calibri" panose="020F0502020204030204" pitchFamily="34" charset="0"/>
                 <a:cs typeface="Times New Roman" panose="02020603050405020304" pitchFamily="18" charset="0"/>
@@ -3509,7 +4034,7 @@
               <a:t>Алиса </a:t>
             </a:r>
             <a:r>
-              <a:rPr lang="ru-RU" dirty="0" err="1">
+              <a:rPr lang="ru-RU" sz="2800" dirty="0" err="1">
                 <a:effectLst/>
                 <a:ea typeface="Calibri" panose="020F0502020204030204" pitchFamily="34" charset="0"/>
                 <a:cs typeface="Times New Roman" panose="02020603050405020304" pitchFamily="18" charset="0"/>
@@ -3517,7 +4042,7 @@
               <a:t>Аржаева</a:t>
             </a:r>
             <a:r>
-              <a:rPr lang="ru-RU" dirty="0">
+              <a:rPr lang="ru-RU" sz="2800" dirty="0">
                 <a:effectLst/>
                 <a:ea typeface="Calibri" panose="020F0502020204030204" pitchFamily="34" charset="0"/>
                 <a:cs typeface="Times New Roman" panose="02020603050405020304" pitchFamily="18" charset="0"/>
@@ -3527,14 +4052,14 @@
           </a:p>
           <a:p>
             <a:r>
-              <a:rPr lang="ru-RU" dirty="0">
+              <a:rPr lang="ru-RU" sz="2800" dirty="0">
                 <a:effectLst/>
                 <a:ea typeface="Calibri" panose="020F0502020204030204" pitchFamily="34" charset="0"/>
                 <a:cs typeface="Times New Roman" panose="02020603050405020304" pitchFamily="18" charset="0"/>
               </a:rPr>
               <a:t>Антон</a:t>
             </a:r>
-            <a:endParaRPr lang="ru-RU" dirty="0"/>
+            <a:endParaRPr lang="ru-RU" sz="2800" dirty="0"/>
           </a:p>
         </p:txBody>
       </p:sp>
@@ -3589,7 +4114,10 @@
           <a:bodyPr/>
           <a:lstStyle/>
           <a:p>
-            <a:endParaRPr lang="ru-RU" dirty="0"/>
+            <a:r>
+              <a:rPr lang="ru-RU" dirty="0"/>
+              <a:t>Цель проекта</a:t>
+            </a:r>
           </a:p>
         </p:txBody>
       </p:sp>
@@ -3609,10 +4137,59 @@
             <p:ph idx="1"/>
           </p:nvPr>
         </p:nvSpPr>
-        <p:spPr/>
+        <p:spPr>
+          <a:xfrm>
+            <a:off x="1097280" y="2032165"/>
+            <a:ext cx="10058400" cy="4023360"/>
+          </a:xfrm>
+        </p:spPr>
         <p:txBody>
           <a:bodyPr/>
           <a:lstStyle/>
+          <a:p>
+            <a:pPr>
+              <a:lnSpc>
+                <a:spcPct val="100000"/>
+              </a:lnSpc>
+              <a:spcAft>
+                <a:spcPts val="800"/>
+              </a:spcAft>
+            </a:pPr>
+            <a:r>
+              <a:rPr lang="ru-RU" sz="2800" b="1" dirty="0">
+                <a:effectLst/>
+                <a:latin typeface="Calibri" panose="020F0502020204030204" pitchFamily="34" charset="0"/>
+                <a:ea typeface="Calibri" panose="020F0502020204030204" pitchFamily="34" charset="0"/>
+                <a:cs typeface="Times New Roman" panose="02020603050405020304" pitchFamily="18" charset="0"/>
+              </a:rPr>
+              <a:t>Проблема:</a:t>
+            </a:r>
+            <a:endParaRPr lang="ru-RU" sz="2800" dirty="0">
+              <a:effectLst/>
+              <a:latin typeface="Calibri" panose="020F0502020204030204" pitchFamily="34" charset="0"/>
+              <a:ea typeface="Calibri" panose="020F0502020204030204" pitchFamily="34" charset="0"/>
+              <a:cs typeface="Times New Roman" panose="02020603050405020304" pitchFamily="18" charset="0"/>
+            </a:endParaRPr>
+          </a:p>
+          <a:p>
+            <a:pPr>
+              <a:lnSpc>
+                <a:spcPct val="100000"/>
+              </a:lnSpc>
+              <a:spcAft>
+                <a:spcPts val="800"/>
+              </a:spcAft>
+            </a:pPr>
+            <a:r>
+              <a:rPr lang="ru-RU" sz="2800" dirty="0">
+                <a:effectLst/>
+                <a:latin typeface="Calibri" panose="020F0502020204030204" pitchFamily="34" charset="0"/>
+                <a:ea typeface="Calibri" panose="020F0502020204030204" pitchFamily="34" charset="0"/>
+                <a:cs typeface="Times New Roman" panose="02020603050405020304" pitchFamily="18" charset="0"/>
+              </a:rPr>
+              <a:t>Объявления о животных размещаются на многих сайтах как отдельных приютов, так и людей и платформах, для этого не предназначенных. </a:t>
+            </a:r>
+          </a:p>
           <a:p>
             <a:pPr>
               <a:lnSpc>
@@ -3623,15 +4200,15 @@
               </a:spcAft>
             </a:pPr>
             <a:r>
-              <a:rPr lang="ru-RU" sz="1800" b="1" dirty="0">
+              <a:rPr lang="ru-RU" sz="2800" b="1" dirty="0">
                 <a:effectLst/>
                 <a:latin typeface="Calibri" panose="020F0502020204030204" pitchFamily="34" charset="0"/>
                 <a:ea typeface="Calibri" panose="020F0502020204030204" pitchFamily="34" charset="0"/>
                 <a:cs typeface="Times New Roman" panose="02020603050405020304" pitchFamily="18" charset="0"/>
               </a:rPr>
-              <a:t>Проблема:</a:t>
-            </a:r>
-            <a:endParaRPr lang="ru-RU" sz="1800" dirty="0">
+              <a:t>Описание проекта:</a:t>
+            </a:r>
+            <a:endParaRPr lang="ru-RU" sz="2800" dirty="0">
               <a:effectLst/>
               <a:latin typeface="Calibri" panose="020F0502020204030204" pitchFamily="34" charset="0"/>
               <a:ea typeface="Calibri" panose="020F0502020204030204" pitchFamily="34" charset="0"/>
@@ -3648,70 +4225,7 @@
               </a:spcAft>
             </a:pPr>
             <a:r>
-              <a:rPr lang="ru-RU" sz="1800" dirty="0">
-                <a:effectLst/>
-                <a:latin typeface="Calibri" panose="020F0502020204030204" pitchFamily="34" charset="0"/>
-                <a:ea typeface="Calibri" panose="020F0502020204030204" pitchFamily="34" charset="0"/>
-                <a:cs typeface="Times New Roman" panose="02020603050405020304" pitchFamily="18" charset="0"/>
-              </a:rPr>
-              <a:t>Объявления о животных размещаются на многих сайтах как отдельных приютов, так и отдельных людей и платформах для этого не предназначенных. </a:t>
-            </a:r>
-          </a:p>
-          <a:p>
-            <a:pPr>
-              <a:lnSpc>
-                <a:spcPct val="107000"/>
-              </a:lnSpc>
-              <a:spcAft>
-                <a:spcPts val="800"/>
-              </a:spcAft>
-            </a:pPr>
-            <a:r>
-              <a:rPr lang="ru-RU" sz="1800" dirty="0">
-                <a:effectLst/>
-                <a:latin typeface="Calibri" panose="020F0502020204030204" pitchFamily="34" charset="0"/>
-                <a:ea typeface="Calibri" panose="020F0502020204030204" pitchFamily="34" charset="0"/>
-                <a:cs typeface="Times New Roman" panose="02020603050405020304" pitchFamily="18" charset="0"/>
-              </a:rPr>
-              <a:t> </a:t>
-            </a:r>
-          </a:p>
-          <a:p>
-            <a:pPr>
-              <a:lnSpc>
-                <a:spcPct val="107000"/>
-              </a:lnSpc>
-              <a:spcAft>
-                <a:spcPts val="800"/>
-              </a:spcAft>
-            </a:pPr>
-            <a:r>
-              <a:rPr lang="ru-RU" sz="1800" b="1" dirty="0">
-                <a:effectLst/>
-                <a:latin typeface="Calibri" panose="020F0502020204030204" pitchFamily="34" charset="0"/>
-                <a:ea typeface="Calibri" panose="020F0502020204030204" pitchFamily="34" charset="0"/>
-                <a:cs typeface="Times New Roman" panose="02020603050405020304" pitchFamily="18" charset="0"/>
-              </a:rPr>
-              <a:t>Описание проекта:</a:t>
-            </a:r>
-            <a:endParaRPr lang="ru-RU" sz="1800" dirty="0">
-              <a:effectLst/>
-              <a:latin typeface="Calibri" panose="020F0502020204030204" pitchFamily="34" charset="0"/>
-              <a:ea typeface="Calibri" panose="020F0502020204030204" pitchFamily="34" charset="0"/>
-              <a:cs typeface="Times New Roman" panose="02020603050405020304" pitchFamily="18" charset="0"/>
-            </a:endParaRPr>
-          </a:p>
-          <a:p>
-            <a:pPr>
-              <a:lnSpc>
-                <a:spcPct val="107000"/>
-              </a:lnSpc>
-              <a:spcAft>
-                <a:spcPts val="800"/>
-              </a:spcAft>
-            </a:pPr>
-            <a:r>
-              <a:rPr lang="ru-RU" sz="1800" dirty="0">
+              <a:rPr lang="ru-RU" sz="2800" dirty="0">
                 <a:effectLst/>
                 <a:latin typeface="Calibri" panose="020F0502020204030204" pitchFamily="34" charset="0"/>
                 <a:ea typeface="Calibri" panose="020F0502020204030204" pitchFamily="34" charset="0"/>
@@ -3720,7 +4234,7 @@
               <a:t>Создание сайта для публикации объявлений о животных на </a:t>
             </a:r>
             <a:r>
-              <a:rPr lang="en-US" sz="1800" dirty="0">
+              <a:rPr lang="en-US" sz="2800" dirty="0">
                 <a:effectLst/>
                 <a:latin typeface="Calibri" panose="020F0502020204030204" pitchFamily="34" charset="0"/>
                 <a:ea typeface="Calibri" panose="020F0502020204030204" pitchFamily="34" charset="0"/>
@@ -3729,7 +4243,7 @@
               <a:t>flask</a:t>
             </a:r>
             <a:r>
-              <a:rPr lang="ru-RU" sz="1800" dirty="0">
+              <a:rPr lang="ru-RU" sz="2800" dirty="0">
                 <a:effectLst/>
                 <a:latin typeface="Calibri" panose="020F0502020204030204" pitchFamily="34" charset="0"/>
                 <a:ea typeface="Calibri" panose="020F0502020204030204" pitchFamily="34" charset="0"/>
@@ -3778,7 +4292,7 @@
           <p:cNvPr id="2" name="Заголовок 1">
             <a:extLst>
               <a:ext uri="{FF2B5EF4-FFF2-40B4-BE49-F238E27FC236}">
-                <a16:creationId xmlns:a16="http://schemas.microsoft.com/office/drawing/2014/main" id="{6CE95005-9B3A-4A38-8608-A73835C78EC1}"/>
+                <a16:creationId xmlns:a16="http://schemas.microsoft.com/office/drawing/2014/main" id="{D0F34027-8175-4751-952F-330F54AE6DAC}"/>
               </a:ext>
             </a:extLst>
           </p:cNvPr>
@@ -3791,72 +4305,57 @@
         </p:nvSpPr>
         <p:spPr/>
         <p:txBody>
-          <a:bodyPr>
-            <a:normAutofit fontScale="90000"/>
-          </a:bodyPr>
+          <a:bodyPr/>
           <a:lstStyle/>
           <a:p>
             <a:r>
-              <a:rPr lang="ru-RU" b="1" dirty="0">
-                <a:latin typeface="Calibri" panose="020F0502020204030204" pitchFamily="34" charset="0"/>
-                <a:ea typeface="Calibri" panose="020F0502020204030204" pitchFamily="34" charset="0"/>
-                <a:cs typeface="Times New Roman" panose="02020603050405020304" pitchFamily="18" charset="0"/>
-              </a:rPr>
-              <a:t>Основные классы и </a:t>
-            </a:r>
-            <a:r>
-              <a:rPr lang="ru-RU" b="1" dirty="0">
-                <a:solidFill>
-                  <a:srgbClr val="212529"/>
-                </a:solidFill>
-                <a:latin typeface="Calibri" panose="020F0502020204030204" pitchFamily="34" charset="0"/>
-                <a:ea typeface="Times New Roman" panose="02020603050405020304" pitchFamily="18" charset="0"/>
-                <a:cs typeface="Segoe UI" panose="020B0502040204020203" pitchFamily="34" charset="0"/>
-              </a:rPr>
-              <a:t>Функциональность базы данных:</a:t>
-            </a:r>
-            <a:br>
-              <a:rPr lang="ru-RU" dirty="0">
-                <a:latin typeface="Calibri" panose="020F0502020204030204" pitchFamily="34" charset="0"/>
-                <a:ea typeface="Calibri" panose="020F0502020204030204" pitchFamily="34" charset="0"/>
-                <a:cs typeface="Times New Roman" panose="02020603050405020304" pitchFamily="18" charset="0"/>
-              </a:rPr>
-            </a:br>
-            <a:endParaRPr lang="ru-RU" dirty="0"/>
-          </a:p>
-        </p:txBody>
-      </p:sp>
-      <p:sp>
-        <p:nvSpPr>
-          <p:cNvPr id="3" name="Объект 2">
+              <a:rPr lang="ru-RU" dirty="0"/>
+              <a:t>Используемые технологии</a:t>
+            </a:r>
+          </a:p>
+        </p:txBody>
+      </p:sp>
+      <p:pic>
+        <p:nvPicPr>
+          <p:cNvPr id="10" name="Объект 9">
             <a:extLst>
               <a:ext uri="{FF2B5EF4-FFF2-40B4-BE49-F238E27FC236}">
-                <a16:creationId xmlns:a16="http://schemas.microsoft.com/office/drawing/2014/main" id="{2464ADFE-AA82-4038-919F-E4C1AED014D0}"/>
+                <a16:creationId xmlns:a16="http://schemas.microsoft.com/office/drawing/2014/main" id="{BDB4F5A1-61DF-439E-B568-181050FE5A78}"/>
               </a:ext>
             </a:extLst>
           </p:cNvPr>
-          <p:cNvSpPr>
-            <a:spLocks noGrp="1"/>
-          </p:cNvSpPr>
+          <p:cNvPicPr>
+            <a:picLocks noGrp="1" noChangeAspect="1"/>
+          </p:cNvPicPr>
           <p:nvPr>
             <p:ph sz="half" idx="1"/>
           </p:nvPr>
-        </p:nvSpPr>
-        <p:spPr/>
-        <p:txBody>
-          <a:bodyPr/>
-          <a:lstStyle/>
-          <a:p>
-            <a:endParaRPr lang="ru-RU" dirty="0"/>
-          </a:p>
-        </p:txBody>
-      </p:sp>
-      <p:sp>
-        <p:nvSpPr>
-          <p:cNvPr id="4" name="Объект 3">
+        </p:nvPicPr>
+        <p:blipFill>
+          <a:blip r:embed="rId2">
+            <a:extLst>
+              <a:ext uri="{28A0092B-C50C-407E-A947-70E740481C1C}">
+                <a14:useLocalDpi xmlns:a14="http://schemas.microsoft.com/office/drawing/2010/main" val="0"/>
+              </a:ext>
+            </a:extLst>
+          </a:blip>
+          <a:stretch>
+            <a:fillRect/>
+          </a:stretch>
+        </p:blipFill>
+        <p:spPr>
+          <a:xfrm>
+            <a:off x="5309557" y="1785808"/>
+            <a:ext cx="5538364" cy="3286383"/>
+          </a:xfrm>
+        </p:spPr>
+      </p:pic>
+      <p:sp>
+        <p:nvSpPr>
+          <p:cNvPr id="11" name="Объект 10">
             <a:extLst>
               <a:ext uri="{FF2B5EF4-FFF2-40B4-BE49-F238E27FC236}">
-                <a16:creationId xmlns:a16="http://schemas.microsoft.com/office/drawing/2014/main" id="{591891F4-4969-43A3-A60A-D169C64AFAC0}"/>
+                <a16:creationId xmlns:a16="http://schemas.microsoft.com/office/drawing/2014/main" id="{E56EAD31-1D03-4FD5-9CEE-B6CC2350CB63}"/>
               </a:ext>
             </a:extLst>
           </p:cNvPr>
@@ -3867,19 +4366,119 @@
             <p:ph sz="half" idx="2"/>
           </p:nvPr>
         </p:nvSpPr>
-        <p:spPr/>
-        <p:txBody>
-          <a:bodyPr/>
+        <p:spPr>
+          <a:xfrm>
+            <a:off x="1450610" y="1836033"/>
+            <a:ext cx="3858947" cy="3845676"/>
+          </a:xfrm>
+        </p:spPr>
+        <p:txBody>
+          <a:bodyPr>
+            <a:noAutofit/>
+          </a:bodyPr>
           <a:lstStyle/>
           <a:p>
-            <a:endParaRPr lang="ru-RU" dirty="0"/>
+            <a:pPr>
+              <a:buFont typeface="Arial" panose="020B0604020202020204" pitchFamily="34" charset="0"/>
+              <a:buChar char="•"/>
+            </a:pPr>
+            <a:r>
+              <a:rPr lang="ru-RU" sz="2600" dirty="0"/>
+              <a:t> </a:t>
+            </a:r>
+            <a:r>
+              <a:rPr lang="en-US" sz="2600" spc="300" dirty="0" err="1"/>
+              <a:t>datatime</a:t>
+            </a:r>
+            <a:endParaRPr lang="en-US" sz="2600" spc="300" dirty="0"/>
+          </a:p>
+          <a:p>
+            <a:pPr>
+              <a:buFont typeface="Arial" panose="020B0604020202020204" pitchFamily="34" charset="0"/>
+              <a:buChar char="•"/>
+            </a:pPr>
+            <a:r>
+              <a:rPr lang="en-US" sz="2600" spc="300" dirty="0"/>
+              <a:t> flask</a:t>
+            </a:r>
+          </a:p>
+          <a:p>
+            <a:pPr>
+              <a:buFont typeface="Arial" panose="020B0604020202020204" pitchFamily="34" charset="0"/>
+              <a:buChar char="•"/>
+            </a:pPr>
+            <a:r>
+              <a:rPr lang="en-US" sz="2600" spc="300" dirty="0"/>
+              <a:t> pymorphy3</a:t>
+            </a:r>
+          </a:p>
+          <a:p>
+            <a:pPr>
+              <a:buFont typeface="Arial" panose="020B0604020202020204" pitchFamily="34" charset="0"/>
+              <a:buChar char="•"/>
+            </a:pPr>
+            <a:r>
+              <a:rPr lang="en-US" sz="2600" spc="300" dirty="0"/>
+              <a:t> re</a:t>
+            </a:r>
+          </a:p>
+          <a:p>
+            <a:pPr>
+              <a:buFont typeface="Arial" panose="020B0604020202020204" pitchFamily="34" charset="0"/>
+              <a:buChar char="•"/>
+            </a:pPr>
+            <a:r>
+              <a:rPr lang="en-US" sz="2600" spc="300" dirty="0"/>
+              <a:t> </a:t>
+            </a:r>
+            <a:r>
+              <a:rPr lang="en-US" sz="2600" spc="300" dirty="0" err="1"/>
+              <a:t>wtforms</a:t>
+            </a:r>
+            <a:endParaRPr lang="en-US" sz="2600" spc="300" dirty="0"/>
+          </a:p>
+          <a:p>
+            <a:pPr>
+              <a:buFont typeface="Arial" panose="020B0604020202020204" pitchFamily="34" charset="0"/>
+              <a:buChar char="•"/>
+            </a:pPr>
+            <a:r>
+              <a:rPr lang="en-US" sz="2600" spc="300" dirty="0"/>
+              <a:t> </a:t>
+            </a:r>
+            <a:r>
+              <a:rPr lang="en-US" sz="2600" spc="300" dirty="0" err="1"/>
+              <a:t>sqlalchemy</a:t>
+            </a:r>
+            <a:endParaRPr lang="en-US" sz="2600" spc="300" dirty="0"/>
+          </a:p>
+          <a:p>
+            <a:pPr>
+              <a:buFont typeface="Arial" panose="020B0604020202020204" pitchFamily="34" charset="0"/>
+              <a:buChar char="•"/>
+            </a:pPr>
+            <a:r>
+              <a:rPr lang="en-US" sz="2600" spc="300" dirty="0"/>
+              <a:t> </a:t>
+            </a:r>
+            <a:r>
+              <a:rPr lang="en-US" sz="2600" spc="300" dirty="0" err="1"/>
+              <a:t>flask_wtf</a:t>
+            </a:r>
+            <a:endParaRPr lang="en-US" sz="2600" spc="300" dirty="0"/>
+          </a:p>
+          <a:p>
+            <a:pPr marL="0" indent="0">
+              <a:buNone/>
+            </a:pPr>
+            <a:endParaRPr lang="ru-RU" sz="2600" dirty="0"/>
           </a:p>
         </p:txBody>
       </p:sp>
     </p:spTree>
     <p:extLst>
       <p:ext uri="{BB962C8B-B14F-4D97-AF65-F5344CB8AC3E}">
-        <p14:creationId xmlns:p14="http://schemas.microsoft.com/office/powerpoint/2010/main" val="3036866769"/>
+        <p14:creationId xmlns:p14="http://schemas.microsoft.com/office/powerpoint/2010/main" val="867119568"/>
       </p:ext>
     </p:extLst>
   </p:cSld>
@@ -3911,7 +4510,7 @@
           <p:cNvPr id="2" name="Заголовок 1">
             <a:extLst>
               <a:ext uri="{FF2B5EF4-FFF2-40B4-BE49-F238E27FC236}">
-                <a16:creationId xmlns:a16="http://schemas.microsoft.com/office/drawing/2014/main" id="{D3D9537D-00C1-4EB5-A3A7-2C12AAC458FA}"/>
+                <a16:creationId xmlns:a16="http://schemas.microsoft.com/office/drawing/2014/main" id="{6CE95005-9B3A-4A38-8608-A73835C78EC1}"/>
               </a:ext>
             </a:extLst>
           </p:cNvPr>
@@ -3922,54 +4521,35 @@
             <p:ph type="title"/>
           </p:nvPr>
         </p:nvSpPr>
-        <p:spPr/>
-        <p:txBody>
-          <a:bodyPr/>
+        <p:spPr>
+          <a:xfrm>
+            <a:off x="1097280" y="263526"/>
+            <a:ext cx="10058400" cy="1450757"/>
+          </a:xfrm>
+        </p:spPr>
+        <p:txBody>
+          <a:bodyPr>
+            <a:normAutofit/>
+          </a:bodyPr>
           <a:lstStyle/>
           <a:p>
             <a:r>
-              <a:rPr lang="ru-RU" b="1" dirty="0">
+              <a:rPr lang="ru-RU" dirty="0">
+                <a:ea typeface="Calibri" panose="020F0502020204030204" pitchFamily="34" charset="0"/>
+                <a:cs typeface="Times New Roman" panose="02020603050405020304" pitchFamily="18" charset="0"/>
+              </a:rPr>
+              <a:t>Основные классы и страницы</a:t>
+            </a:r>
+            <a:r>
+              <a:rPr lang="ru-RU" dirty="0">
                 <a:solidFill>
                   <a:srgbClr val="212529"/>
                 </a:solidFill>
-                <a:latin typeface="Calibri" panose="020F0502020204030204" pitchFamily="34" charset="0"/>
                 <a:ea typeface="Times New Roman" panose="02020603050405020304" pitchFamily="18" charset="0"/>
                 <a:cs typeface="Segoe UI" panose="020B0502040204020203" pitchFamily="34" charset="0"/>
               </a:rPr>
-              <a:t>Структура кода</a:t>
-            </a:r>
-            <a:r>
-              <a:rPr lang="en-US" b="1" dirty="0">
-                <a:solidFill>
-                  <a:srgbClr val="212529"/>
-                </a:solidFill>
-                <a:latin typeface="Calibri" panose="020F0502020204030204" pitchFamily="34" charset="0"/>
-                <a:ea typeface="Times New Roman" panose="02020603050405020304" pitchFamily="18" charset="0"/>
-                <a:cs typeface="Segoe UI" panose="020B0502040204020203" pitchFamily="34" charset="0"/>
-              </a:rPr>
-              <a:t> </a:t>
-            </a:r>
-            <a:r>
-              <a:rPr lang="ru-RU" b="1" dirty="0">
-                <a:solidFill>
-                  <a:srgbClr val="212529"/>
-                </a:solidFill>
-                <a:latin typeface="Calibri" panose="020F0502020204030204" pitchFamily="34" charset="0"/>
-                <a:ea typeface="Times New Roman" panose="02020603050405020304" pitchFamily="18" charset="0"/>
-                <a:cs typeface="Segoe UI" panose="020B0502040204020203" pitchFamily="34" charset="0"/>
-              </a:rPr>
-              <a:t>и проекта</a:t>
-            </a:r>
-            <a:br>
-              <a:rPr lang="ru-RU" b="1" dirty="0">
-                <a:solidFill>
-                  <a:srgbClr val="212529"/>
-                </a:solidFill>
-                <a:latin typeface="Calibri" panose="020F0502020204030204" pitchFamily="34" charset="0"/>
-                <a:ea typeface="Times New Roman" panose="02020603050405020304" pitchFamily="18" charset="0"/>
-                <a:cs typeface="Segoe UI" panose="020B0502040204020203" pitchFamily="34" charset="0"/>
-              </a:rPr>
-            </a:br>
+              <a:t>:</a:t>
+            </a:r>
             <a:endParaRPr lang="ru-RU" dirty="0"/>
           </a:p>
         </p:txBody>
@@ -3979,7 +4559,7 @@
           <p:cNvPr id="3" name="Объект 2">
             <a:extLst>
               <a:ext uri="{FF2B5EF4-FFF2-40B4-BE49-F238E27FC236}">
-                <a16:creationId xmlns:a16="http://schemas.microsoft.com/office/drawing/2014/main" id="{249B3362-2BD6-4191-B5FA-82E3EC3323C4}"/>
+                <a16:creationId xmlns:a16="http://schemas.microsoft.com/office/drawing/2014/main" id="{2464ADFE-AA82-4038-919F-E4C1AED014D0}"/>
               </a:ext>
             </a:extLst>
           </p:cNvPr>
@@ -3990,34 +4570,118 @@
             <p:ph sz="half" idx="1"/>
           </p:nvPr>
         </p:nvSpPr>
-        <p:spPr/>
-        <p:txBody>
-          <a:bodyPr/>
+        <p:spPr>
+          <a:xfrm>
+            <a:off x="630315" y="1845735"/>
+            <a:ext cx="3142695" cy="4023360"/>
+          </a:xfrm>
+        </p:spPr>
+        <p:txBody>
+          <a:bodyPr>
+            <a:normAutofit/>
+          </a:bodyPr>
           <a:lstStyle/>
           <a:p>
             <a:pPr marL="0" indent="0">
               <a:buNone/>
             </a:pPr>
             <a:r>
-              <a:rPr lang="ru-RU" sz="1800" b="1" dirty="0">
-                <a:solidFill>
-                  <a:srgbClr val="212529"/>
-                </a:solidFill>
-                <a:latin typeface="Calibri" panose="020F0502020204030204" pitchFamily="34" charset="0"/>
-                <a:ea typeface="Calibri" panose="020F0502020204030204" pitchFamily="34" charset="0"/>
-                <a:cs typeface="Segoe UI" panose="020B0502040204020203" pitchFamily="34" charset="0"/>
-              </a:rPr>
-              <a:t>Структура проекта</a:t>
-            </a:r>
-            <a:endParaRPr lang="ru-RU" sz="1800" dirty="0">
-              <a:effectLst/>
-              <a:latin typeface="Calibri" panose="020F0502020204030204" pitchFamily="34" charset="0"/>
-              <a:ea typeface="Calibri" panose="020F0502020204030204" pitchFamily="34" charset="0"/>
-              <a:cs typeface="Times New Roman" panose="02020603050405020304" pitchFamily="18" charset="0"/>
-            </a:endParaRPr>
-          </a:p>
-          <a:p>
-            <a:endParaRPr lang="ru-RU" dirty="0"/>
+              <a:rPr lang="ru-RU" sz="2200" spc="300" dirty="0"/>
+              <a:t>Классы</a:t>
+            </a:r>
+            <a:r>
+              <a:rPr lang="en-US" sz="2200" spc="300" dirty="0"/>
+              <a:t>:</a:t>
+            </a:r>
+          </a:p>
+          <a:p>
+            <a:pPr>
+              <a:buFont typeface="Arial" panose="020B0604020202020204" pitchFamily="34" charset="0"/>
+              <a:buChar char="•"/>
+            </a:pPr>
+            <a:r>
+              <a:rPr lang="en-US" sz="2200" dirty="0"/>
+              <a:t> Register(</a:t>
+            </a:r>
+            <a:r>
+              <a:rPr lang="en-US" sz="2200" dirty="0" err="1"/>
+              <a:t>FlaskForm</a:t>
+            </a:r>
+            <a:r>
+              <a:rPr lang="en-US" sz="2200" dirty="0"/>
+              <a:t>)</a:t>
+            </a:r>
+          </a:p>
+          <a:p>
+            <a:pPr>
+              <a:buFont typeface="Arial" panose="020B0604020202020204" pitchFamily="34" charset="0"/>
+              <a:buChar char="•"/>
+            </a:pPr>
+            <a:r>
+              <a:rPr lang="en-US" sz="2200" dirty="0"/>
+              <a:t> User(</a:t>
+            </a:r>
+            <a:r>
+              <a:rPr lang="en-US" sz="2200" dirty="0" err="1"/>
+              <a:t>SqlAlchemyBase</a:t>
+            </a:r>
+            <a:r>
+              <a:rPr lang="en-US" sz="2200" dirty="0"/>
+              <a:t>)</a:t>
+            </a:r>
+          </a:p>
+          <a:p>
+            <a:pPr>
+              <a:buFont typeface="Arial" panose="020B0604020202020204" pitchFamily="34" charset="0"/>
+              <a:buChar char="•"/>
+            </a:pPr>
+            <a:r>
+              <a:rPr lang="en-US" sz="2200" dirty="0"/>
+              <a:t> </a:t>
+            </a:r>
+            <a:r>
+              <a:rPr lang="en-US" sz="2200" dirty="0" err="1"/>
+              <a:t>PetCard</a:t>
+            </a:r>
+            <a:r>
+              <a:rPr lang="en-US" sz="2200" dirty="0"/>
+              <a:t>(</a:t>
+            </a:r>
+            <a:r>
+              <a:rPr lang="en-US" sz="2200" dirty="0" err="1"/>
+              <a:t>SqlAlchemyBase</a:t>
+            </a:r>
+            <a:r>
+              <a:rPr lang="en-US" sz="2200" dirty="0"/>
+              <a:t>)</a:t>
+            </a:r>
+            <a:endParaRPr lang="ru-RU" sz="2200" dirty="0"/>
+          </a:p>
+          <a:p>
+            <a:pPr>
+              <a:buFont typeface="Arial" panose="020B0604020202020204" pitchFamily="34" charset="0"/>
+              <a:buChar char="•"/>
+            </a:pPr>
+            <a:r>
+              <a:rPr lang="ru-RU" sz="2200" dirty="0"/>
+              <a:t> </a:t>
+            </a:r>
+            <a:r>
+              <a:rPr lang="en-US" sz="2200" dirty="0" err="1"/>
+              <a:t>PetAge</a:t>
+            </a:r>
+            <a:r>
+              <a:rPr lang="en-US" sz="2200" dirty="0"/>
+              <a:t>(</a:t>
+            </a:r>
+            <a:r>
+              <a:rPr lang="en-US" sz="2200" dirty="0" err="1"/>
+              <a:t>SqlAchemyBase</a:t>
+            </a:r>
+            <a:r>
+              <a:rPr lang="en-US" sz="2200" dirty="0"/>
+              <a:t>)</a:t>
+            </a:r>
           </a:p>
         </p:txBody>
       </p:sp>
@@ -4026,7 +4690,7 @@
           <p:cNvPr id="4" name="Объект 3">
             <a:extLst>
               <a:ext uri="{FF2B5EF4-FFF2-40B4-BE49-F238E27FC236}">
-                <a16:creationId xmlns:a16="http://schemas.microsoft.com/office/drawing/2014/main" id="{0E5B0451-E6D7-474F-B79F-DF8DF653AC97}"/>
+                <a16:creationId xmlns:a16="http://schemas.microsoft.com/office/drawing/2014/main" id="{591891F4-4969-43A3-A60A-D169C64AFAC0}"/>
               </a:ext>
             </a:extLst>
           </p:cNvPr>
@@ -4037,19 +4701,576 @@
             <p:ph sz="half" idx="2"/>
           </p:nvPr>
         </p:nvSpPr>
-        <p:spPr/>
-        <p:txBody>
-          <a:bodyPr/>
+        <p:spPr>
+          <a:xfrm>
+            <a:off x="4060645" y="1845735"/>
+            <a:ext cx="5118865" cy="4023360"/>
+          </a:xfrm>
+        </p:spPr>
+        <p:txBody>
+          <a:bodyPr>
+            <a:normAutofit/>
+          </a:bodyPr>
           <a:lstStyle/>
           <a:p>
-            <a:endParaRPr lang="ru-RU"/>
+            <a:pPr marL="0" indent="0">
+              <a:buNone/>
+            </a:pPr>
+            <a:r>
+              <a:rPr lang="ru-RU" sz="2200" spc="300" dirty="0"/>
+              <a:t>Страницы</a:t>
+            </a:r>
+            <a:r>
+              <a:rPr lang="en-US" sz="2200" spc="300" dirty="0"/>
+              <a:t>:</a:t>
+            </a:r>
+          </a:p>
+          <a:p>
+            <a:pPr>
+              <a:buFont typeface="Arial" panose="020B0604020202020204" pitchFamily="34" charset="0"/>
+              <a:buChar char="•"/>
+            </a:pPr>
+            <a:r>
+              <a:rPr lang="en-US" sz="2200" dirty="0"/>
+              <a:t> </a:t>
+            </a:r>
+            <a:r>
+              <a:rPr lang="en-US" sz="2200" dirty="0" err="1"/>
+              <a:t>main_page</a:t>
+            </a:r>
+            <a:r>
+              <a:rPr lang="en-US" sz="2200" dirty="0"/>
+              <a:t> (</a:t>
+            </a:r>
+            <a:r>
+              <a:rPr lang="ru-RU" sz="2200" dirty="0"/>
+              <a:t>главная</a:t>
+            </a:r>
+            <a:r>
+              <a:rPr lang="en-US" sz="2200" dirty="0"/>
+              <a:t>)</a:t>
+            </a:r>
+          </a:p>
+          <a:p>
+            <a:pPr>
+              <a:buFont typeface="Arial" panose="020B0604020202020204" pitchFamily="34" charset="0"/>
+              <a:buChar char="•"/>
+            </a:pPr>
+            <a:r>
+              <a:rPr lang="en-US" sz="2200" dirty="0"/>
+              <a:t> pets</a:t>
+            </a:r>
+            <a:r>
+              <a:rPr lang="ru-RU" sz="2200" dirty="0"/>
+              <a:t> (каталог животных)</a:t>
+            </a:r>
+            <a:endParaRPr lang="en-US" sz="2200" dirty="0"/>
+          </a:p>
+          <a:p>
+            <a:pPr>
+              <a:buFont typeface="Arial" panose="020B0604020202020204" pitchFamily="34" charset="0"/>
+              <a:buChar char="•"/>
+            </a:pPr>
+            <a:r>
+              <a:rPr lang="en-US" sz="2200" dirty="0"/>
+              <a:t> about</a:t>
+            </a:r>
+            <a:r>
+              <a:rPr lang="ru-RU" sz="2200" dirty="0"/>
+              <a:t> (о сайте)</a:t>
+            </a:r>
+          </a:p>
+          <a:p>
+            <a:pPr>
+              <a:buFont typeface="Arial" panose="020B0604020202020204" pitchFamily="34" charset="0"/>
+              <a:buChar char="•"/>
+            </a:pPr>
+            <a:r>
+              <a:rPr lang="ru-RU" sz="2200" dirty="0"/>
+              <a:t> </a:t>
+            </a:r>
+            <a:r>
+              <a:rPr lang="en-US" sz="2200" dirty="0"/>
+              <a:t>articles</a:t>
+            </a:r>
+            <a:r>
+              <a:rPr lang="ru-RU" sz="2200" dirty="0"/>
+              <a:t> (полезные статьи)</a:t>
+            </a:r>
+          </a:p>
+          <a:p>
+            <a:pPr>
+              <a:buFont typeface="Arial" panose="020B0604020202020204" pitchFamily="34" charset="0"/>
+              <a:buChar char="•"/>
+            </a:pPr>
+            <a:r>
+              <a:rPr lang="ru-RU" sz="2200" dirty="0"/>
+              <a:t> </a:t>
+            </a:r>
+            <a:r>
+              <a:rPr lang="en-US" sz="2200" dirty="0"/>
+              <a:t>rules (</a:t>
+            </a:r>
+            <a:r>
+              <a:rPr lang="ru-RU" sz="2200" dirty="0"/>
+              <a:t>правила сайта</a:t>
+            </a:r>
+            <a:r>
+              <a:rPr lang="en-US" sz="2200" dirty="0"/>
+              <a:t>)</a:t>
+            </a:r>
+            <a:endParaRPr lang="ru-RU" sz="2200" dirty="0"/>
+          </a:p>
+          <a:p>
+            <a:pPr>
+              <a:buFont typeface="Arial" panose="020B0604020202020204" pitchFamily="34" charset="0"/>
+              <a:buChar char="•"/>
+            </a:pPr>
+            <a:r>
+              <a:rPr lang="ru-RU" sz="2200" dirty="0"/>
+              <a:t> </a:t>
+            </a:r>
+            <a:r>
+              <a:rPr lang="en-US" sz="2200" dirty="0"/>
+              <a:t>privacy</a:t>
+            </a:r>
+            <a:r>
+              <a:rPr lang="ru-RU" sz="2200" dirty="0"/>
+              <a:t> (политика конфиденциальности)</a:t>
+            </a:r>
+          </a:p>
+          <a:p>
+            <a:pPr>
+              <a:buFont typeface="Arial" panose="020B0604020202020204" pitchFamily="34" charset="0"/>
+              <a:buChar char="•"/>
+            </a:pPr>
+            <a:r>
+              <a:rPr lang="ru-RU" sz="2200" dirty="0"/>
+              <a:t> </a:t>
+            </a:r>
+            <a:r>
+              <a:rPr lang="en-US" sz="2200" dirty="0"/>
+              <a:t>login (</a:t>
+            </a:r>
+            <a:r>
+              <a:rPr lang="ru-RU" sz="2200" dirty="0"/>
+              <a:t>авторизация</a:t>
+            </a:r>
+            <a:r>
+              <a:rPr lang="en-US" sz="2200" dirty="0"/>
+              <a:t>)</a:t>
+            </a:r>
+            <a:endParaRPr lang="ru-RU" sz="2200" dirty="0"/>
+          </a:p>
+          <a:p>
+            <a:pPr>
+              <a:buFont typeface="Arial" panose="020B0604020202020204" pitchFamily="34" charset="0"/>
+              <a:buChar char="•"/>
+            </a:pPr>
+            <a:endParaRPr lang="ru-RU" dirty="0"/>
+          </a:p>
+          <a:p>
+            <a:endParaRPr lang="ru-RU" dirty="0"/>
+          </a:p>
+        </p:txBody>
+      </p:sp>
+      <p:sp>
+        <p:nvSpPr>
+          <p:cNvPr id="8" name="Объект 3">
+            <a:extLst>
+              <a:ext uri="{FF2B5EF4-FFF2-40B4-BE49-F238E27FC236}">
+                <a16:creationId xmlns:a16="http://schemas.microsoft.com/office/drawing/2014/main" id="{3A109549-4A4F-4BFA-811F-9BF86FD993BC}"/>
+              </a:ext>
+            </a:extLst>
+          </p:cNvPr>
+          <p:cNvSpPr txBox="1">
+            <a:spLocks/>
+          </p:cNvSpPr>
+          <p:nvPr/>
+        </p:nvSpPr>
+        <p:spPr>
+          <a:xfrm>
+            <a:off x="7533294" y="1845735"/>
+            <a:ext cx="4490030" cy="4023360"/>
+          </a:xfrm>
+          <a:prstGeom prst="rect">
+            <a:avLst/>
+          </a:prstGeom>
+        </p:spPr>
+        <p:txBody>
+          <a:bodyPr vert="horz" lIns="0" tIns="45720" rIns="0" bIns="45720" rtlCol="0">
+            <a:normAutofit/>
+          </a:bodyPr>
+          <a:lstStyle>
+            <a:lvl1pPr marL="91440" indent="-91440" algn="l" defTabSz="914400" rtl="0" eaLnBrk="1" latinLnBrk="0" hangingPunct="1">
+              <a:lnSpc>
+                <a:spcPct val="90000"/>
+              </a:lnSpc>
+              <a:spcBef>
+                <a:spcPts val="1200"/>
+              </a:spcBef>
+              <a:spcAft>
+                <a:spcPts val="200"/>
+              </a:spcAft>
+              <a:buClr>
+                <a:schemeClr val="accent1"/>
+              </a:buClr>
+              <a:buSzPct val="100000"/>
+              <a:buFont typeface="Calibri" panose="020F0502020204030204" pitchFamily="34" charset="0"/>
+              <a:buChar char=" "/>
+              <a:defRPr sz="2000" kern="1200">
+                <a:solidFill>
+                  <a:schemeClr val="tx1">
+                    <a:lumMod val="75000"/>
+                    <a:lumOff val="25000"/>
+                  </a:schemeClr>
+                </a:solidFill>
+                <a:latin typeface="+mn-lt"/>
+                <a:ea typeface="+mn-ea"/>
+                <a:cs typeface="+mn-cs"/>
+              </a:defRPr>
+            </a:lvl1pPr>
+            <a:lvl2pPr marL="384048" indent="-182880" algn="l" defTabSz="914400" rtl="0" eaLnBrk="1" latinLnBrk="0" hangingPunct="1">
+              <a:lnSpc>
+                <a:spcPct val="90000"/>
+              </a:lnSpc>
+              <a:spcBef>
+                <a:spcPts val="200"/>
+              </a:spcBef>
+              <a:spcAft>
+                <a:spcPts val="400"/>
+              </a:spcAft>
+              <a:buClr>
+                <a:schemeClr val="accent1"/>
+              </a:buClr>
+              <a:buFont typeface="Calibri" pitchFamily="34" charset="0"/>
+              <a:buChar char="◦"/>
+              <a:defRPr sz="1800" kern="1200">
+                <a:solidFill>
+                  <a:schemeClr val="tx1">
+                    <a:lumMod val="75000"/>
+                    <a:lumOff val="25000"/>
+                  </a:schemeClr>
+                </a:solidFill>
+                <a:latin typeface="+mn-lt"/>
+                <a:ea typeface="+mn-ea"/>
+                <a:cs typeface="+mn-cs"/>
+              </a:defRPr>
+            </a:lvl2pPr>
+            <a:lvl3pPr marL="566928" indent="-182880" algn="l" defTabSz="914400" rtl="0" eaLnBrk="1" latinLnBrk="0" hangingPunct="1">
+              <a:lnSpc>
+                <a:spcPct val="90000"/>
+              </a:lnSpc>
+              <a:spcBef>
+                <a:spcPts val="200"/>
+              </a:spcBef>
+              <a:spcAft>
+                <a:spcPts val="400"/>
+              </a:spcAft>
+              <a:buClr>
+                <a:schemeClr val="accent1"/>
+              </a:buClr>
+              <a:buFont typeface="Calibri" pitchFamily="34" charset="0"/>
+              <a:buChar char="◦"/>
+              <a:defRPr sz="1400" kern="1200">
+                <a:solidFill>
+                  <a:schemeClr val="tx1">
+                    <a:lumMod val="75000"/>
+                    <a:lumOff val="25000"/>
+                  </a:schemeClr>
+                </a:solidFill>
+                <a:latin typeface="+mn-lt"/>
+                <a:ea typeface="+mn-ea"/>
+                <a:cs typeface="+mn-cs"/>
+              </a:defRPr>
+            </a:lvl3pPr>
+            <a:lvl4pPr marL="749808" indent="-182880" algn="l" defTabSz="914400" rtl="0" eaLnBrk="1" latinLnBrk="0" hangingPunct="1">
+              <a:lnSpc>
+                <a:spcPct val="90000"/>
+              </a:lnSpc>
+              <a:spcBef>
+                <a:spcPts val="200"/>
+              </a:spcBef>
+              <a:spcAft>
+                <a:spcPts val="400"/>
+              </a:spcAft>
+              <a:buClr>
+                <a:schemeClr val="accent1"/>
+              </a:buClr>
+              <a:buFont typeface="Calibri" pitchFamily="34" charset="0"/>
+              <a:buChar char="◦"/>
+              <a:defRPr sz="1400" kern="1200">
+                <a:solidFill>
+                  <a:schemeClr val="tx1">
+                    <a:lumMod val="75000"/>
+                    <a:lumOff val="25000"/>
+                  </a:schemeClr>
+                </a:solidFill>
+                <a:latin typeface="+mn-lt"/>
+                <a:ea typeface="+mn-ea"/>
+                <a:cs typeface="+mn-cs"/>
+              </a:defRPr>
+            </a:lvl4pPr>
+            <a:lvl5pPr marL="932688" indent="-182880" algn="l" defTabSz="914400" rtl="0" eaLnBrk="1" latinLnBrk="0" hangingPunct="1">
+              <a:lnSpc>
+                <a:spcPct val="90000"/>
+              </a:lnSpc>
+              <a:spcBef>
+                <a:spcPts val="200"/>
+              </a:spcBef>
+              <a:spcAft>
+                <a:spcPts val="400"/>
+              </a:spcAft>
+              <a:buClr>
+                <a:schemeClr val="accent1"/>
+              </a:buClr>
+              <a:buFont typeface="Calibri" pitchFamily="34" charset="0"/>
+              <a:buChar char="◦"/>
+              <a:defRPr sz="1400" kern="1200">
+                <a:solidFill>
+                  <a:schemeClr val="tx1">
+                    <a:lumMod val="75000"/>
+                    <a:lumOff val="25000"/>
+                  </a:schemeClr>
+                </a:solidFill>
+                <a:latin typeface="+mn-lt"/>
+                <a:ea typeface="+mn-ea"/>
+                <a:cs typeface="+mn-cs"/>
+              </a:defRPr>
+            </a:lvl5pPr>
+            <a:lvl6pPr marL="1100000" indent="-228600" algn="l" defTabSz="914400" rtl="0" eaLnBrk="1" latinLnBrk="0" hangingPunct="1">
+              <a:lnSpc>
+                <a:spcPct val="90000"/>
+              </a:lnSpc>
+              <a:spcBef>
+                <a:spcPts val="200"/>
+              </a:spcBef>
+              <a:spcAft>
+                <a:spcPts val="400"/>
+              </a:spcAft>
+              <a:buClr>
+                <a:schemeClr val="accent1"/>
+              </a:buClr>
+              <a:buFont typeface="Calibri" pitchFamily="34" charset="0"/>
+              <a:buChar char="◦"/>
+              <a:defRPr sz="1400" kern="1200">
+                <a:solidFill>
+                  <a:schemeClr val="tx1">
+                    <a:lumMod val="75000"/>
+                    <a:lumOff val="25000"/>
+                  </a:schemeClr>
+                </a:solidFill>
+                <a:latin typeface="+mn-lt"/>
+                <a:ea typeface="+mn-ea"/>
+                <a:cs typeface="+mn-cs"/>
+              </a:defRPr>
+            </a:lvl6pPr>
+            <a:lvl7pPr marL="1300000" indent="-228600" algn="l" defTabSz="914400" rtl="0" eaLnBrk="1" latinLnBrk="0" hangingPunct="1">
+              <a:lnSpc>
+                <a:spcPct val="90000"/>
+              </a:lnSpc>
+              <a:spcBef>
+                <a:spcPts val="200"/>
+              </a:spcBef>
+              <a:spcAft>
+                <a:spcPts val="400"/>
+              </a:spcAft>
+              <a:buClr>
+                <a:schemeClr val="accent1"/>
+              </a:buClr>
+              <a:buFont typeface="Calibri" pitchFamily="34" charset="0"/>
+              <a:buChar char="◦"/>
+              <a:defRPr sz="1400" kern="1200">
+                <a:solidFill>
+                  <a:schemeClr val="tx1">
+                    <a:lumMod val="75000"/>
+                    <a:lumOff val="25000"/>
+                  </a:schemeClr>
+                </a:solidFill>
+                <a:latin typeface="+mn-lt"/>
+                <a:ea typeface="+mn-ea"/>
+                <a:cs typeface="+mn-cs"/>
+              </a:defRPr>
+            </a:lvl7pPr>
+            <a:lvl8pPr marL="1500000" indent="-228600" algn="l" defTabSz="914400" rtl="0" eaLnBrk="1" latinLnBrk="0" hangingPunct="1">
+              <a:lnSpc>
+                <a:spcPct val="90000"/>
+              </a:lnSpc>
+              <a:spcBef>
+                <a:spcPts val="200"/>
+              </a:spcBef>
+              <a:spcAft>
+                <a:spcPts val="400"/>
+              </a:spcAft>
+              <a:buClr>
+                <a:schemeClr val="accent1"/>
+              </a:buClr>
+              <a:buFont typeface="Calibri" pitchFamily="34" charset="0"/>
+              <a:buChar char="◦"/>
+              <a:defRPr sz="1400" kern="1200">
+                <a:solidFill>
+                  <a:schemeClr val="tx1">
+                    <a:lumMod val="75000"/>
+                    <a:lumOff val="25000"/>
+                  </a:schemeClr>
+                </a:solidFill>
+                <a:latin typeface="+mn-lt"/>
+                <a:ea typeface="+mn-ea"/>
+                <a:cs typeface="+mn-cs"/>
+              </a:defRPr>
+            </a:lvl8pPr>
+            <a:lvl9pPr marL="1700000" indent="-228600" algn="l" defTabSz="914400" rtl="0" eaLnBrk="1" latinLnBrk="0" hangingPunct="1">
+              <a:lnSpc>
+                <a:spcPct val="90000"/>
+              </a:lnSpc>
+              <a:spcBef>
+                <a:spcPts val="200"/>
+              </a:spcBef>
+              <a:spcAft>
+                <a:spcPts val="400"/>
+              </a:spcAft>
+              <a:buClr>
+                <a:schemeClr val="accent1"/>
+              </a:buClr>
+              <a:buFont typeface="Calibri" pitchFamily="34" charset="0"/>
+              <a:buChar char="◦"/>
+              <a:defRPr sz="1400" kern="1200">
+                <a:solidFill>
+                  <a:schemeClr val="tx1">
+                    <a:lumMod val="75000"/>
+                    <a:lumOff val="25000"/>
+                  </a:schemeClr>
+                </a:solidFill>
+                <a:latin typeface="+mn-lt"/>
+                <a:ea typeface="+mn-ea"/>
+                <a:cs typeface="+mn-cs"/>
+              </a:defRPr>
+            </a:lvl9pPr>
+          </a:lstStyle>
+          <a:p>
+            <a:pPr marL="0" indent="0">
+              <a:buFont typeface="Calibri" panose="020F0502020204030204" pitchFamily="34" charset="0"/>
+              <a:buNone/>
+            </a:pPr>
+            <a:r>
+              <a:rPr lang="ru-RU" sz="2200" spc="300" dirty="0"/>
+              <a:t>Страницы</a:t>
+            </a:r>
+            <a:r>
+              <a:rPr lang="en-US" sz="2200" spc="300" dirty="0"/>
+              <a:t>:</a:t>
+            </a:r>
+          </a:p>
+          <a:p>
+            <a:pPr>
+              <a:buFont typeface="Arial" panose="020B0604020202020204" pitchFamily="34" charset="0"/>
+              <a:buChar char="•"/>
+            </a:pPr>
+            <a:r>
+              <a:rPr lang="en-US" sz="2200" dirty="0"/>
+              <a:t> register (</a:t>
+            </a:r>
+            <a:r>
+              <a:rPr lang="ru-RU" sz="2200" dirty="0"/>
+              <a:t>регистрация</a:t>
+            </a:r>
+            <a:r>
+              <a:rPr lang="en-US" sz="2200" dirty="0"/>
+              <a:t>)</a:t>
+            </a:r>
+          </a:p>
+          <a:p>
+            <a:pPr>
+              <a:buFont typeface="Arial" panose="020B0604020202020204" pitchFamily="34" charset="0"/>
+              <a:buChar char="•"/>
+            </a:pPr>
+            <a:r>
+              <a:rPr lang="en-US" sz="2200" dirty="0"/>
+              <a:t> profile (</a:t>
+            </a:r>
+            <a:r>
+              <a:rPr lang="ru-RU" sz="2200" dirty="0"/>
+              <a:t>личный кабинет</a:t>
+            </a:r>
+            <a:r>
+              <a:rPr lang="en-US" sz="2200" dirty="0"/>
+              <a:t>)</a:t>
+            </a:r>
+            <a:endParaRPr lang="ru-RU" sz="2200" dirty="0"/>
+          </a:p>
+          <a:p>
+            <a:pPr>
+              <a:buFont typeface="Arial" panose="020B0604020202020204" pitchFamily="34" charset="0"/>
+              <a:buChar char="•"/>
+            </a:pPr>
+            <a:r>
+              <a:rPr lang="ru-RU" sz="2200" dirty="0"/>
+              <a:t> </a:t>
+            </a:r>
+            <a:r>
+              <a:rPr lang="en-US" sz="2200" dirty="0" err="1"/>
+              <a:t>cread_card</a:t>
+            </a:r>
+            <a:r>
+              <a:rPr lang="en-US" sz="2200" dirty="0"/>
+              <a:t> </a:t>
+            </a:r>
+            <a:r>
+              <a:rPr lang="ru-RU" sz="2200" dirty="0"/>
+              <a:t>(создание карточки)</a:t>
+            </a:r>
+          </a:p>
+          <a:p>
+            <a:pPr>
+              <a:buFont typeface="Arial" panose="020B0604020202020204" pitchFamily="34" charset="0"/>
+              <a:buChar char="•"/>
+            </a:pPr>
+            <a:r>
+              <a:rPr lang="ru-RU" sz="2200" dirty="0"/>
+              <a:t> </a:t>
+            </a:r>
+            <a:r>
+              <a:rPr lang="en-US" sz="2200" dirty="0"/>
+              <a:t>pets/&lt;</a:t>
+            </a:r>
+            <a:r>
+              <a:rPr lang="en-US" sz="2200" dirty="0" err="1"/>
+              <a:t>int:card_id</a:t>
+            </a:r>
+            <a:r>
+              <a:rPr lang="en-US" sz="2200" dirty="0"/>
+              <a:t>&gt;/</a:t>
+            </a:r>
+            <a:r>
+              <a:rPr lang="en-US" sz="2200" dirty="0" err="1"/>
+              <a:t>edit_card</a:t>
+            </a:r>
+            <a:r>
+              <a:rPr lang="ru-RU" sz="2200" dirty="0"/>
+              <a:t> </a:t>
+            </a:r>
+            <a:r>
+              <a:rPr lang="en-US" sz="2200" dirty="0"/>
+              <a:t>(</a:t>
+            </a:r>
+            <a:r>
+              <a:rPr lang="ru-RU" sz="2200" dirty="0" err="1"/>
+              <a:t>редакт</a:t>
+            </a:r>
+            <a:r>
+              <a:rPr lang="ru-RU" sz="2200" dirty="0"/>
+              <a:t>)</a:t>
+            </a:r>
+          </a:p>
+          <a:p>
+            <a:endParaRPr lang="ru-RU" sz="2200" dirty="0"/>
           </a:p>
         </p:txBody>
       </p:sp>
     </p:spTree>
     <p:extLst>
       <p:ext uri="{BB962C8B-B14F-4D97-AF65-F5344CB8AC3E}">
-        <p14:creationId xmlns:p14="http://schemas.microsoft.com/office/powerpoint/2010/main" val="1821116606"/>
+        <p14:creationId xmlns:p14="http://schemas.microsoft.com/office/powerpoint/2010/main" val="3036866769"/>
       </p:ext>
     </p:extLst>
   </p:cSld>
@@ -4081,7 +5302,7 @@
           <p:cNvPr id="2" name="Заголовок 1">
             <a:extLst>
               <a:ext uri="{FF2B5EF4-FFF2-40B4-BE49-F238E27FC236}">
-                <a16:creationId xmlns:a16="http://schemas.microsoft.com/office/drawing/2014/main" id="{935277F0-3AF1-4BBA-9DC9-C99355B6DAB5}"/>
+                <a16:creationId xmlns:a16="http://schemas.microsoft.com/office/drawing/2014/main" id="{9657DB91-A5AA-4FC1-A730-43F978FC8C9D}"/>
               </a:ext>
             </a:extLst>
           </p:cNvPr>
@@ -4098,23 +5319,17 @@
           <a:lstStyle/>
           <a:p>
             <a:r>
-              <a:rPr lang="ru-RU" b="1" dirty="0">
-                <a:solidFill>
-                  <a:srgbClr val="212529"/>
-                </a:solidFill>
-                <a:latin typeface="Calibri" panose="020F0502020204030204" pitchFamily="34" charset="0"/>
-                <a:ea typeface="Times New Roman" panose="02020603050405020304" pitchFamily="18" charset="0"/>
-                <a:cs typeface="Segoe UI" panose="020B0502040204020203" pitchFamily="34" charset="0"/>
-              </a:rPr>
-              <a:t>Разделы сайта:</a:t>
-            </a:r>
-            <a:br>
-              <a:rPr lang="ru-RU" dirty="0">
-                <a:latin typeface="Calibri" panose="020F0502020204030204" pitchFamily="34" charset="0"/>
-                <a:ea typeface="Calibri" panose="020F0502020204030204" pitchFamily="34" charset="0"/>
-                <a:cs typeface="Times New Roman" panose="02020603050405020304" pitchFamily="18" charset="0"/>
-              </a:rPr>
-            </a:br>
+              <a:rPr lang="ru-RU" dirty="0"/>
+              <a:t>База данных</a:t>
+            </a:r>
+            <a:r>
+              <a:rPr lang="en-US" dirty="0"/>
+              <a:t> </a:t>
+            </a:r>
+            <a:r>
+              <a:rPr lang="en-US" dirty="0" err="1"/>
+              <a:t>PetSearch.db</a:t>
+            </a:r>
             <a:endParaRPr lang="ru-RU" dirty="0"/>
           </a:p>
         </p:txBody>
@@ -4124,7 +5339,7 @@
           <p:cNvPr id="3" name="Объект 2">
             <a:extLst>
               <a:ext uri="{FF2B5EF4-FFF2-40B4-BE49-F238E27FC236}">
-                <a16:creationId xmlns:a16="http://schemas.microsoft.com/office/drawing/2014/main" id="{087B339E-1DCC-4662-AA7D-D3C740B1D3AA}"/>
+                <a16:creationId xmlns:a16="http://schemas.microsoft.com/office/drawing/2014/main" id="{32FFB354-044B-4226-B626-C4207F95CC75}"/>
               </a:ext>
             </a:extLst>
           </p:cNvPr>
@@ -4135,58 +5350,139 @@
             <p:ph sz="half" idx="1"/>
           </p:nvPr>
         </p:nvSpPr>
-        <p:spPr/>
-        <p:txBody>
-          <a:bodyPr/>
+        <p:spPr>
+          <a:xfrm>
+            <a:off x="1188720" y="2167727"/>
+            <a:ext cx="4937760" cy="4023360"/>
+          </a:xfrm>
+        </p:spPr>
+        <p:txBody>
+          <a:bodyPr>
+            <a:normAutofit/>
+          </a:bodyPr>
           <a:lstStyle/>
           <a:p>
-            <a:pPr marL="0" indent="0">
-              <a:buNone/>
+            <a:r>
+              <a:rPr lang="ru-RU" sz="2800" spc="300" dirty="0"/>
+              <a:t>Таблицы</a:t>
+            </a:r>
+            <a:r>
+              <a:rPr lang="en-US" sz="2800" spc="300" dirty="0"/>
+              <a:t>:</a:t>
+            </a:r>
+          </a:p>
+          <a:p>
+            <a:pPr>
+              <a:buFont typeface="Arial" panose="020B0604020202020204" pitchFamily="34" charset="0"/>
+              <a:buChar char="•"/>
             </a:pPr>
             <a:r>
-              <a:rPr lang="ru-RU" dirty="0"/>
-              <a:t>Тут что-то по разделам(</a:t>
-            </a:r>
-            <a:r>
-              <a:rPr lang="ru-RU" dirty="0" err="1"/>
-              <a:t>фоточки</a:t>
-            </a:r>
-            <a:r>
-              <a:rPr lang="ru-RU" dirty="0"/>
-              <a:t> с сайта)</a:t>
-            </a:r>
-          </a:p>
-        </p:txBody>
-      </p:sp>
-      <p:sp>
-        <p:nvSpPr>
-          <p:cNvPr id="4" name="Объект 3">
+              <a:rPr lang="en-US" sz="2800" spc="300" dirty="0"/>
+              <a:t> users</a:t>
+            </a:r>
+          </a:p>
+          <a:p>
+            <a:pPr>
+              <a:buFont typeface="Arial" panose="020B0604020202020204" pitchFamily="34" charset="0"/>
+              <a:buChar char="•"/>
+            </a:pPr>
+            <a:r>
+              <a:rPr lang="en-US" sz="2800" spc="300" dirty="0"/>
+              <a:t> cards</a:t>
+            </a:r>
+          </a:p>
+          <a:p>
+            <a:pPr>
+              <a:buFont typeface="Arial" panose="020B0604020202020204" pitchFamily="34" charset="0"/>
+              <a:buChar char="•"/>
+            </a:pPr>
+            <a:r>
+              <a:rPr lang="en-US" sz="2800" spc="300" dirty="0"/>
+              <a:t> </a:t>
+            </a:r>
+            <a:r>
+              <a:rPr lang="en-US" sz="2800" spc="300" dirty="0" err="1"/>
+              <a:t>pet_age</a:t>
+            </a:r>
+            <a:endParaRPr lang="ru-RU" sz="2800" spc="300" dirty="0"/>
+          </a:p>
+        </p:txBody>
+      </p:sp>
+      <p:pic>
+        <p:nvPicPr>
+          <p:cNvPr id="6" name="Объект 5">
             <a:extLst>
               <a:ext uri="{FF2B5EF4-FFF2-40B4-BE49-F238E27FC236}">
-                <a16:creationId xmlns:a16="http://schemas.microsoft.com/office/drawing/2014/main" id="{84AB24D0-0E53-434D-A021-3784FB51BF0A}"/>
+                <a16:creationId xmlns:a16="http://schemas.microsoft.com/office/drawing/2014/main" id="{BB729338-0FFB-4A29-B916-F74E78CA0674}"/>
               </a:ext>
             </a:extLst>
           </p:cNvPr>
-          <p:cNvSpPr>
-            <a:spLocks noGrp="1"/>
-          </p:cNvSpPr>
+          <p:cNvPicPr>
+            <a:picLocks noGrp="1" noChangeAspect="1"/>
+          </p:cNvPicPr>
           <p:nvPr>
             <p:ph sz="half" idx="2"/>
           </p:nvPr>
-        </p:nvSpPr>
-        <p:spPr/>
-        <p:txBody>
-          <a:bodyPr/>
-          <a:lstStyle/>
-          <a:p>
-            <a:endParaRPr lang="ru-RU"/>
-          </a:p>
-        </p:txBody>
-      </p:sp>
+        </p:nvPicPr>
+        <p:blipFill>
+          <a:blip r:embed="rId2">
+            <a:extLst>
+              <a:ext uri="{28A0092B-C50C-407E-A947-70E740481C1C}">
+                <a14:useLocalDpi xmlns:a14="http://schemas.microsoft.com/office/drawing/2010/main" val="0"/>
+              </a:ext>
+            </a:extLst>
+          </a:blip>
+          <a:stretch>
+            <a:fillRect/>
+          </a:stretch>
+        </p:blipFill>
+        <p:spPr>
+          <a:xfrm>
+            <a:off x="5769059" y="3734769"/>
+            <a:ext cx="5386621" cy="2104829"/>
+          </a:xfrm>
+        </p:spPr>
+      </p:pic>
+      <p:pic>
+        <p:nvPicPr>
+          <p:cNvPr id="8" name="Рисунок 7">
+            <a:extLst>
+              <a:ext uri="{FF2B5EF4-FFF2-40B4-BE49-F238E27FC236}">
+                <a16:creationId xmlns:a16="http://schemas.microsoft.com/office/drawing/2014/main" id="{8A38D1B8-5016-474A-8AE0-2709E1B925A1}"/>
+              </a:ext>
+            </a:extLst>
+          </p:cNvPr>
+          <p:cNvPicPr>
+            <a:picLocks noChangeAspect="1"/>
+          </p:cNvPicPr>
+          <p:nvPr/>
+        </p:nvPicPr>
+        <p:blipFill>
+          <a:blip r:embed="rId3">
+            <a:extLst>
+              <a:ext uri="{28A0092B-C50C-407E-A947-70E740481C1C}">
+                <a14:useLocalDpi xmlns:a14="http://schemas.microsoft.com/office/drawing/2010/main" val="0"/>
+              </a:ext>
+            </a:extLst>
+          </a:blip>
+          <a:stretch>
+            <a:fillRect/>
+          </a:stretch>
+        </p:blipFill>
+        <p:spPr>
+          <a:xfrm>
+            <a:off x="7288787" y="1818256"/>
+            <a:ext cx="2347163" cy="1835617"/>
+          </a:xfrm>
+          <a:prstGeom prst="rect">
+            <a:avLst/>
+          </a:prstGeom>
+        </p:spPr>
+      </p:pic>
     </p:spTree>
     <p:extLst>
       <p:ext uri="{BB962C8B-B14F-4D97-AF65-F5344CB8AC3E}">
-        <p14:creationId xmlns:p14="http://schemas.microsoft.com/office/powerpoint/2010/main" val="3020208082"/>
+        <p14:creationId xmlns:p14="http://schemas.microsoft.com/office/powerpoint/2010/main" val="2297946075"/>
       </p:ext>
     </p:extLst>
   </p:cSld>
@@ -4218,7 +5514,7 @@
           <p:cNvPr id="2" name="Заголовок 1">
             <a:extLst>
               <a:ext uri="{FF2B5EF4-FFF2-40B4-BE49-F238E27FC236}">
-                <a16:creationId xmlns:a16="http://schemas.microsoft.com/office/drawing/2014/main" id="{27ABFF84-EEF5-4C5D-94C5-E8A48F7FC355}"/>
+                <a16:creationId xmlns:a16="http://schemas.microsoft.com/office/drawing/2014/main" id="{935277F0-3AF1-4BBA-9DC9-C99355B6DAB5}"/>
               </a:ext>
             </a:extLst>
           </p:cNvPr>
@@ -4235,85 +5531,303 @@
           <a:lstStyle/>
           <a:p>
             <a:r>
-              <a:rPr lang="ru-RU" b="1" dirty="0">
-                <a:latin typeface="Calibri" panose="020F0502020204030204" pitchFamily="34" charset="0"/>
-                <a:ea typeface="Calibri" panose="020F0502020204030204" pitchFamily="34" charset="0"/>
-                <a:cs typeface="Times New Roman" panose="02020603050405020304" pitchFamily="18" charset="0"/>
-              </a:rPr>
-              <a:t>Возможные улучшения:</a:t>
-            </a:r>
-            <a:br>
-              <a:rPr lang="ru-RU" b="1" dirty="0">
-                <a:latin typeface="Calibri" panose="020F0502020204030204" pitchFamily="34" charset="0"/>
-                <a:ea typeface="Calibri" panose="020F0502020204030204" pitchFamily="34" charset="0"/>
-                <a:cs typeface="Times New Roman" panose="02020603050405020304" pitchFamily="18" charset="0"/>
-              </a:rPr>
-            </a:br>
-            <a:endParaRPr lang="ru-RU" dirty="0"/>
-          </a:p>
-        </p:txBody>
-      </p:sp>
-      <p:sp>
-        <p:nvSpPr>
-          <p:cNvPr id="3" name="Объект 2">
+              <a:rPr lang="ru-RU" dirty="0"/>
+              <a:t>Примеры страниц</a:t>
+            </a:r>
+          </a:p>
+        </p:txBody>
+      </p:sp>
+      <p:pic>
+        <p:nvPicPr>
+          <p:cNvPr id="8" name="Объект 7">
             <a:extLst>
               <a:ext uri="{FF2B5EF4-FFF2-40B4-BE49-F238E27FC236}">
-                <a16:creationId xmlns:a16="http://schemas.microsoft.com/office/drawing/2014/main" id="{72B14D7B-CF71-4FC4-9BBE-ADF7E1DCA513}"/>
+                <a16:creationId xmlns:a16="http://schemas.microsoft.com/office/drawing/2014/main" id="{7DFDF418-D119-4BF5-B368-2E11BD07536D}"/>
               </a:ext>
             </a:extLst>
           </p:cNvPr>
-          <p:cNvSpPr>
-            <a:spLocks noGrp="1"/>
-          </p:cNvSpPr>
-          <p:nvPr>
-            <p:ph idx="1"/>
-          </p:nvPr>
-        </p:nvSpPr>
-        <p:spPr/>
-        <p:txBody>
-          <a:bodyPr/>
-          <a:lstStyle/>
-          <a:p>
-            <a:r>
-              <a:rPr lang="ru-RU" sz="1800" b="1" dirty="0">
-                <a:latin typeface="Calibri" panose="020F0502020204030204" pitchFamily="34" charset="0"/>
-                <a:ea typeface="Calibri" panose="020F0502020204030204" pitchFamily="34" charset="0"/>
-                <a:cs typeface="Times New Roman" panose="02020603050405020304" pitchFamily="18" charset="0"/>
-              </a:rPr>
-              <a:t>Сюда что-то из списка идей </a:t>
-            </a:r>
-            <a:r>
-              <a:rPr lang="ru-RU" sz="1800" b="1" dirty="0" err="1">
-                <a:latin typeface="Calibri" panose="020F0502020204030204" pitchFamily="34" charset="0"/>
-                <a:ea typeface="Calibri" panose="020F0502020204030204" pitchFamily="34" charset="0"/>
-                <a:cs typeface="Times New Roman" panose="02020603050405020304" pitchFamily="18" charset="0"/>
-              </a:rPr>
-              <a:t>нереализ</a:t>
-            </a:r>
-            <a:r>
-              <a:rPr lang="ru-RU" sz="1800" b="1" dirty="0">
-                <a:latin typeface="Calibri" panose="020F0502020204030204" pitchFamily="34" charset="0"/>
-                <a:ea typeface="Calibri" panose="020F0502020204030204" pitchFamily="34" charset="0"/>
-                <a:cs typeface="Times New Roman" panose="02020603050405020304" pitchFamily="18" charset="0"/>
-              </a:rPr>
-              <a:t>.</a:t>
-            </a:r>
-            <a:endParaRPr lang="ru-RU" sz="1800" dirty="0">
-              <a:effectLst/>
-              <a:latin typeface="Calibri" panose="020F0502020204030204" pitchFamily="34" charset="0"/>
-              <a:ea typeface="Calibri" panose="020F0502020204030204" pitchFamily="34" charset="0"/>
-              <a:cs typeface="Times New Roman" panose="02020603050405020304" pitchFamily="18" charset="0"/>
-            </a:endParaRPr>
-          </a:p>
-          <a:p>
-            <a:endParaRPr lang="ru-RU" dirty="0"/>
-          </a:p>
-        </p:txBody>
-      </p:sp>
+          <p:cNvPicPr>
+            <a:picLocks noGrp="1" noChangeAspect="1"/>
+          </p:cNvPicPr>
+          <p:nvPr>
+            <p:ph sz="half" idx="2"/>
+          </p:nvPr>
+        </p:nvPicPr>
+        <p:blipFill>
+          <a:blip r:embed="rId2">
+            <a:extLst>
+              <a:ext uri="{28A0092B-C50C-407E-A947-70E740481C1C}">
+                <a14:useLocalDpi xmlns:a14="http://schemas.microsoft.com/office/drawing/2010/main" val="0"/>
+              </a:ext>
+            </a:extLst>
+          </a:blip>
+          <a:stretch>
+            <a:fillRect/>
+          </a:stretch>
+        </p:blipFill>
+        <p:spPr>
+          <a:xfrm>
+            <a:off x="5734975" y="2032431"/>
+            <a:ext cx="6185685" cy="3274906"/>
+          </a:xfrm>
+        </p:spPr>
+      </p:pic>
+      <p:pic>
+        <p:nvPicPr>
+          <p:cNvPr id="6" name="Объект 5">
+            <a:extLst>
+              <a:ext uri="{FF2B5EF4-FFF2-40B4-BE49-F238E27FC236}">
+                <a16:creationId xmlns:a16="http://schemas.microsoft.com/office/drawing/2014/main" id="{419002F2-B60C-48E1-B33E-57562E48B0F8}"/>
+              </a:ext>
+            </a:extLst>
+          </p:cNvPr>
+          <p:cNvPicPr>
+            <a:picLocks noGrp="1" noChangeAspect="1"/>
+          </p:cNvPicPr>
+          <p:nvPr>
+            <p:ph sz="half" idx="1"/>
+          </p:nvPr>
+        </p:nvPicPr>
+        <p:blipFill>
+          <a:blip r:embed="rId3">
+            <a:extLst>
+              <a:ext uri="{28A0092B-C50C-407E-A947-70E740481C1C}">
+                <a14:useLocalDpi xmlns:a14="http://schemas.microsoft.com/office/drawing/2010/main" val="0"/>
+              </a:ext>
+            </a:extLst>
+          </a:blip>
+          <a:stretch>
+            <a:fillRect/>
+          </a:stretch>
+        </p:blipFill>
+        <p:spPr>
+          <a:xfrm>
+            <a:off x="817886" y="2044715"/>
+            <a:ext cx="5112396" cy="3088210"/>
+          </a:xfrm>
+        </p:spPr>
+      </p:pic>
     </p:spTree>
     <p:extLst>
       <p:ext uri="{BB962C8B-B14F-4D97-AF65-F5344CB8AC3E}">
-        <p14:creationId xmlns:p14="http://schemas.microsoft.com/office/powerpoint/2010/main" val="1391279688"/>
+        <p14:creationId xmlns:p14="http://schemas.microsoft.com/office/powerpoint/2010/main" val="3020208082"/>
+      </p:ext>
+    </p:extLst>
+  </p:cSld>
+  <p:clrMapOvr>
+    <a:masterClrMapping/>
+  </p:clrMapOvr>
+</p:sld>
+</file>
+
+<file path=ppt/slides/slide7.xml><?xml version="1.0" encoding="utf-8"?>
+<p:sld xmlns:a="http://schemas.openxmlformats.org/drawingml/2006/main" xmlns:r="http://schemas.openxmlformats.org/officeDocument/2006/relationships" xmlns:p="http://schemas.openxmlformats.org/presentationml/2006/main">
+  <p:cSld>
+    <p:spTree>
+      <p:nvGrpSpPr>
+        <p:cNvPr id="1" name=""/>
+        <p:cNvGrpSpPr/>
+        <p:nvPr/>
+      </p:nvGrpSpPr>
+      <p:grpSpPr>
+        <a:xfrm>
+          <a:off x="0" y="0"/>
+          <a:ext cx="0" cy="0"/>
+          <a:chOff x="0" y="0"/>
+          <a:chExt cx="0" cy="0"/>
+        </a:xfrm>
+      </p:grpSpPr>
+      <p:sp>
+        <p:nvSpPr>
+          <p:cNvPr id="2" name="Заголовок 1">
+            <a:extLst>
+              <a:ext uri="{FF2B5EF4-FFF2-40B4-BE49-F238E27FC236}">
+                <a16:creationId xmlns:a16="http://schemas.microsoft.com/office/drawing/2014/main" id="{D3D9537D-00C1-4EB5-A3A7-2C12AAC458FA}"/>
+              </a:ext>
+            </a:extLst>
+          </p:cNvPr>
+          <p:cNvSpPr>
+            <a:spLocks noGrp="1"/>
+          </p:cNvSpPr>
+          <p:nvPr>
+            <p:ph type="title"/>
+          </p:nvPr>
+        </p:nvSpPr>
+        <p:spPr/>
+        <p:txBody>
+          <a:bodyPr/>
+          <a:lstStyle/>
+          <a:p>
+            <a:r>
+              <a:rPr lang="ru-RU" dirty="0">
+                <a:solidFill>
+                  <a:srgbClr val="212529"/>
+                </a:solidFill>
+                <a:cs typeface="Segoe UI" panose="020B0502040204020203" pitchFamily="34" charset="0"/>
+              </a:rPr>
+              <a:t>Ваши мысли от проекта</a:t>
+            </a:r>
+            <a:endParaRPr lang="ru-RU" dirty="0"/>
+          </a:p>
+        </p:txBody>
+      </p:sp>
+      <p:sp>
+        <p:nvSpPr>
+          <p:cNvPr id="4" name="Объект 3">
+            <a:extLst>
+              <a:ext uri="{FF2B5EF4-FFF2-40B4-BE49-F238E27FC236}">
+                <a16:creationId xmlns:a16="http://schemas.microsoft.com/office/drawing/2014/main" id="{0E5B0451-E6D7-474F-B79F-DF8DF653AC97}"/>
+              </a:ext>
+            </a:extLst>
+          </p:cNvPr>
+          <p:cNvSpPr>
+            <a:spLocks noGrp="1"/>
+          </p:cNvSpPr>
+          <p:nvPr>
+            <p:ph sz="half" idx="2"/>
+          </p:nvPr>
+        </p:nvSpPr>
+        <p:spPr>
+          <a:xfrm>
+            <a:off x="1108525" y="2376994"/>
+            <a:ext cx="9974950" cy="3526655"/>
+          </a:xfrm>
+        </p:spPr>
+        <p:txBody>
+          <a:bodyPr>
+            <a:normAutofit lnSpcReduction="10000"/>
+          </a:bodyPr>
+          <a:lstStyle/>
+          <a:p>
+            <a:pPr algn="ctr"/>
+            <a:r>
+              <a:rPr lang="ru-RU" sz="4000" dirty="0"/>
+              <a:t>Наш основной девиз</a:t>
+            </a:r>
+            <a:r>
+              <a:rPr lang="en-US" sz="4000" dirty="0"/>
+              <a:t>:</a:t>
+            </a:r>
+            <a:endParaRPr lang="ru-RU" sz="4000" dirty="0"/>
+          </a:p>
+          <a:p>
+            <a:pPr algn="ctr"/>
+            <a:r>
+              <a:rPr lang="en-US" sz="4000" dirty="0"/>
+              <a:t> “</a:t>
+            </a:r>
+            <a:r>
+              <a:rPr lang="ru-RU" sz="4000" dirty="0"/>
+              <a:t>Мы так сделали и оно работает…</a:t>
+            </a:r>
+            <a:r>
+              <a:rPr lang="en-US" sz="4000" dirty="0"/>
+              <a:t>”</a:t>
+            </a:r>
+            <a:endParaRPr lang="ru-RU" sz="4000" dirty="0"/>
+          </a:p>
+          <a:p>
+            <a:pPr algn="ctr"/>
+            <a:r>
+              <a:rPr lang="ru-RU" sz="4000" dirty="0"/>
+              <a:t>Антон просто Антон</a:t>
+            </a:r>
+          </a:p>
+          <a:p>
+            <a:pPr algn="ctr"/>
+            <a:r>
+              <a:rPr lang="en-US" sz="4000" dirty="0" err="1"/>
+              <a:t>brbrbrbrbrb</a:t>
+            </a:r>
+            <a:endParaRPr lang="en-US" sz="4000" dirty="0"/>
+          </a:p>
+          <a:p>
+            <a:pPr algn="ctr"/>
+            <a:r>
+              <a:rPr lang="ru-RU" sz="4000" dirty="0"/>
+              <a:t>НЕ </a:t>
+            </a:r>
+            <a:r>
+              <a:rPr lang="en-US" sz="4000" dirty="0"/>
+              <a:t>Update Project</a:t>
+            </a:r>
+            <a:r>
+              <a:rPr lang="ru-RU" sz="4000" dirty="0"/>
+              <a:t>, а да он</a:t>
+            </a:r>
+          </a:p>
+        </p:txBody>
+      </p:sp>
+    </p:spTree>
+    <p:extLst>
+      <p:ext uri="{BB962C8B-B14F-4D97-AF65-F5344CB8AC3E}">
+        <p14:creationId xmlns:p14="http://schemas.microsoft.com/office/powerpoint/2010/main" val="1821116606"/>
+      </p:ext>
+    </p:extLst>
+  </p:cSld>
+  <p:clrMapOvr>
+    <a:masterClrMapping/>
+  </p:clrMapOvr>
+</p:sld>
+</file>
+
+<file path=ppt/slides/slide8.xml><?xml version="1.0" encoding="utf-8"?>
+<p:sld xmlns:a="http://schemas.openxmlformats.org/drawingml/2006/main" xmlns:r="http://schemas.openxmlformats.org/officeDocument/2006/relationships" xmlns:p="http://schemas.openxmlformats.org/presentationml/2006/main">
+  <p:cSld>
+    <p:spTree>
+      <p:nvGrpSpPr>
+        <p:cNvPr id="1" name=""/>
+        <p:cNvGrpSpPr/>
+        <p:nvPr/>
+      </p:nvGrpSpPr>
+      <p:grpSpPr>
+        <a:xfrm>
+          <a:off x="0" y="0"/>
+          <a:ext cx="0" cy="0"/>
+          <a:chOff x="0" y="0"/>
+          <a:chExt cx="0" cy="0"/>
+        </a:xfrm>
+      </p:grpSpPr>
+      <p:sp>
+        <p:nvSpPr>
+          <p:cNvPr id="5" name="Заголовок 4">
+            <a:extLst>
+              <a:ext uri="{FF2B5EF4-FFF2-40B4-BE49-F238E27FC236}">
+                <a16:creationId xmlns:a16="http://schemas.microsoft.com/office/drawing/2014/main" id="{AEFFF4C7-A690-43FD-A270-5657D6B41C11}"/>
+              </a:ext>
+            </a:extLst>
+          </p:cNvPr>
+          <p:cNvSpPr>
+            <a:spLocks noGrp="1"/>
+          </p:cNvSpPr>
+          <p:nvPr>
+            <p:ph type="title" idx="4294967295"/>
+          </p:nvPr>
+        </p:nvSpPr>
+        <p:spPr>
+          <a:xfrm>
+            <a:off x="1066800" y="2062841"/>
+            <a:ext cx="10058400" cy="1449387"/>
+          </a:xfrm>
+        </p:spPr>
+        <p:txBody>
+          <a:bodyPr>
+            <a:normAutofit/>
+          </a:bodyPr>
+          <a:lstStyle/>
+          <a:p>
+            <a:pPr algn="ctr"/>
+            <a:r>
+              <a:rPr lang="ru-RU" sz="6000" dirty="0"/>
+              <a:t>Спасибо за внимание</a:t>
+            </a:r>
+          </a:p>
+        </p:txBody>
+      </p:sp>
+    </p:spTree>
+    <p:extLst>
+      <p:ext uri="{BB962C8B-B14F-4D97-AF65-F5344CB8AC3E}">
+        <p14:creationId xmlns:p14="http://schemas.microsoft.com/office/powerpoint/2010/main" val="230826554"/>
       </p:ext>
     </p:extLst>
   </p:cSld>
@@ -4324,54 +5838,54 @@
 </file>
 
 <file path=ppt/theme/theme1.xml><?xml version="1.0" encoding="utf-8"?>
-<a:theme xmlns:a="http://schemas.openxmlformats.org/drawingml/2006/main" name="Тема Office">
+<a:theme xmlns:a="http://schemas.openxmlformats.org/drawingml/2006/main" name="Ретро">
   <a:themeElements>
-    <a:clrScheme name="Стандартная">
+    <a:clrScheme name="Ретро">
       <a:dk1>
-        <a:sysClr val="windowText" lastClr="000000"/>
+        <a:srgbClr val="000000"/>
       </a:dk1>
       <a:lt1>
         <a:sysClr val="window" lastClr="FFFFFF"/>
       </a:lt1>
       <a:dk2>
-        <a:srgbClr val="44546A"/>
+        <a:srgbClr val="637052"/>
       </a:dk2>
       <a:lt2>
-        <a:srgbClr val="E7E6E6"/>
+        <a:srgbClr val="CCDDEA"/>
       </a:lt2>
       <a:accent1>
-        <a:srgbClr val="4472C4"/>
+        <a:srgbClr val="E48312"/>
       </a:accent1>
       <a:accent2>
-        <a:srgbClr val="ED7D31"/>
+        <a:srgbClr val="BD582C"/>
       </a:accent2>
       <a:accent3>
-        <a:srgbClr val="A5A5A5"/>
+        <a:srgbClr val="865640"/>
       </a:accent3>
       <a:accent4>
-        <a:srgbClr val="FFC000"/>
+        <a:srgbClr val="9B8357"/>
       </a:accent4>
       <a:accent5>
-        <a:srgbClr val="5B9BD5"/>
+        <a:srgbClr val="C2BC80"/>
       </a:accent5>
       <a:accent6>
-        <a:srgbClr val="70AD47"/>
+        <a:srgbClr val="94A088"/>
       </a:accent6>
       <a:hlink>
-        <a:srgbClr val="0563C1"/>
+        <a:srgbClr val="2998E3"/>
       </a:hlink>
       <a:folHlink>
-        <a:srgbClr val="954F72"/>
+        <a:srgbClr val="8C8C8C"/>
       </a:folHlink>
     </a:clrScheme>
-    <a:fontScheme name="Стандартная">
+    <a:fontScheme name="Ретро">
       <a:majorFont>
         <a:latin typeface="Calibri Light" panose="020F0302020204030204"/>
         <a:ea typeface=""/>
         <a:cs typeface=""/>
-        <a:font script="Jpan" typeface="游ゴシック Light"/>
+        <a:font script="Jpan" typeface="ＭＳ Ｐゴシック"/>
         <a:font script="Hang" typeface="맑은 고딕"/>
-        <a:font script="Hans" typeface="等线 Light"/>
+        <a:font script="Hans" typeface="宋体"/>
         <a:font script="Hant" typeface="新細明體"/>
         <a:font script="Arab" typeface="Times New Roman"/>
         <a:font script="Hebr" typeface="Times New Roman"/>
@@ -4399,31 +5913,14 @@
         <a:font script="Viet" typeface="Times New Roman"/>
         <a:font script="Uigh" typeface="Microsoft Uighur"/>
         <a:font script="Geor" typeface="Sylfaen"/>
-        <a:font script="Armn" typeface="Arial"/>
-        <a:font script="Bugi" typeface="Leelawadee UI"/>
-        <a:font script="Bopo" typeface="Microsoft JhengHei"/>
-        <a:font script="Java" typeface="Javanese Text"/>
-        <a:font script="Lisu" typeface="Segoe UI"/>
-        <a:font script="Mymr" typeface="Myanmar Text"/>
-        <a:font script="Nkoo" typeface="Ebrima"/>
-        <a:font script="Olck" typeface="Nirmala UI"/>
-        <a:font script="Osma" typeface="Ebrima"/>
-        <a:font script="Phag" typeface="Phagspa"/>
-        <a:font script="Syrn" typeface="Estrangelo Edessa"/>
-        <a:font script="Syrj" typeface="Estrangelo Edessa"/>
-        <a:font script="Syre" typeface="Estrangelo Edessa"/>
-        <a:font script="Sora" typeface="Nirmala UI"/>
-        <a:font script="Tale" typeface="Microsoft Tai Le"/>
-        <a:font script="Talu" typeface="Microsoft New Tai Lue"/>
-        <a:font script="Tfng" typeface="Ebrima"/>
       </a:majorFont>
       <a:minorFont>
         <a:latin typeface="Calibri" panose="020F0502020204030204"/>
         <a:ea typeface=""/>
         <a:cs typeface=""/>
-        <a:font script="Jpan" typeface="游ゴシック"/>
+        <a:font script="Jpan" typeface="ＭＳ Ｐゴシック"/>
         <a:font script="Hang" typeface="맑은 고딕"/>
-        <a:font script="Hans" typeface="等线"/>
+        <a:font script="Hans" typeface="宋体"/>
         <a:font script="Hant" typeface="新細明體"/>
         <a:font script="Arab" typeface="Arial"/>
         <a:font script="Hebr" typeface="Arial"/>
@@ -4451,26 +5948,9 @@
         <a:font script="Viet" typeface="Arial"/>
         <a:font script="Uigh" typeface="Microsoft Uighur"/>
         <a:font script="Geor" typeface="Sylfaen"/>
-        <a:font script="Armn" typeface="Arial"/>
-        <a:font script="Bugi" typeface="Leelawadee UI"/>
-        <a:font script="Bopo" typeface="Microsoft JhengHei"/>
-        <a:font script="Java" typeface="Javanese Text"/>
-        <a:font script="Lisu" typeface="Segoe UI"/>
-        <a:font script="Mymr" typeface="Myanmar Text"/>
-        <a:font script="Nkoo" typeface="Ebrima"/>
-        <a:font script="Olck" typeface="Nirmala UI"/>
-        <a:font script="Osma" typeface="Ebrima"/>
-        <a:font script="Phag" typeface="Phagspa"/>
-        <a:font script="Syrn" typeface="Estrangelo Edessa"/>
-        <a:font script="Syrj" typeface="Estrangelo Edessa"/>
-        <a:font script="Syre" typeface="Estrangelo Edessa"/>
-        <a:font script="Sora" typeface="Nirmala UI"/>
-        <a:font script="Tale" typeface="Microsoft Tai Le"/>
-        <a:font script="Talu" typeface="Microsoft New Tai Lue"/>
-        <a:font script="Tfng" typeface="Ebrima"/>
       </a:minorFont>
     </a:fontScheme>
-    <a:fmtScheme name="Стандартная">
+    <a:fmtScheme name="Ретро">
       <a:fillStyleLst>
         <a:solidFill>
           <a:schemeClr val="phClr"/>
@@ -4479,76 +5959,81 @@
           <a:gsLst>
             <a:gs pos="0">
               <a:schemeClr val="phClr">
-                <a:lumMod val="110000"/>
-                <a:satMod val="105000"/>
-                <a:tint val="67000"/>
+                <a:tint val="65000"/>
+                <a:shade val="92000"/>
+                <a:satMod val="130000"/>
               </a:schemeClr>
             </a:gs>
-            <a:gs pos="50000">
+            <a:gs pos="45000">
               <a:schemeClr val="phClr">
-                <a:lumMod val="105000"/>
-                <a:satMod val="103000"/>
-                <a:tint val="73000"/>
+                <a:tint val="60000"/>
+                <a:shade val="99000"/>
+                <a:satMod val="120000"/>
               </a:schemeClr>
             </a:gs>
             <a:gs pos="100000">
               <a:schemeClr val="phClr">
-                <a:lumMod val="105000"/>
-                <a:satMod val="109000"/>
-                <a:tint val="81000"/>
+                <a:tint val="55000"/>
+                <a:satMod val="140000"/>
               </a:schemeClr>
             </a:gs>
           </a:gsLst>
-          <a:lin ang="5400000" scaled="0"/>
+          <a:path path="circle">
+            <a:fillToRect l="100000" t="100000" r="100000" b="100000"/>
+          </a:path>
         </a:gradFill>
         <a:gradFill rotWithShape="1">
           <a:gsLst>
             <a:gs pos="0">
               <a:schemeClr val="phClr">
-                <a:satMod val="103000"/>
-                <a:lumMod val="102000"/>
-                <a:tint val="94000"/>
+                <a:shade val="85000"/>
+                <a:satMod val="130000"/>
               </a:schemeClr>
             </a:gs>
-            <a:gs pos="50000">
+            <a:gs pos="34000">
               <a:schemeClr val="phClr">
-                <a:satMod val="110000"/>
-                <a:lumMod val="100000"/>
-                <a:shade val="100000"/>
+                <a:shade val="87000"/>
+                <a:satMod val="125000"/>
+              </a:schemeClr>
+            </a:gs>
+            <a:gs pos="70000">
+              <a:schemeClr val="phClr">
+                <a:tint val="100000"/>
+                <a:shade val="90000"/>
+                <a:satMod val="130000"/>
               </a:schemeClr>
             </a:gs>
             <a:gs pos="100000">
               <a:schemeClr val="phClr">
-                <a:lumMod val="99000"/>
-                <a:satMod val="120000"/>
-                <a:shade val="78000"/>
+                <a:tint val="100000"/>
+                <a:shade val="100000"/>
+                <a:satMod val="110000"/>
               </a:schemeClr>
             </a:gs>
           </a:gsLst>
-          <a:lin ang="5400000" scaled="0"/>
+          <a:path path="circle">
+            <a:fillToRect l="100000" t="100000" r="100000" b="100000"/>
+          </a:path>
         </a:gradFill>
       </a:fillStyleLst>
       <a:lnStyleLst>
-        <a:ln w="6350" cap="flat" cmpd="sng" algn="ctr">
-          <a:solidFill>
-            <a:schemeClr val="phClr"/>
-          </a:solidFill>
-          <a:prstDash val="solid"/>
-          <a:miter lim="800000"/>
-        </a:ln>
         <a:ln w="12700" cap="flat" cmpd="sng" algn="ctr">
           <a:solidFill>
             <a:schemeClr val="phClr"/>
           </a:solidFill>
           <a:prstDash val="solid"/>
-          <a:miter lim="800000"/>
         </a:ln>
-        <a:ln w="19050" cap="flat" cmpd="sng" algn="ctr">
+        <a:ln w="15875" cap="flat" cmpd="sng" algn="ctr">
           <a:solidFill>
             <a:schemeClr val="phClr"/>
           </a:solidFill>
           <a:prstDash val="solid"/>
-          <a:miter lim="800000"/>
+        </a:ln>
+        <a:ln w="25400" cap="flat" cmpd="sng" algn="ctr">
+          <a:solidFill>
+            <a:schemeClr val="phClr"/>
+          </a:solidFill>
+          <a:prstDash val="solid"/>
         </a:ln>
       </a:lnStyleLst>
       <a:effectStyleLst>
@@ -4556,16 +6041,33 @@
           <a:effectLst/>
         </a:effectStyle>
         <a:effectStyle>
-          <a:effectLst/>
+          <a:effectLst>
+            <a:outerShdw blurRad="38100" dist="25400" dir="2700000" algn="br" rotWithShape="0">
+              <a:srgbClr val="000000">
+                <a:alpha val="60000"/>
+              </a:srgbClr>
+            </a:outerShdw>
+          </a:effectLst>
         </a:effectStyle>
         <a:effectStyle>
           <a:effectLst>
-            <a:outerShdw blurRad="57150" dist="19050" dir="5400000" algn="ctr" rotWithShape="0">
+            <a:outerShdw blurRad="44450" dist="25400" dir="2700000" algn="br" rotWithShape="0">
               <a:srgbClr val="000000">
-                <a:alpha val="63000"/>
+                <a:alpha val="60000"/>
               </a:srgbClr>
             </a:outerShdw>
           </a:effectLst>
+          <a:scene3d>
+            <a:camera prst="orthographicFront">
+              <a:rot lat="0" lon="0" rev="0"/>
+            </a:camera>
+            <a:lightRig rig="threePt" dir="t">
+              <a:rot lat="0" lon="0" rev="19800000"/>
+            </a:lightRig>
+          </a:scene3d>
+          <a:sp3d prstMaterial="flat">
+            <a:bevelT w="25400" h="31750"/>
+          </a:sp3d>
         </a:effectStyle>
       </a:effectStyleLst>
       <a:bgFillStyleLst>
@@ -4574,36 +6076,36 @@
         </a:solidFill>
         <a:solidFill>
           <a:schemeClr val="phClr">
-            <a:tint val="95000"/>
-            <a:satMod val="170000"/>
+            <a:tint val="90000"/>
+            <a:shade val="97000"/>
+            <a:satMod val="130000"/>
           </a:schemeClr>
         </a:solidFill>
         <a:gradFill rotWithShape="1">
           <a:gsLst>
             <a:gs pos="0">
               <a:schemeClr val="phClr">
-                <a:tint val="93000"/>
-                <a:satMod val="150000"/>
-                <a:shade val="98000"/>
-                <a:lumMod val="102000"/>
+                <a:tint val="96000"/>
+                <a:shade val="99000"/>
+                <a:satMod val="140000"/>
               </a:schemeClr>
             </a:gs>
-            <a:gs pos="50000">
+            <a:gs pos="65000">
               <a:schemeClr val="phClr">
-                <a:tint val="98000"/>
+                <a:tint val="100000"/>
+                <a:shade val="80000"/>
                 <a:satMod val="130000"/>
-                <a:shade val="90000"/>
-                <a:lumMod val="103000"/>
               </a:schemeClr>
             </a:gs>
             <a:gs pos="100000">
               <a:schemeClr val="phClr">
-                <a:shade val="63000"/>
+                <a:tint val="100000"/>
+                <a:shade val="48000"/>
                 <a:satMod val="120000"/>
               </a:schemeClr>
             </a:gs>
           </a:gsLst>
-          <a:lin ang="5400000" scaled="0"/>
+          <a:lin ang="16200000" scaled="0"/>
         </a:gradFill>
       </a:bgFillStyleLst>
     </a:fmtScheme>
@@ -4612,7 +6114,7 @@
   <a:extraClrSchemeLst/>
   <a:extLst>
     <a:ext uri="{05A4C25C-085E-4340-85A3-A5531E510DB2}">
-      <thm15:themeFamily xmlns:thm15="http://schemas.microsoft.com/office/thememl/2012/main" name="Office Theme" id="{62F939B6-93AF-4DB8-9C6B-D6C7DFDC589F}" vid="{4A3C46E8-61CC-4603-A589-7422A47A8E4A}"/>
+      <thm15:themeFamily xmlns:thm15="http://schemas.microsoft.com/office/thememl/2012/main" name="Retrospect" id="{5F128B03-DCCA-4EEB-AB3B-CF2899314A46}" vid="{3F1AAB62-24C6-49D2-8E01-B56FAC9A3DCD}"/>
     </a:ext>
   </a:extLst>
 </a:theme>
